--- a/resources/Notional Architecture 2.pptx
+++ b/resources/Notional Architecture 2.pptx
@@ -4,9 +4,14 @@
   <p:sldMasterIdLst>
     <p:sldMasterId id="2147483648" r:id="rId1"/>
   </p:sldMasterIdLst>
+  <p:notesMasterIdLst>
+    <p:notesMasterId r:id="rId6"/>
+  </p:notesMasterIdLst>
   <p:sldIdLst>
     <p:sldId id="257" r:id="rId2"/>
-    <p:sldId id="258" r:id="rId3"/>
+    <p:sldId id="259" r:id="rId3"/>
+    <p:sldId id="260" r:id="rId4"/>
+    <p:sldId id="261" r:id="rId5"/>
   </p:sldIdLst>
   <p:sldSz cx="12192000" cy="6858000"/>
   <p:notesSz cx="6858000" cy="9144000"/>
@@ -113,6 +118,356 @@
 </p:presentation>
 </file>
 
+<file path=ppt/notesMasters/notesMaster1.xml><?xml version="1.0" encoding="utf-8"?>
+<p:notesMaster xmlns:a="http://schemas.openxmlformats.org/drawingml/2006/main" xmlns:r="http://schemas.openxmlformats.org/officeDocument/2006/relationships" xmlns:p="http://schemas.openxmlformats.org/presentationml/2006/main">
+  <p:cSld>
+    <p:bg>
+      <p:bgRef idx="1001">
+        <a:schemeClr val="bg1"/>
+      </p:bgRef>
+    </p:bg>
+    <p:spTree>
+      <p:nvGrpSpPr>
+        <p:cNvPr id="1" name=""/>
+        <p:cNvGrpSpPr/>
+        <p:nvPr/>
+      </p:nvGrpSpPr>
+      <p:grpSpPr>
+        <a:xfrm>
+          <a:off x="0" y="0"/>
+          <a:ext cx="0" cy="0"/>
+          <a:chOff x="0" y="0"/>
+          <a:chExt cx="0" cy="0"/>
+        </a:xfrm>
+      </p:grpSpPr>
+      <p:sp>
+        <p:nvSpPr>
+          <p:cNvPr id="2" name="Header Placeholder 1"/>
+          <p:cNvSpPr>
+            <a:spLocks noGrp="1"/>
+          </p:cNvSpPr>
+          <p:nvPr>
+            <p:ph type="hdr" sz="quarter"/>
+          </p:nvPr>
+        </p:nvSpPr>
+        <p:spPr>
+          <a:xfrm>
+            <a:off x="0" y="0"/>
+            <a:ext cx="2971800" cy="458788"/>
+          </a:xfrm>
+          <a:prstGeom prst="rect">
+            <a:avLst/>
+          </a:prstGeom>
+        </p:spPr>
+        <p:txBody>
+          <a:bodyPr vert="horz" lIns="91440" tIns="45720" rIns="91440" bIns="45720" rtlCol="0"/>
+          <a:lstStyle>
+            <a:lvl1pPr algn="l">
+              <a:defRPr sz="1200"/>
+            </a:lvl1pPr>
+          </a:lstStyle>
+          <a:p>
+            <a:endParaRPr lang="en-US"/>
+          </a:p>
+        </p:txBody>
+      </p:sp>
+      <p:sp>
+        <p:nvSpPr>
+          <p:cNvPr id="3" name="Date Placeholder 2"/>
+          <p:cNvSpPr>
+            <a:spLocks noGrp="1"/>
+          </p:cNvSpPr>
+          <p:nvPr>
+            <p:ph type="dt" idx="1"/>
+          </p:nvPr>
+        </p:nvSpPr>
+        <p:spPr>
+          <a:xfrm>
+            <a:off x="3884613" y="0"/>
+            <a:ext cx="2971800" cy="458788"/>
+          </a:xfrm>
+          <a:prstGeom prst="rect">
+            <a:avLst/>
+          </a:prstGeom>
+        </p:spPr>
+        <p:txBody>
+          <a:bodyPr vert="horz" lIns="91440" tIns="45720" rIns="91440" bIns="45720" rtlCol="0"/>
+          <a:lstStyle>
+            <a:lvl1pPr algn="r">
+              <a:defRPr sz="1200"/>
+            </a:lvl1pPr>
+          </a:lstStyle>
+          <a:p>
+            <a:fld id="{C3F53653-BF27-074A-9E8E-2D89D5A0BD0A}" type="datetimeFigureOut">
+              <a:rPr lang="en-US" smtClean="0"/>
+              <a:t>1/22/18</a:t>
+            </a:fld>
+            <a:endParaRPr lang="en-US"/>
+          </a:p>
+        </p:txBody>
+      </p:sp>
+      <p:sp>
+        <p:nvSpPr>
+          <p:cNvPr id="4" name="Slide Image Placeholder 3"/>
+          <p:cNvSpPr>
+            <a:spLocks noGrp="1" noRot="1" noChangeAspect="1"/>
+          </p:cNvSpPr>
+          <p:nvPr>
+            <p:ph type="sldImg" idx="2"/>
+          </p:nvPr>
+        </p:nvSpPr>
+        <p:spPr>
+          <a:xfrm>
+            <a:off x="685800" y="1143000"/>
+            <a:ext cx="5486400" cy="3086100"/>
+          </a:xfrm>
+          <a:prstGeom prst="rect">
+            <a:avLst/>
+          </a:prstGeom>
+          <a:noFill/>
+          <a:ln w="12700">
+            <a:solidFill>
+              <a:prstClr val="black"/>
+            </a:solidFill>
+          </a:ln>
+        </p:spPr>
+        <p:txBody>
+          <a:bodyPr vert="horz" lIns="91440" tIns="45720" rIns="91440" bIns="45720" rtlCol="0" anchor="ctr"/>
+          <a:lstStyle/>
+          <a:p>
+            <a:endParaRPr lang="en-US"/>
+          </a:p>
+        </p:txBody>
+      </p:sp>
+      <p:sp>
+        <p:nvSpPr>
+          <p:cNvPr id="5" name="Notes Placeholder 4"/>
+          <p:cNvSpPr>
+            <a:spLocks noGrp="1"/>
+          </p:cNvSpPr>
+          <p:nvPr>
+            <p:ph type="body" sz="quarter" idx="3"/>
+          </p:nvPr>
+        </p:nvSpPr>
+        <p:spPr>
+          <a:xfrm>
+            <a:off x="685800" y="4400550"/>
+            <a:ext cx="5486400" cy="3600450"/>
+          </a:xfrm>
+          <a:prstGeom prst="rect">
+            <a:avLst/>
+          </a:prstGeom>
+        </p:spPr>
+        <p:txBody>
+          <a:bodyPr vert="horz" lIns="91440" tIns="45720" rIns="91440" bIns="45720" rtlCol="0"/>
+          <a:lstStyle/>
+          <a:p>
+            <a:pPr lvl="0"/>
+            <a:r>
+              <a:rPr lang="en-US" smtClean="0"/>
+              <a:t>Click to edit Master text styles</a:t>
+            </a:r>
+          </a:p>
+          <a:p>
+            <a:pPr lvl="1"/>
+            <a:r>
+              <a:rPr lang="en-US" smtClean="0"/>
+              <a:t>Second level</a:t>
+            </a:r>
+          </a:p>
+          <a:p>
+            <a:pPr lvl="2"/>
+            <a:r>
+              <a:rPr lang="en-US" smtClean="0"/>
+              <a:t>Third level</a:t>
+            </a:r>
+          </a:p>
+          <a:p>
+            <a:pPr lvl="3"/>
+            <a:r>
+              <a:rPr lang="en-US" smtClean="0"/>
+              <a:t>Fourth level</a:t>
+            </a:r>
+          </a:p>
+          <a:p>
+            <a:pPr lvl="4"/>
+            <a:r>
+              <a:rPr lang="en-US" smtClean="0"/>
+              <a:t>Fifth level</a:t>
+            </a:r>
+            <a:endParaRPr lang="en-US"/>
+          </a:p>
+        </p:txBody>
+      </p:sp>
+      <p:sp>
+        <p:nvSpPr>
+          <p:cNvPr id="6" name="Footer Placeholder 5"/>
+          <p:cNvSpPr>
+            <a:spLocks noGrp="1"/>
+          </p:cNvSpPr>
+          <p:nvPr>
+            <p:ph type="ftr" sz="quarter" idx="4"/>
+          </p:nvPr>
+        </p:nvSpPr>
+        <p:spPr>
+          <a:xfrm>
+            <a:off x="0" y="8685213"/>
+            <a:ext cx="2971800" cy="458787"/>
+          </a:xfrm>
+          <a:prstGeom prst="rect">
+            <a:avLst/>
+          </a:prstGeom>
+        </p:spPr>
+        <p:txBody>
+          <a:bodyPr vert="horz" lIns="91440" tIns="45720" rIns="91440" bIns="45720" rtlCol="0" anchor="b"/>
+          <a:lstStyle>
+            <a:lvl1pPr algn="l">
+              <a:defRPr sz="1200"/>
+            </a:lvl1pPr>
+          </a:lstStyle>
+          <a:p>
+            <a:endParaRPr lang="en-US"/>
+          </a:p>
+        </p:txBody>
+      </p:sp>
+      <p:sp>
+        <p:nvSpPr>
+          <p:cNvPr id="7" name="Slide Number Placeholder 6"/>
+          <p:cNvSpPr>
+            <a:spLocks noGrp="1"/>
+          </p:cNvSpPr>
+          <p:nvPr>
+            <p:ph type="sldNum" sz="quarter" idx="5"/>
+          </p:nvPr>
+        </p:nvSpPr>
+        <p:spPr>
+          <a:xfrm>
+            <a:off x="3884613" y="8685213"/>
+            <a:ext cx="2971800" cy="458787"/>
+          </a:xfrm>
+          <a:prstGeom prst="rect">
+            <a:avLst/>
+          </a:prstGeom>
+        </p:spPr>
+        <p:txBody>
+          <a:bodyPr vert="horz" lIns="91440" tIns="45720" rIns="91440" bIns="45720" rtlCol="0" anchor="b"/>
+          <a:lstStyle>
+            <a:lvl1pPr algn="r">
+              <a:defRPr sz="1200"/>
+            </a:lvl1pPr>
+          </a:lstStyle>
+          <a:p>
+            <a:fld id="{00012EA4-A183-6847-8252-E9218F20E442}" type="slidenum">
+              <a:rPr lang="en-US" smtClean="0"/>
+              <a:t>‹#›</a:t>
+            </a:fld>
+            <a:endParaRPr lang="en-US"/>
+          </a:p>
+        </p:txBody>
+      </p:sp>
+    </p:spTree>
+    <p:extLst>
+      <p:ext uri="{BB962C8B-B14F-4D97-AF65-F5344CB8AC3E}">
+        <p14:creationId xmlns:p14="http://schemas.microsoft.com/office/powerpoint/2010/main" val="1171331717"/>
+      </p:ext>
+    </p:extLst>
+  </p:cSld>
+  <p:clrMap bg1="lt1" tx1="dk1" bg2="lt2" tx2="dk2" accent1="accent1" accent2="accent2" accent3="accent3" accent4="accent4" accent5="accent5" accent6="accent6" hlink="hlink" folHlink="folHlink"/>
+  <p:notesStyle>
+    <a:lvl1pPr marL="0" algn="l" defTabSz="914400" rtl="0" eaLnBrk="1" latinLnBrk="0" hangingPunct="1">
+      <a:defRPr sz="1200" kern="1200">
+        <a:solidFill>
+          <a:schemeClr val="tx1"/>
+        </a:solidFill>
+        <a:latin typeface="+mn-lt"/>
+        <a:ea typeface="+mn-ea"/>
+        <a:cs typeface="+mn-cs"/>
+      </a:defRPr>
+    </a:lvl1pPr>
+    <a:lvl2pPr marL="457200" algn="l" defTabSz="914400" rtl="0" eaLnBrk="1" latinLnBrk="0" hangingPunct="1">
+      <a:defRPr sz="1200" kern="1200">
+        <a:solidFill>
+          <a:schemeClr val="tx1"/>
+        </a:solidFill>
+        <a:latin typeface="+mn-lt"/>
+        <a:ea typeface="+mn-ea"/>
+        <a:cs typeface="+mn-cs"/>
+      </a:defRPr>
+    </a:lvl2pPr>
+    <a:lvl3pPr marL="914400" algn="l" defTabSz="914400" rtl="0" eaLnBrk="1" latinLnBrk="0" hangingPunct="1">
+      <a:defRPr sz="1200" kern="1200">
+        <a:solidFill>
+          <a:schemeClr val="tx1"/>
+        </a:solidFill>
+        <a:latin typeface="+mn-lt"/>
+        <a:ea typeface="+mn-ea"/>
+        <a:cs typeface="+mn-cs"/>
+      </a:defRPr>
+    </a:lvl3pPr>
+    <a:lvl4pPr marL="1371600" algn="l" defTabSz="914400" rtl="0" eaLnBrk="1" latinLnBrk="0" hangingPunct="1">
+      <a:defRPr sz="1200" kern="1200">
+        <a:solidFill>
+          <a:schemeClr val="tx1"/>
+        </a:solidFill>
+        <a:latin typeface="+mn-lt"/>
+        <a:ea typeface="+mn-ea"/>
+        <a:cs typeface="+mn-cs"/>
+      </a:defRPr>
+    </a:lvl4pPr>
+    <a:lvl5pPr marL="1828800" algn="l" defTabSz="914400" rtl="0" eaLnBrk="1" latinLnBrk="0" hangingPunct="1">
+      <a:defRPr sz="1200" kern="1200">
+        <a:solidFill>
+          <a:schemeClr val="tx1"/>
+        </a:solidFill>
+        <a:latin typeface="+mn-lt"/>
+        <a:ea typeface="+mn-ea"/>
+        <a:cs typeface="+mn-cs"/>
+      </a:defRPr>
+    </a:lvl5pPr>
+    <a:lvl6pPr marL="2286000" algn="l" defTabSz="914400" rtl="0" eaLnBrk="1" latinLnBrk="0" hangingPunct="1">
+      <a:defRPr sz="1200" kern="1200">
+        <a:solidFill>
+          <a:schemeClr val="tx1"/>
+        </a:solidFill>
+        <a:latin typeface="+mn-lt"/>
+        <a:ea typeface="+mn-ea"/>
+        <a:cs typeface="+mn-cs"/>
+      </a:defRPr>
+    </a:lvl6pPr>
+    <a:lvl7pPr marL="2743200" algn="l" defTabSz="914400" rtl="0" eaLnBrk="1" latinLnBrk="0" hangingPunct="1">
+      <a:defRPr sz="1200" kern="1200">
+        <a:solidFill>
+          <a:schemeClr val="tx1"/>
+        </a:solidFill>
+        <a:latin typeface="+mn-lt"/>
+        <a:ea typeface="+mn-ea"/>
+        <a:cs typeface="+mn-cs"/>
+      </a:defRPr>
+    </a:lvl7pPr>
+    <a:lvl8pPr marL="3200400" algn="l" defTabSz="914400" rtl="0" eaLnBrk="1" latinLnBrk="0" hangingPunct="1">
+      <a:defRPr sz="1200" kern="1200">
+        <a:solidFill>
+          <a:schemeClr val="tx1"/>
+        </a:solidFill>
+        <a:latin typeface="+mn-lt"/>
+        <a:ea typeface="+mn-ea"/>
+        <a:cs typeface="+mn-cs"/>
+      </a:defRPr>
+    </a:lvl8pPr>
+    <a:lvl9pPr marL="3657600" algn="l" defTabSz="914400" rtl="0" eaLnBrk="1" latinLnBrk="0" hangingPunct="1">
+      <a:defRPr sz="1200" kern="1200">
+        <a:solidFill>
+          <a:schemeClr val="tx1"/>
+        </a:solidFill>
+        <a:latin typeface="+mn-lt"/>
+        <a:ea typeface="+mn-ea"/>
+        <a:cs typeface="+mn-cs"/>
+      </a:defRPr>
+    </a:lvl9pPr>
+  </p:notesStyle>
+</p:notesMaster>
+</file>
+
 <file path=ppt/slideLayouts/slideLayout1.xml><?xml version="1.0" encoding="utf-8"?>
 <p:sldLayout xmlns:a="http://schemas.openxmlformats.org/drawingml/2006/main" xmlns:r="http://schemas.openxmlformats.org/officeDocument/2006/relationships" xmlns:p="http://schemas.openxmlformats.org/presentationml/2006/main" type="title" preserve="1">
   <p:cSld name="Title Slide">
@@ -244,7 +599,7 @@
           <a:p>
             <a:fld id="{D2810712-98E3-6D4A-BF0C-B7321C99D3A3}" type="datetimeFigureOut">
               <a:rPr lang="en-US" smtClean="0"/>
-              <a:t>12/20/17</a:t>
+              <a:t>1/21/18</a:t>
             </a:fld>
             <a:endParaRPr lang="en-US"/>
           </a:p>
@@ -414,7 +769,7 @@
           <a:p>
             <a:fld id="{D2810712-98E3-6D4A-BF0C-B7321C99D3A3}" type="datetimeFigureOut">
               <a:rPr lang="en-US" smtClean="0"/>
-              <a:t>12/20/17</a:t>
+              <a:t>1/21/18</a:t>
             </a:fld>
             <a:endParaRPr lang="en-US"/>
           </a:p>
@@ -594,7 +949,7 @@
           <a:p>
             <a:fld id="{D2810712-98E3-6D4A-BF0C-B7321C99D3A3}" type="datetimeFigureOut">
               <a:rPr lang="en-US" smtClean="0"/>
-              <a:t>12/20/17</a:t>
+              <a:t>1/21/18</a:t>
             </a:fld>
             <a:endParaRPr lang="en-US"/>
           </a:p>
@@ -853,7 +1208,7 @@
                   <a:srgbClr val="FFFFFF"/>
                 </a:solidFill>
               </a:rPr>
-              <a:t>12/20/17</a:t>
+              <a:t>1/21/18</a:t>
             </a:fld>
             <a:endParaRPr lang="en-US" kern="0" dirty="0">
               <a:solidFill>
@@ -1149,7 +1504,7 @@
           <a:p>
             <a:fld id="{D2810712-98E3-6D4A-BF0C-B7321C99D3A3}" type="datetimeFigureOut">
               <a:rPr lang="en-US" smtClean="0"/>
-              <a:t>12/20/17</a:t>
+              <a:t>1/21/18</a:t>
             </a:fld>
             <a:endParaRPr lang="en-US"/>
           </a:p>
@@ -1395,7 +1750,7 @@
           <a:p>
             <a:fld id="{D2810712-98E3-6D4A-BF0C-B7321C99D3A3}" type="datetimeFigureOut">
               <a:rPr lang="en-US" smtClean="0"/>
-              <a:t>12/20/17</a:t>
+              <a:t>1/21/18</a:t>
             </a:fld>
             <a:endParaRPr lang="en-US"/>
           </a:p>
@@ -1627,7 +1982,7 @@
           <a:p>
             <a:fld id="{D2810712-98E3-6D4A-BF0C-B7321C99D3A3}" type="datetimeFigureOut">
               <a:rPr lang="en-US" smtClean="0"/>
-              <a:t>12/20/17</a:t>
+              <a:t>1/21/18</a:t>
             </a:fld>
             <a:endParaRPr lang="en-US"/>
           </a:p>
@@ -1994,7 +2349,7 @@
           <a:p>
             <a:fld id="{D2810712-98E3-6D4A-BF0C-B7321C99D3A3}" type="datetimeFigureOut">
               <a:rPr lang="en-US" smtClean="0"/>
-              <a:t>12/20/17</a:t>
+              <a:t>1/21/18</a:t>
             </a:fld>
             <a:endParaRPr lang="en-US"/>
           </a:p>
@@ -2112,7 +2467,7 @@
           <a:p>
             <a:fld id="{D2810712-98E3-6D4A-BF0C-B7321C99D3A3}" type="datetimeFigureOut">
               <a:rPr lang="en-US" smtClean="0"/>
-              <a:t>12/20/17</a:t>
+              <a:t>1/21/18</a:t>
             </a:fld>
             <a:endParaRPr lang="en-US"/>
           </a:p>
@@ -2207,7 +2562,7 @@
           <a:p>
             <a:fld id="{D2810712-98E3-6D4A-BF0C-B7321C99D3A3}" type="datetimeFigureOut">
               <a:rPr lang="en-US" smtClean="0"/>
-              <a:t>12/20/17</a:t>
+              <a:t>1/21/18</a:t>
             </a:fld>
             <a:endParaRPr lang="en-US"/>
           </a:p>
@@ -2484,7 +2839,7 @@
           <a:p>
             <a:fld id="{D2810712-98E3-6D4A-BF0C-B7321C99D3A3}" type="datetimeFigureOut">
               <a:rPr lang="en-US" smtClean="0"/>
-              <a:t>12/20/17</a:t>
+              <a:t>1/21/18</a:t>
             </a:fld>
             <a:endParaRPr lang="en-US"/>
           </a:p>
@@ -2737,7 +3092,7 @@
           <a:p>
             <a:fld id="{D2810712-98E3-6D4A-BF0C-B7321C99D3A3}" type="datetimeFigureOut">
               <a:rPr lang="en-US" smtClean="0"/>
-              <a:t>12/20/17</a:t>
+              <a:t>1/21/18</a:t>
             </a:fld>
             <a:endParaRPr lang="en-US"/>
           </a:p>
@@ -2950,7 +3305,7 @@
           <a:p>
             <a:fld id="{D2810712-98E3-6D4A-BF0C-B7321C99D3A3}" type="datetimeFigureOut">
               <a:rPr lang="en-US" smtClean="0"/>
-              <a:t>12/20/17</a:t>
+              <a:t>1/21/18</a:t>
             </a:fld>
             <a:endParaRPr lang="en-US"/>
           </a:p>
@@ -3875,10 +4230,10 @@
         </p:nvGrpSpPr>
         <p:grpSpPr bwMode="auto">
           <a:xfrm>
-            <a:off x="7445106" y="4691140"/>
-            <a:ext cx="1220788" cy="1108370"/>
-            <a:chOff x="19474" y="0"/>
-            <a:chExt cx="1221231" cy="1107871"/>
+            <a:off x="7531000" y="4874599"/>
+            <a:ext cx="989657" cy="770487"/>
+            <a:chOff x="19474" y="-1"/>
+            <a:chExt cx="1221231" cy="950006"/>
           </a:xfrm>
         </p:grpSpPr>
         <p:sp>
@@ -3891,8 +4246,8 @@
           </p:nvSpPr>
           <p:spPr bwMode="auto">
             <a:xfrm>
-              <a:off x="19474" y="646414"/>
-              <a:ext cx="1221231" cy="461457"/>
+              <a:off x="19474" y="646416"/>
+              <a:ext cx="1221231" cy="303589"/>
             </a:xfrm>
             <a:prstGeom prst="rect">
               <a:avLst/>
@@ -3942,22 +4297,31 @@
             <a:p>
               <a:pPr algn="ctr"/>
               <a:r>
-                <a:rPr lang="en-US" altLang="en-US" sz="1200" b="1" dirty="0" smtClean="0">
+                <a:rPr lang="en-US" altLang="en-US" sz="1000" b="1" dirty="0" smtClean="0">
                   <a:solidFill>
                     <a:srgbClr val="FFFFFF"/>
                   </a:solidFill>
-                  <a:latin typeface="Helvetica" charset="0"/>
                   <a:ea typeface="Helvetica" charset="0"/>
                   <a:cs typeface="Helvetica" charset="0"/>
                   <a:sym typeface="Helvetica" charset="0"/>
                 </a:rPr>
-                <a:t>OCI Object Storage</a:t>
+                <a:t>Object </a:t>
               </a:r>
-              <a:endParaRPr lang="en-US" altLang="en-US" sz="1200" b="1" dirty="0">
+              <a:r>
+                <a:rPr lang="en-US" altLang="en-US" sz="1000" b="1" dirty="0" smtClean="0">
+                  <a:solidFill>
+                    <a:srgbClr val="FFFFFF"/>
+                  </a:solidFill>
+                  <a:ea typeface="Helvetica" charset="0"/>
+                  <a:cs typeface="Helvetica" charset="0"/>
+                  <a:sym typeface="Helvetica" charset="0"/>
+                </a:rPr>
+                <a:t>Storage</a:t>
+              </a:r>
+              <a:endParaRPr lang="en-US" altLang="en-US" sz="1000" b="1" dirty="0">
                 <a:solidFill>
                   <a:srgbClr val="FFFFFF"/>
                 </a:solidFill>
-                <a:latin typeface="Helvetica" charset="0"/>
                 <a:ea typeface="Helvetica" charset="0"/>
                 <a:cs typeface="Helvetica" charset="0"/>
                 <a:sym typeface="Helvetica" charset="0"/>
@@ -3988,7 +4352,7 @@
           </p:blipFill>
           <p:spPr bwMode="auto">
             <a:xfrm>
-              <a:off x="261382" y="0"/>
+              <a:off x="261383" y="-1"/>
               <a:ext cx="685801" cy="685800"/>
             </a:xfrm>
             <a:prstGeom prst="rect">
@@ -4210,19 +4574,7 @@
                   <a:cs typeface="Helvetica" charset="0"/>
                   <a:sym typeface="Helvetica" charset="0"/>
                 </a:rPr>
-                <a:t> </a:t>
-              </a:r>
-              <a:r>
-                <a:rPr lang="en-US" altLang="en-US" sz="1200" b="1" dirty="0" smtClean="0">
-                  <a:solidFill>
-                    <a:srgbClr val="FFFFFF"/>
-                  </a:solidFill>
-                  <a:latin typeface="Helvetica" charset="0"/>
-                  <a:ea typeface="Helvetica" charset="0"/>
-                  <a:cs typeface="Helvetica" charset="0"/>
-                  <a:sym typeface="Helvetica" charset="0"/>
-                </a:rPr>
-                <a:t>GPU</a:t>
+                <a:t> GPU</a:t>
               </a:r>
               <a:endParaRPr lang="en-US" altLang="en-US" sz="1200" b="1" dirty="0">
                 <a:solidFill>
@@ -4763,10 +5115,10 @@
         </p:nvGrpSpPr>
         <p:grpSpPr>
           <a:xfrm>
-            <a:off x="7568034" y="3387877"/>
-            <a:ext cx="783243" cy="1126081"/>
-            <a:chOff x="10454672" y="2608344"/>
-            <a:chExt cx="783243" cy="1126081"/>
+            <a:off x="7733478" y="3966609"/>
+            <a:ext cx="549316" cy="752796"/>
+            <a:chOff x="10552115" y="3048625"/>
+            <a:chExt cx="685800" cy="939837"/>
           </a:xfrm>
         </p:grpSpPr>
         <p:sp>
@@ -4777,8 +5129,8 @@
           </p:nvSpPr>
           <p:spPr>
             <a:xfrm>
-              <a:off x="10454672" y="2608344"/>
-              <a:ext cx="782587" cy="461665"/>
+              <a:off x="10572604" y="3681064"/>
+              <a:ext cx="580774" cy="307398"/>
             </a:xfrm>
             <a:prstGeom prst="rect">
               <a:avLst/>
@@ -4792,7 +5144,7 @@
             <a:p>
               <a:pPr algn="ctr"/>
               <a:r>
-                <a:rPr lang="en-US" sz="1200" b="1" kern="0" dirty="0" smtClean="0">
+                <a:rPr lang="en-US" sz="1000" b="1" kern="0" dirty="0" smtClean="0">
                   <a:solidFill>
                     <a:schemeClr val="bg1"/>
                   </a:solidFill>
@@ -4800,9 +5152,9 @@
                   <a:cs typeface="MV Boli" pitchFamily="2" charset="0"/>
                   <a:sym typeface="Calibri"/>
                 </a:rPr>
-                <a:t>Retailer</a:t>
+                <a:t>DBCS</a:t>
               </a:r>
-              <a:endParaRPr lang="en-US" sz="1200" b="1" kern="0" dirty="0">
+              <a:endParaRPr lang="en-US" sz="1000" b="1" kern="0" dirty="0">
                 <a:solidFill>
                   <a:schemeClr val="bg1"/>
                 </a:solidFill>
@@ -4810,20 +5162,6 @@
                 <a:cs typeface="MV Boli" pitchFamily="2" charset="0"/>
                 <a:sym typeface="Calibri"/>
               </a:endParaRPr>
-            </a:p>
-            <a:p>
-              <a:pPr algn="ctr"/>
-              <a:r>
-                <a:rPr lang="en-US" sz="1200" b="1" kern="0" dirty="0">
-                  <a:solidFill>
-                    <a:schemeClr val="bg1"/>
-                  </a:solidFill>
-                  <a:ea typeface="Calibri"/>
-                  <a:cs typeface="MV Boli" pitchFamily="2" charset="0"/>
-                  <a:sym typeface="Calibri"/>
-                </a:rPr>
-                <a:t>Database</a:t>
-              </a:r>
             </a:p>
           </p:txBody>
         </p:sp>
@@ -5422,10 +5760,10 @@
                   <a:cs typeface="Helvetica" charset="0"/>
                   <a:sym typeface="Helvetica" charset="0"/>
                 </a:rPr>
-                <a:t>OCI - </a:t>
+                <a:t>OCI </a:t>
               </a:r>
               <a:r>
-                <a:rPr lang="en-US" altLang="en-US" sz="1200" b="1" dirty="0" smtClean="0">
+                <a:rPr lang="mr-IN" altLang="en-US" sz="1200" b="1" dirty="0" smtClean="0">
                   <a:solidFill>
                     <a:srgbClr val="FFFFFF"/>
                   </a:solidFill>
@@ -5434,7 +5772,19 @@
                   <a:cs typeface="Helvetica" charset="0"/>
                   <a:sym typeface="Helvetica" charset="0"/>
                 </a:rPr>
-                <a:t>CPU</a:t>
+                <a:t>–</a:t>
+              </a:r>
+              <a:r>
+                <a:rPr lang="en-US" altLang="en-US" sz="1200" b="1" dirty="0" smtClean="0">
+                  <a:solidFill>
+                    <a:srgbClr val="FFFFFF"/>
+                  </a:solidFill>
+                  <a:latin typeface="Helvetica" charset="0"/>
+                  <a:ea typeface="Helvetica" charset="0"/>
+                  <a:cs typeface="Helvetica" charset="0"/>
+                  <a:sym typeface="Helvetica" charset="0"/>
+                </a:rPr>
+                <a:t> CPU</a:t>
               </a:r>
               <a:endParaRPr lang="en-US" altLang="en-US" sz="1200" b="1" dirty="0">
                 <a:solidFill>
@@ -5532,8 +5882,8 @@
         </p:nvCxnSpPr>
         <p:spPr>
           <a:xfrm flipH="1" flipV="1">
-            <a:off x="8498392" y="5018983"/>
-            <a:ext cx="723038" cy="2"/>
+            <a:off x="8828976" y="5013881"/>
+            <a:ext cx="392454" cy="5104"/>
           </a:xfrm>
           <a:prstGeom prst="straightConnector1">
             <a:avLst/>
@@ -5563,52 +5913,14 @@
       </p:cxnSp>
       <p:cxnSp>
         <p:nvCxnSpPr>
-          <p:cNvPr id="144" name="Straight Arrow Connector 143"/>
-          <p:cNvCxnSpPr/>
-          <p:nvPr/>
-        </p:nvCxnSpPr>
-        <p:spPr>
-          <a:xfrm>
-            <a:off x="6738639" y="5013881"/>
-            <a:ext cx="820612" cy="16267"/>
-          </a:xfrm>
-          <a:prstGeom prst="straightConnector1">
-            <a:avLst/>
-          </a:prstGeom>
-          <a:ln w="38100">
-            <a:solidFill>
-              <a:schemeClr val="bg1"/>
-            </a:solidFill>
-            <a:prstDash val="sysDash"/>
-            <a:headEnd type="triangle"/>
-            <a:tailEnd type="triangle"/>
-          </a:ln>
-        </p:spPr>
-        <p:style>
-          <a:lnRef idx="1">
-            <a:schemeClr val="accent1"/>
-          </a:lnRef>
-          <a:fillRef idx="0">
-            <a:schemeClr val="accent1"/>
-          </a:fillRef>
-          <a:effectRef idx="0">
-            <a:schemeClr val="accent1"/>
-          </a:effectRef>
-          <a:fontRef idx="minor">
-            <a:schemeClr val="tx1"/>
-          </a:fontRef>
-        </p:style>
-      </p:cxnSp>
-      <p:cxnSp>
-        <p:nvCxnSpPr>
           <p:cNvPr id="145" name="Straight Arrow Connector 144"/>
           <p:cNvCxnSpPr/>
           <p:nvPr/>
         </p:nvCxnSpPr>
         <p:spPr>
           <a:xfrm>
-            <a:off x="6734161" y="4121533"/>
-            <a:ext cx="820612" cy="16267"/>
+            <a:off x="6674289" y="4229453"/>
+            <a:ext cx="570276" cy="23628"/>
           </a:xfrm>
           <a:prstGeom prst="straightConnector1">
             <a:avLst/>
@@ -5856,6 +6168,125 @@
           </a:fontRef>
         </p:style>
       </p:cxnSp>
+      <p:sp>
+        <p:nvSpPr>
+          <p:cNvPr id="59" name="Rounded Rectangle 58"/>
+          <p:cNvSpPr/>
+          <p:nvPr/>
+        </p:nvSpPr>
+        <p:spPr>
+          <a:xfrm>
+            <a:off x="7460252" y="3856300"/>
+            <a:ext cx="1089145" cy="1904419"/>
+          </a:xfrm>
+          <a:prstGeom prst="roundRect">
+            <a:avLst/>
+          </a:prstGeom>
+          <a:noFill/>
+          <a:ln w="57150">
+            <a:solidFill>
+              <a:schemeClr val="bg1"/>
+            </a:solidFill>
+            <a:prstDash val="dash"/>
+          </a:ln>
+        </p:spPr>
+        <p:style>
+          <a:lnRef idx="2">
+            <a:schemeClr val="accent1">
+              <a:shade val="50000"/>
+            </a:schemeClr>
+          </a:lnRef>
+          <a:fillRef idx="1">
+            <a:schemeClr val="accent1"/>
+          </a:fillRef>
+          <a:effectRef idx="0">
+            <a:schemeClr val="accent1"/>
+          </a:effectRef>
+          <a:fontRef idx="minor">
+            <a:schemeClr val="lt1"/>
+          </a:fontRef>
+        </p:style>
+        <p:txBody>
+          <a:bodyPr rtlCol="0" anchor="ctr"/>
+          <a:lstStyle/>
+          <a:p>
+            <a:pPr algn="ctr"/>
+            <a:endParaRPr lang="en-US"/>
+          </a:p>
+        </p:txBody>
+      </p:sp>
+      <p:cxnSp>
+        <p:nvCxnSpPr>
+          <p:cNvPr id="64" name="Straight Arrow Connector 63"/>
+          <p:cNvCxnSpPr/>
+          <p:nvPr/>
+        </p:nvCxnSpPr>
+        <p:spPr>
+          <a:xfrm>
+            <a:off x="6684535" y="5065056"/>
+            <a:ext cx="570276" cy="23628"/>
+          </a:xfrm>
+          <a:prstGeom prst="straightConnector1">
+            <a:avLst/>
+          </a:prstGeom>
+          <a:ln w="38100">
+            <a:solidFill>
+              <a:schemeClr val="bg1"/>
+            </a:solidFill>
+            <a:prstDash val="sysDash"/>
+            <a:headEnd type="triangle"/>
+            <a:tailEnd type="triangle"/>
+          </a:ln>
+        </p:spPr>
+        <p:style>
+          <a:lnRef idx="1">
+            <a:schemeClr val="accent1"/>
+          </a:lnRef>
+          <a:fillRef idx="0">
+            <a:schemeClr val="accent1"/>
+          </a:fillRef>
+          <a:effectRef idx="0">
+            <a:schemeClr val="accent1"/>
+          </a:effectRef>
+          <a:fontRef idx="minor">
+            <a:schemeClr val="tx1"/>
+          </a:fontRef>
+        </p:style>
+      </p:cxnSp>
+      <p:sp>
+        <p:nvSpPr>
+          <p:cNvPr id="11" name="Rectangle 10"/>
+          <p:cNvSpPr/>
+          <p:nvPr/>
+        </p:nvSpPr>
+        <p:spPr>
+          <a:xfrm>
+            <a:off x="7698168" y="5824456"/>
+            <a:ext cx="716942" cy="338554"/>
+          </a:xfrm>
+          <a:prstGeom prst="rect">
+            <a:avLst/>
+          </a:prstGeom>
+        </p:spPr>
+        <p:txBody>
+          <a:bodyPr wrap="square">
+            <a:spAutoFit/>
+          </a:bodyPr>
+          <a:lstStyle/>
+          <a:p>
+            <a:pPr algn="ctr"/>
+            <a:r>
+              <a:rPr lang="en-US" sz="1600" b="1" smtClean="0">
+                <a:solidFill>
+                  <a:schemeClr val="bg1"/>
+                </a:solidFill>
+              </a:rPr>
+              <a:t>OCI</a:t>
+            </a:r>
+            <a:endParaRPr lang="en-US" sz="1600" dirty="0"/>
+          </a:p>
+        </p:txBody>
+      </p:sp>
     </p:spTree>
     <p:extLst>
       <p:ext uri="{BB962C8B-B14F-4D97-AF65-F5344CB8AC3E}">
@@ -5991,7 +6422,7 @@
                 <a:latin typeface="Arial" panose="020B0604020202020204" pitchFamily="34" charset="0"/>
                 <a:cs typeface="Arial" panose="020B0604020202020204" pitchFamily="34" charset="0"/>
               </a:rPr>
-              <a:t>Key Points</a:t>
+              <a:t>Data Set Preparation</a:t>
             </a:r>
             <a:endParaRPr lang="en-US" sz="3600" b="1" dirty="0">
               <a:solidFill>
@@ -6057,8 +6488,8 @@
         </p:nvSpPr>
         <p:spPr>
           <a:xfrm>
-            <a:off x="707179" y="1293223"/>
-            <a:ext cx="10971940" cy="4832092"/>
+            <a:off x="445922" y="1358538"/>
+            <a:ext cx="5458490" cy="4401205"/>
           </a:xfrm>
           <a:prstGeom prst="rect">
             <a:avLst/>
@@ -6076,14 +6507,34 @@
               <a:buChar char="•"/>
             </a:pPr>
             <a:r>
-              <a:rPr lang="en-US" sz="2800" b="1" dirty="0" smtClean="0">
+              <a:rPr lang="en-US" sz="2400" b="1" dirty="0" smtClean="0">
                 <a:solidFill>
                   <a:schemeClr val="bg1"/>
                 </a:solidFill>
                 <a:latin typeface="Arial" panose="020B0604020202020204" pitchFamily="34" charset="0"/>
                 <a:cs typeface="Arial" panose="020B0604020202020204" pitchFamily="34" charset="0"/>
               </a:rPr>
-              <a:t>Built by Austin Hub in ~ 2 weeks</a:t>
+              <a:t>Retailer sends POST request to REST API on OCI </a:t>
+            </a:r>
+            <a:r>
+              <a:rPr lang="mr-IN" sz="2400" b="1" dirty="0" smtClean="0">
+                <a:solidFill>
+                  <a:schemeClr val="bg1"/>
+                </a:solidFill>
+                <a:latin typeface="Arial" panose="020B0604020202020204" pitchFamily="34" charset="0"/>
+                <a:cs typeface="Arial" panose="020B0604020202020204" pitchFamily="34" charset="0"/>
+              </a:rPr>
+              <a:t>–</a:t>
+            </a:r>
+            <a:r>
+              <a:rPr lang="en-US" sz="2400" b="1" dirty="0" smtClean="0">
+                <a:solidFill>
+                  <a:schemeClr val="bg1"/>
+                </a:solidFill>
+                <a:latin typeface="Arial" panose="020B0604020202020204" pitchFamily="34" charset="0"/>
+                <a:cs typeface="Arial" panose="020B0604020202020204" pitchFamily="34" charset="0"/>
+              </a:rPr>
+              <a:t> CPU with 3D model of products</a:t>
             </a:r>
           </a:p>
           <a:p>
@@ -6091,7 +6542,7 @@
               <a:buFont typeface="Arial" charset="0"/>
               <a:buChar char="•"/>
             </a:pPr>
-            <a:endParaRPr lang="en-US" sz="2800" b="1" dirty="0" smtClean="0">
+            <a:endParaRPr lang="en-US" sz="2400" b="1" dirty="0" smtClean="0">
               <a:solidFill>
                 <a:schemeClr val="bg1"/>
               </a:solidFill>
@@ -6105,14 +6556,34 @@
               <a:buChar char="•"/>
             </a:pPr>
             <a:r>
-              <a:rPr lang="en-US" sz="2800" b="1" dirty="0" smtClean="0">
+              <a:rPr lang="en-US" sz="2400" b="1" dirty="0" smtClean="0">
                 <a:solidFill>
                   <a:schemeClr val="bg1"/>
                 </a:solidFill>
                 <a:latin typeface="Arial" panose="020B0604020202020204" pitchFamily="34" charset="0"/>
                 <a:cs typeface="Arial" panose="020B0604020202020204" pitchFamily="34" charset="0"/>
               </a:rPr>
-              <a:t>Brings together Virtual &amp; Augmented Reality and Artificial Intelligence</a:t>
+              <a:t>Send model data to OCI </a:t>
+            </a:r>
+            <a:r>
+              <a:rPr lang="mr-IN" sz="2400" b="1" dirty="0" smtClean="0">
+                <a:solidFill>
+                  <a:schemeClr val="bg1"/>
+                </a:solidFill>
+                <a:latin typeface="Arial" panose="020B0604020202020204" pitchFamily="34" charset="0"/>
+                <a:cs typeface="Arial" panose="020B0604020202020204" pitchFamily="34" charset="0"/>
+              </a:rPr>
+              <a:t>–</a:t>
+            </a:r>
+            <a:r>
+              <a:rPr lang="en-US" sz="2400" b="1" dirty="0" smtClean="0">
+                <a:solidFill>
+                  <a:schemeClr val="bg1"/>
+                </a:solidFill>
+                <a:latin typeface="Arial" panose="020B0604020202020204" pitchFamily="34" charset="0"/>
+                <a:cs typeface="Arial" panose="020B0604020202020204" pitchFamily="34" charset="0"/>
+              </a:rPr>
+              <a:t> GPU</a:t>
             </a:r>
           </a:p>
           <a:p>
@@ -6120,7 +6591,7 @@
               <a:buFont typeface="Arial" charset="0"/>
               <a:buChar char="•"/>
             </a:pPr>
-            <a:endParaRPr lang="en-US" sz="2800" b="1" dirty="0">
+            <a:endParaRPr lang="en-US" sz="2400" b="1" dirty="0" smtClean="0">
               <a:solidFill>
                 <a:schemeClr val="bg1"/>
               </a:solidFill>
@@ -6134,14 +6605,44 @@
               <a:buChar char="•"/>
             </a:pPr>
             <a:r>
-              <a:rPr lang="en-US" sz="2800" b="1" dirty="0" smtClean="0">
+              <a:rPr lang="en-US" sz="2400" b="1" dirty="0" smtClean="0">
                 <a:solidFill>
                   <a:schemeClr val="bg1"/>
                 </a:solidFill>
                 <a:latin typeface="Arial" panose="020B0604020202020204" pitchFamily="34" charset="0"/>
                 <a:cs typeface="Arial" panose="020B0604020202020204" pitchFamily="34" charset="0"/>
               </a:rPr>
-              <a:t>Running on brand new GPU versions of OCI</a:t>
+              <a:t>Execute </a:t>
+            </a:r>
+            <a:r>
+              <a:rPr lang="en-US" sz="2400" b="1" dirty="0" smtClean="0">
+                <a:solidFill>
+                  <a:schemeClr val="bg1"/>
+                </a:solidFill>
+                <a:latin typeface="Arial" panose="020B0604020202020204" pitchFamily="34" charset="0"/>
+                <a:cs typeface="Arial" panose="020B0604020202020204" pitchFamily="34" charset="0"/>
+              </a:rPr>
+              <a:t>AR data generation script on OCI </a:t>
+            </a:r>
+            <a:r>
+              <a:rPr lang="mr-IN" sz="2400" b="1" dirty="0" smtClean="0">
+                <a:solidFill>
+                  <a:schemeClr val="bg1"/>
+                </a:solidFill>
+                <a:latin typeface="Arial" panose="020B0604020202020204" pitchFamily="34" charset="0"/>
+                <a:cs typeface="Arial" panose="020B0604020202020204" pitchFamily="34" charset="0"/>
+              </a:rPr>
+              <a:t>–</a:t>
+            </a:r>
+            <a:r>
+              <a:rPr lang="en-US" sz="2400" b="1" dirty="0" smtClean="0">
+                <a:solidFill>
+                  <a:schemeClr val="bg1"/>
+                </a:solidFill>
+                <a:latin typeface="Arial" panose="020B0604020202020204" pitchFamily="34" charset="0"/>
+                <a:cs typeface="Arial" panose="020B0604020202020204" pitchFamily="34" charset="0"/>
+              </a:rPr>
+              <a:t> GPU</a:t>
             </a:r>
           </a:p>
           <a:p>
@@ -6149,7 +6650,7 @@
               <a:buFont typeface="Arial" charset="0"/>
               <a:buChar char="•"/>
             </a:pPr>
-            <a:endParaRPr lang="en-US" sz="2800" b="1" dirty="0">
+            <a:endParaRPr lang="en-US" sz="2400" b="1" dirty="0" smtClean="0">
               <a:solidFill>
                 <a:schemeClr val="bg1"/>
               </a:solidFill>
@@ -6163,14 +6664,54 @@
               <a:buChar char="•"/>
             </a:pPr>
             <a:r>
-              <a:rPr lang="en-US" sz="2800" b="1" dirty="0" smtClean="0">
+              <a:rPr lang="en-US" sz="2400" b="1" dirty="0" smtClean="0">
                 <a:solidFill>
                   <a:schemeClr val="bg1"/>
                 </a:solidFill>
                 <a:latin typeface="Arial" panose="020B0604020202020204" pitchFamily="34" charset="0"/>
                 <a:cs typeface="Arial" panose="020B0604020202020204" pitchFamily="34" charset="0"/>
               </a:rPr>
-              <a:t>Typical product detection feature → 2 week process   Product detection powered by Oracle → 2 hour process</a:t>
+              <a:t>Store training data in OCI </a:t>
+            </a:r>
+            <a:r>
+              <a:rPr lang="mr-IN" sz="2400" b="1" dirty="0" smtClean="0">
+                <a:solidFill>
+                  <a:schemeClr val="bg1"/>
+                </a:solidFill>
+                <a:latin typeface="Arial" panose="020B0604020202020204" pitchFamily="34" charset="0"/>
+                <a:cs typeface="Arial" panose="020B0604020202020204" pitchFamily="34" charset="0"/>
+              </a:rPr>
+              <a:t>–</a:t>
+            </a:r>
+            <a:r>
+              <a:rPr lang="en-US" sz="2400" b="1" dirty="0" smtClean="0">
+                <a:solidFill>
+                  <a:schemeClr val="bg1"/>
+                </a:solidFill>
+                <a:latin typeface="Arial" panose="020B0604020202020204" pitchFamily="34" charset="0"/>
+                <a:cs typeface="Arial" panose="020B0604020202020204" pitchFamily="34" charset="0"/>
+              </a:rPr>
+              <a:t> Object Storage using OCI </a:t>
+            </a:r>
+            <a:r>
+              <a:rPr lang="mr-IN" sz="2400" b="1" dirty="0" smtClean="0">
+                <a:solidFill>
+                  <a:schemeClr val="bg1"/>
+                </a:solidFill>
+                <a:latin typeface="Arial" panose="020B0604020202020204" pitchFamily="34" charset="0"/>
+                <a:cs typeface="Arial" panose="020B0604020202020204" pitchFamily="34" charset="0"/>
+              </a:rPr>
+              <a:t>–</a:t>
+            </a:r>
+            <a:r>
+              <a:rPr lang="en-US" sz="2400" b="1" dirty="0" smtClean="0">
+                <a:solidFill>
+                  <a:schemeClr val="bg1"/>
+                </a:solidFill>
+                <a:latin typeface="Arial" panose="020B0604020202020204" pitchFamily="34" charset="0"/>
+                <a:cs typeface="Arial" panose="020B0604020202020204" pitchFamily="34" charset="0"/>
+              </a:rPr>
+              <a:t> API</a:t>
             </a:r>
           </a:p>
           <a:p>
@@ -6178,7 +6719,7 @@
               <a:buFont typeface="Arial" charset="0"/>
               <a:buChar char="•"/>
             </a:pPr>
-            <a:endParaRPr lang="en-US" sz="2800" b="1" dirty="0" smtClean="0">
+            <a:endParaRPr lang="en-US" sz="1600" b="1" dirty="0" smtClean="0">
               <a:solidFill>
                 <a:schemeClr val="bg1"/>
               </a:solidFill>
@@ -6186,22 +6727,1891 @@
               <a:cs typeface="Arial" panose="020B0604020202020204" pitchFamily="34" charset="0"/>
             </a:endParaRPr>
           </a:p>
-          <a:p>
-            <a:pPr marL="457200" indent="-457200">
-              <a:buFont typeface="Arial" charset="0"/>
-              <a:buChar char="•"/>
-            </a:pPr>
+        </p:txBody>
+      </p:sp>
+      <p:sp>
+        <p:nvSpPr>
+          <p:cNvPr id="8" name="Rounded Rectangle 7"/>
+          <p:cNvSpPr/>
+          <p:nvPr/>
+        </p:nvSpPr>
+        <p:spPr>
+          <a:xfrm>
+            <a:off x="6379615" y="1948639"/>
+            <a:ext cx="934600" cy="2473940"/>
+          </a:xfrm>
+          <a:prstGeom prst="roundRect">
+            <a:avLst/>
+          </a:prstGeom>
+          <a:noFill/>
+          <a:ln w="57150">
+            <a:solidFill>
+              <a:schemeClr val="bg1"/>
+            </a:solidFill>
+            <a:prstDash val="dash"/>
+          </a:ln>
+        </p:spPr>
+        <p:style>
+          <a:lnRef idx="2">
+            <a:schemeClr val="accent1">
+              <a:shade val="50000"/>
+            </a:schemeClr>
+          </a:lnRef>
+          <a:fillRef idx="1">
+            <a:schemeClr val="accent1"/>
+          </a:fillRef>
+          <a:effectRef idx="0">
+            <a:schemeClr val="accent1"/>
+          </a:effectRef>
+          <a:fontRef idx="minor">
+            <a:schemeClr val="lt1"/>
+          </a:fontRef>
+        </p:style>
+        <p:txBody>
+          <a:bodyPr rtlCol="0" anchor="ctr"/>
+          <a:lstStyle/>
+          <a:p>
+            <a:pPr algn="ctr"/>
+            <a:endParaRPr lang="en-US"/>
+          </a:p>
+        </p:txBody>
+      </p:sp>
+      <p:grpSp>
+        <p:nvGrpSpPr>
+          <p:cNvPr id="9" name="Group 8"/>
+          <p:cNvGrpSpPr/>
+          <p:nvPr/>
+        </p:nvGrpSpPr>
+        <p:grpSpPr>
+          <a:xfrm>
+            <a:off x="6387813" y="3397318"/>
+            <a:ext cx="942440" cy="799275"/>
+            <a:chOff x="6478625" y="1405718"/>
+            <a:chExt cx="1375019" cy="1166141"/>
+          </a:xfrm>
+        </p:grpSpPr>
+        <p:pic>
+          <p:nvPicPr>
+            <p:cNvPr id="10" name="Picture 9" descr="C:\temp\icons\ic-MobilePhone-wht.png"/>
+            <p:cNvPicPr>
+              <a:picLocks noChangeAspect="1" noChangeArrowheads="1"/>
+            </p:cNvPicPr>
+            <p:nvPr/>
+          </p:nvPicPr>
+          <p:blipFill>
+            <a:blip r:embed="rId2" cstate="print"/>
+            <a:srcRect l="22222" t="11111" r="27778" b="11111"/>
+            <a:stretch>
+              <a:fillRect/>
+            </a:stretch>
+          </p:blipFill>
+          <p:spPr bwMode="auto">
+            <a:xfrm>
+              <a:off x="6882248" y="1405718"/>
+              <a:ext cx="489857" cy="762000"/>
+            </a:xfrm>
+            <a:prstGeom prst="rect">
+              <a:avLst/>
+            </a:prstGeom>
+            <a:noFill/>
+          </p:spPr>
+        </p:pic>
+        <p:sp>
+          <p:nvSpPr>
+            <p:cNvPr id="11" name="Rectangle 10"/>
+            <p:cNvSpPr/>
+            <p:nvPr/>
+          </p:nvSpPr>
+          <p:spPr>
+            <a:xfrm>
+              <a:off x="6478625" y="2167718"/>
+              <a:ext cx="1375019" cy="404141"/>
+            </a:xfrm>
+            <a:prstGeom prst="rect">
+              <a:avLst/>
+            </a:prstGeom>
+          </p:spPr>
+          <p:txBody>
+            <a:bodyPr wrap="square">
+              <a:spAutoFit/>
+            </a:bodyPr>
+            <a:lstStyle/>
+            <a:p>
+              <a:pPr algn="ctr"/>
+              <a:r>
+                <a:rPr lang="en-US" sz="1200" b="1" dirty="0" smtClean="0">
+                  <a:solidFill>
+                    <a:schemeClr val="bg1"/>
+                  </a:solidFill>
+                </a:rPr>
+                <a:t>Consumer</a:t>
+              </a:r>
+              <a:endParaRPr lang="en-US" sz="1200" b="1" dirty="0">
+                <a:solidFill>
+                  <a:schemeClr val="bg1"/>
+                </a:solidFill>
+              </a:endParaRPr>
+            </a:p>
+          </p:txBody>
+        </p:sp>
+      </p:grpSp>
+      <p:grpSp>
+        <p:nvGrpSpPr>
+          <p:cNvPr id="12" name="Group 11"/>
+          <p:cNvGrpSpPr/>
+          <p:nvPr/>
+        </p:nvGrpSpPr>
+        <p:grpSpPr>
+          <a:xfrm>
+            <a:off x="6592686" y="2222371"/>
+            <a:ext cx="520862" cy="577204"/>
+            <a:chOff x="536282" y="2126685"/>
+            <a:chExt cx="981075" cy="1087197"/>
+          </a:xfrm>
+        </p:grpSpPr>
+        <p:pic>
+          <p:nvPicPr>
+            <p:cNvPr id="13" name="Picture 12" descr="Picture 143"/>
+            <p:cNvPicPr>
+              <a:picLocks noChangeAspect="1"/>
+            </p:cNvPicPr>
+            <p:nvPr/>
+          </p:nvPicPr>
+          <p:blipFill>
+            <a:blip r:embed="rId3">
+              <a:extLst>
+                <a:ext uri="{28A0092B-C50C-407E-A947-70E740481C1C}">
+                  <a14:useLocalDpi xmlns:a14="http://schemas.microsoft.com/office/drawing/2010/main" val="0"/>
+                </a:ext>
+              </a:extLst>
+            </a:blip>
+            <a:srcRect/>
+            <a:stretch>
+              <a:fillRect/>
+            </a:stretch>
+          </p:blipFill>
+          <p:spPr bwMode="auto">
+            <a:xfrm>
+              <a:off x="536282" y="2126685"/>
+              <a:ext cx="981075" cy="685800"/>
+            </a:xfrm>
+            <a:prstGeom prst="rect">
+              <a:avLst/>
+            </a:prstGeom>
+            <a:noFill/>
+            <a:ln>
+              <a:noFill/>
+            </a:ln>
+            <a:effectLst/>
+            <a:extLst>
+              <a:ext uri="{909E8E84-426E-40DD-AFC4-6F175D3DCCD1}">
+                <a14:hiddenFill xmlns:a14="http://schemas.microsoft.com/office/drawing/2010/main">
+                  <a:solidFill>
+                    <a:srgbClr val="FFFFFF"/>
+                  </a:solidFill>
+                </a14:hiddenFill>
+              </a:ext>
+              <a:ext uri="{91240B29-F687-4F45-9708-019B960494DF}">
+                <a14:hiddenLine xmlns:a14="http://schemas.microsoft.com/office/drawing/2010/main" w="12700" cap="flat" cmpd="sng">
+                  <a:solidFill>
+                    <a:srgbClr val="000000"/>
+                  </a:solidFill>
+                  <a:prstDash val="solid"/>
+                  <a:miter lim="400000"/>
+                  <a:headEnd type="none" w="med" len="med"/>
+                  <a:tailEnd type="none" w="med" len="med"/>
+                </a14:hiddenLine>
+              </a:ext>
+              <a:ext uri="{AF507438-7753-43E0-B8FC-AC1667EBCBE1}">
+                <a14:hiddenEffects xmlns:a14="http://schemas.microsoft.com/office/drawing/2010/main">
+                  <a:effectLst>
+                    <a:outerShdw blurRad="63500" dist="38099" dir="2700000" algn="ctr" rotWithShape="0">
+                      <a:srgbClr val="000000">
+                        <a:alpha val="74998"/>
+                      </a:srgbClr>
+                    </a:outerShdw>
+                  </a:effectLst>
+                </a14:hiddenEffects>
+              </a:ext>
+            </a:extLst>
+          </p:spPr>
+        </p:pic>
+        <p:sp>
+          <p:nvSpPr>
+            <p:cNvPr id="14" name="Rectangle 13"/>
+            <p:cNvSpPr/>
+            <p:nvPr/>
+          </p:nvSpPr>
+          <p:spPr>
+            <a:xfrm>
+              <a:off x="598821" y="2856278"/>
+              <a:ext cx="878282" cy="357604"/>
+            </a:xfrm>
+            <a:prstGeom prst="rect">
+              <a:avLst/>
+            </a:prstGeom>
+          </p:spPr>
+          <p:txBody>
+            <a:bodyPr wrap="none">
+              <a:spAutoFit/>
+            </a:bodyPr>
+            <a:lstStyle/>
+            <a:p>
+              <a:pPr algn="ctr"/>
+              <a:r>
+                <a:rPr lang="en-US" sz="1200" b="1" dirty="0" smtClean="0">
+                  <a:solidFill>
+                    <a:schemeClr val="bg1"/>
+                  </a:solidFill>
+                </a:rPr>
+                <a:t>Retailer</a:t>
+              </a:r>
+              <a:endParaRPr lang="en-US" sz="1200" b="1" dirty="0">
+                <a:solidFill>
+                  <a:schemeClr val="bg1"/>
+                </a:solidFill>
+              </a:endParaRPr>
+            </a:p>
+          </p:txBody>
+        </p:sp>
+      </p:grpSp>
+      <p:sp>
+        <p:nvSpPr>
+          <p:cNvPr id="15" name="Rectangle 14"/>
+          <p:cNvSpPr/>
+          <p:nvPr/>
+        </p:nvSpPr>
+        <p:spPr>
+          <a:xfrm>
+            <a:off x="6387813" y="1263421"/>
+            <a:ext cx="947276" cy="584775"/>
+          </a:xfrm>
+          <a:prstGeom prst="rect">
+            <a:avLst/>
+          </a:prstGeom>
+        </p:spPr>
+        <p:txBody>
+          <a:bodyPr wrap="square">
+            <a:spAutoFit/>
+          </a:bodyPr>
+          <a:lstStyle/>
+          <a:p>
+            <a:pPr algn="ctr"/>
             <a:r>
-              <a:rPr lang="en-US" sz="2800" b="1" dirty="0" smtClean="0">
+              <a:rPr lang="en-US" sz="1600" b="1" dirty="0" smtClean="0">
+                <a:solidFill>
+                  <a:schemeClr val="bg1"/>
+                </a:solidFill>
+              </a:rPr>
+              <a:t>Client</a:t>
+            </a:r>
+          </a:p>
+          <a:p>
+            <a:pPr algn="ctr"/>
+            <a:r>
+              <a:rPr lang="en-US" sz="1600" b="1" dirty="0" smtClean="0">
+                <a:solidFill>
+                  <a:schemeClr val="bg1"/>
+                </a:solidFill>
+              </a:rPr>
+              <a:t>Devices</a:t>
+            </a:r>
+            <a:endParaRPr lang="en-US" sz="1600" dirty="0"/>
+          </a:p>
+        </p:txBody>
+      </p:sp>
+      <p:grpSp>
+        <p:nvGrpSpPr>
+          <p:cNvPr id="16" name="Group 15"/>
+          <p:cNvGrpSpPr>
+            <a:grpSpLocks/>
+          </p:cNvGrpSpPr>
+          <p:nvPr/>
+        </p:nvGrpSpPr>
+        <p:grpSpPr bwMode="auto">
+          <a:xfrm>
+            <a:off x="8529395" y="3126706"/>
+            <a:ext cx="822637" cy="643912"/>
+            <a:chOff x="-26028" y="-143435"/>
+            <a:chExt cx="1232704" cy="965267"/>
+          </a:xfrm>
+        </p:grpSpPr>
+        <p:pic>
+          <p:nvPicPr>
+            <p:cNvPr id="17" name="Picture 16" descr="Picture 116"/>
+            <p:cNvPicPr>
+              <a:picLocks noChangeAspect="1"/>
+            </p:cNvPicPr>
+            <p:nvPr/>
+          </p:nvPicPr>
+          <p:blipFill>
+            <a:blip r:embed="rId4">
+              <a:extLst>
+                <a:ext uri="{28A0092B-C50C-407E-A947-70E740481C1C}">
+                  <a14:useLocalDpi xmlns:a14="http://schemas.microsoft.com/office/drawing/2010/main" val="0"/>
+                </a:ext>
+              </a:extLst>
+            </a:blip>
+            <a:srcRect/>
+            <a:stretch>
+              <a:fillRect/>
+            </a:stretch>
+          </p:blipFill>
+          <p:spPr bwMode="auto">
+            <a:xfrm>
+              <a:off x="247422" y="-143435"/>
+              <a:ext cx="685801" cy="685800"/>
+            </a:xfrm>
+            <a:prstGeom prst="rect">
+              <a:avLst/>
+            </a:prstGeom>
+            <a:noFill/>
+            <a:ln>
+              <a:noFill/>
+            </a:ln>
+            <a:effectLst/>
+            <a:extLst>
+              <a:ext uri="{909E8E84-426E-40DD-AFC4-6F175D3DCCD1}">
+                <a14:hiddenFill xmlns:a14="http://schemas.microsoft.com/office/drawing/2010/main">
+                  <a:solidFill>
+                    <a:srgbClr val="FFFFFF"/>
+                  </a:solidFill>
+                </a14:hiddenFill>
+              </a:ext>
+              <a:ext uri="{91240B29-F687-4F45-9708-019B960494DF}">
+                <a14:hiddenLine xmlns:a14="http://schemas.microsoft.com/office/drawing/2010/main" w="12700" cap="flat" cmpd="sng">
+                  <a:solidFill>
+                    <a:srgbClr val="000000"/>
+                  </a:solidFill>
+                  <a:prstDash val="solid"/>
+                  <a:miter lim="400000"/>
+                  <a:headEnd type="none" w="med" len="med"/>
+                  <a:tailEnd type="none" w="med" len="med"/>
+                </a14:hiddenLine>
+              </a:ext>
+              <a:ext uri="{AF507438-7753-43E0-B8FC-AC1667EBCBE1}">
+                <a14:hiddenEffects xmlns:a14="http://schemas.microsoft.com/office/drawing/2010/main">
+                  <a:effectLst>
+                    <a:outerShdw blurRad="63500" dist="38099" dir="2700000" algn="ctr" rotWithShape="0">
+                      <a:srgbClr val="000000">
+                        <a:alpha val="74998"/>
+                      </a:srgbClr>
+                    </a:outerShdw>
+                  </a:effectLst>
+                </a14:hiddenEffects>
+              </a:ext>
+            </a:extLst>
+          </p:spPr>
+        </p:pic>
+        <p:sp>
+          <p:nvSpPr>
+            <p:cNvPr id="18" name="Text Box 35" descr="Rectangle 117"/>
+            <p:cNvSpPr txBox="1">
+              <a:spLocks/>
+            </p:cNvSpPr>
+            <p:nvPr/>
+          </p:nvSpPr>
+          <p:spPr bwMode="auto">
+            <a:xfrm>
+              <a:off x="-26028" y="452731"/>
+              <a:ext cx="1232704" cy="369101"/>
+            </a:xfrm>
+            <a:prstGeom prst="rect">
+              <a:avLst/>
+            </a:prstGeom>
+            <a:noFill/>
+            <a:ln>
+              <a:noFill/>
+            </a:ln>
+            <a:effectLst/>
+            <a:extLst>
+              <a:ext uri="{909E8E84-426E-40DD-AFC4-6F175D3DCCD1}">
+                <a14:hiddenFill xmlns:a14="http://schemas.microsoft.com/office/drawing/2010/main">
+                  <a:solidFill>
+                    <a:srgbClr val="FFFFFF"/>
+                  </a:solidFill>
+                </a14:hiddenFill>
+              </a:ext>
+              <a:ext uri="{91240B29-F687-4F45-9708-019B960494DF}">
+                <a14:hiddenLine xmlns:a14="http://schemas.microsoft.com/office/drawing/2010/main" w="12700" cap="flat" cmpd="sng">
+                  <a:solidFill>
+                    <a:srgbClr val="000000"/>
+                  </a:solidFill>
+                  <a:prstDash val="solid"/>
+                  <a:miter lim="400000"/>
+                  <a:headEnd type="none" w="med" len="med"/>
+                  <a:tailEnd type="none" w="med" len="med"/>
+                </a14:hiddenLine>
+              </a:ext>
+              <a:ext uri="{AF507438-7753-43E0-B8FC-AC1667EBCBE1}">
+                <a14:hiddenEffects xmlns:a14="http://schemas.microsoft.com/office/drawing/2010/main">
+                  <a:effectLst>
+                    <a:outerShdw blurRad="63500" dist="38099" dir="2700000" algn="ctr" rotWithShape="0">
+                      <a:srgbClr val="000000">
+                        <a:alpha val="74998"/>
+                      </a:srgbClr>
+                    </a:outerShdw>
+                  </a:effectLst>
+                </a14:hiddenEffects>
+              </a:ext>
+            </a:extLst>
+          </p:spPr>
+          <p:txBody>
+            <a:bodyPr wrap="square" lIns="45720" rIns="45720">
+              <a:spAutoFit/>
+            </a:bodyPr>
+            <a:lstStyle/>
+            <a:p>
+              <a:pPr algn="ctr"/>
+              <a:r>
+                <a:rPr lang="en-US" altLang="en-US" sz="1000" b="1" dirty="0" smtClean="0">
+                  <a:solidFill>
+                    <a:srgbClr val="FFFFFF"/>
+                  </a:solidFill>
+                  <a:latin typeface="Helvetica" charset="0"/>
+                  <a:ea typeface="Helvetica" charset="0"/>
+                  <a:cs typeface="Helvetica" charset="0"/>
+                  <a:sym typeface="Helvetica" charset="0"/>
+                </a:rPr>
+                <a:t>OCI </a:t>
+              </a:r>
+              <a:r>
+                <a:rPr lang="mr-IN" altLang="en-US" sz="1000" b="1" dirty="0" smtClean="0">
+                  <a:solidFill>
+                    <a:srgbClr val="FFFFFF"/>
+                  </a:solidFill>
+                  <a:latin typeface="Helvetica" charset="0"/>
+                  <a:ea typeface="Helvetica" charset="0"/>
+                  <a:cs typeface="Helvetica" charset="0"/>
+                  <a:sym typeface="Helvetica" charset="0"/>
+                </a:rPr>
+                <a:t>–</a:t>
+              </a:r>
+              <a:r>
+                <a:rPr lang="en-US" altLang="en-US" sz="1000" b="1" dirty="0" smtClean="0">
+                  <a:solidFill>
+                    <a:srgbClr val="FFFFFF"/>
+                  </a:solidFill>
+                  <a:latin typeface="Helvetica" charset="0"/>
+                  <a:ea typeface="Helvetica" charset="0"/>
+                  <a:cs typeface="Helvetica" charset="0"/>
+                  <a:sym typeface="Helvetica" charset="0"/>
+                </a:rPr>
+                <a:t> CPU</a:t>
+              </a:r>
+              <a:endParaRPr lang="en-US" altLang="en-US" sz="1000" b="1" dirty="0">
+                <a:solidFill>
+                  <a:srgbClr val="FFFFFF"/>
+                </a:solidFill>
+                <a:latin typeface="Helvetica" charset="0"/>
+                <a:ea typeface="Helvetica" charset="0"/>
+                <a:cs typeface="Helvetica" charset="0"/>
+                <a:sym typeface="Helvetica" charset="0"/>
+              </a:endParaRPr>
+            </a:p>
+          </p:txBody>
+        </p:sp>
+      </p:grpSp>
+      <p:grpSp>
+        <p:nvGrpSpPr>
+          <p:cNvPr id="19" name="Group 18"/>
+          <p:cNvGrpSpPr/>
+          <p:nvPr/>
+        </p:nvGrpSpPr>
+        <p:grpSpPr>
+          <a:xfrm>
+            <a:off x="8625889" y="2254839"/>
+            <a:ext cx="629645" cy="562703"/>
+            <a:chOff x="3445949" y="3648808"/>
+            <a:chExt cx="990600" cy="885281"/>
+          </a:xfrm>
+        </p:grpSpPr>
+        <p:pic>
+          <p:nvPicPr>
+            <p:cNvPr id="20" name="Picture 6" descr="mage result for python flask"/>
+            <p:cNvPicPr>
+              <a:picLocks noChangeAspect="1" noChangeArrowheads="1"/>
+            </p:cNvPicPr>
+            <p:nvPr/>
+          </p:nvPicPr>
+          <p:blipFill>
+            <a:blip r:embed="rId5">
+              <a:lum bright="70000" contrast="-70000"/>
+              <a:extLst>
+                <a:ext uri="{BEBA8EAE-BF5A-486C-A8C5-ECC9F3942E4B}">
+                  <a14:imgProps xmlns:a14="http://schemas.microsoft.com/office/drawing/2010/main">
+                    <a14:imgLayer r:embed="rId6">
+                      <a14:imgEffect>
+                        <a14:colorTemperature colorTemp="1500"/>
+                      </a14:imgEffect>
+                      <a14:imgEffect>
+                        <a14:saturation sat="0"/>
+                      </a14:imgEffect>
+                    </a14:imgLayer>
+                  </a14:imgProps>
+                </a:ext>
+                <a:ext uri="{28A0092B-C50C-407E-A947-70E740481C1C}">
+                  <a14:useLocalDpi xmlns:a14="http://schemas.microsoft.com/office/drawing/2010/main" val="0"/>
+                </a:ext>
+              </a:extLst>
+            </a:blip>
+            <a:srcRect/>
+            <a:stretch>
+              <a:fillRect/>
+            </a:stretch>
+          </p:blipFill>
+          <p:spPr bwMode="auto">
+            <a:xfrm>
+              <a:off x="3683744" y="3648808"/>
+              <a:ext cx="665887" cy="595599"/>
+            </a:xfrm>
+            <a:prstGeom prst="rect">
+              <a:avLst/>
+            </a:prstGeom>
+            <a:noFill/>
+            <a:extLst>
+              <a:ext uri="{909E8E84-426E-40DD-AFC4-6F175D3DCCD1}">
+                <a14:hiddenFill xmlns:a14="http://schemas.microsoft.com/office/drawing/2010/main">
+                  <a:solidFill>
+                    <a:srgbClr val="FFFFFF"/>
+                  </a:solidFill>
+                </a14:hiddenFill>
+              </a:ext>
+            </a:extLst>
+          </p:spPr>
+        </p:pic>
+        <p:sp>
+          <p:nvSpPr>
+            <p:cNvPr id="21" name="TextBox 20"/>
+            <p:cNvSpPr txBox="1"/>
+            <p:nvPr/>
+          </p:nvSpPr>
+          <p:spPr>
+            <a:xfrm>
+              <a:off x="3445949" y="4321593"/>
+              <a:ext cx="990600" cy="212496"/>
+            </a:xfrm>
+            <a:prstGeom prst="rect">
+              <a:avLst/>
+            </a:prstGeom>
+            <a:noFill/>
+          </p:spPr>
+          <p:txBody>
+            <a:bodyPr wrap="none" lIns="0" tIns="0" rIns="0" bIns="0" rtlCol="0">
+              <a:noAutofit/>
+            </a:bodyPr>
+            <a:lstStyle/>
+            <a:p>
+              <a:pPr algn="ctr">
+                <a:lnSpc>
+                  <a:spcPct val="90000"/>
+                </a:lnSpc>
+              </a:pPr>
+              <a:r>
+                <a:rPr lang="en-US" sz="1200" b="1" dirty="0" smtClean="0">
+                  <a:solidFill>
+                    <a:srgbClr val="FFFFFF"/>
+                  </a:solidFill>
+                  <a:cs typeface="MV Boli" panose="02000500030200090000" pitchFamily="2" charset="0"/>
+                </a:rPr>
+                <a:t>Flask API</a:t>
+              </a:r>
+              <a:endParaRPr lang="en-US" sz="1200" b="1" dirty="0">
+                <a:solidFill>
+                  <a:srgbClr val="FFFFFF"/>
+                </a:solidFill>
+                <a:cs typeface="MV Boli" panose="02000500030200090000" pitchFamily="2" charset="0"/>
+              </a:endParaRPr>
+            </a:p>
+          </p:txBody>
+        </p:sp>
+      </p:grpSp>
+      <p:sp>
+        <p:nvSpPr>
+          <p:cNvPr id="22" name="Rounded Rectangle 21"/>
+          <p:cNvSpPr/>
+          <p:nvPr/>
+        </p:nvSpPr>
+        <p:spPr>
+          <a:xfrm>
+            <a:off x="8473415" y="2066088"/>
+            <a:ext cx="934600" cy="1865764"/>
+          </a:xfrm>
+          <a:prstGeom prst="roundRect">
+            <a:avLst/>
+          </a:prstGeom>
+          <a:noFill/>
+          <a:ln w="57150">
+            <a:solidFill>
+              <a:schemeClr val="bg1"/>
+            </a:solidFill>
+            <a:prstDash val="dash"/>
+          </a:ln>
+        </p:spPr>
+        <p:style>
+          <a:lnRef idx="2">
+            <a:schemeClr val="accent1">
+              <a:shade val="50000"/>
+            </a:schemeClr>
+          </a:lnRef>
+          <a:fillRef idx="1">
+            <a:schemeClr val="accent1"/>
+          </a:fillRef>
+          <a:effectRef idx="0">
+            <a:schemeClr val="accent1"/>
+          </a:effectRef>
+          <a:fontRef idx="minor">
+            <a:schemeClr val="lt1"/>
+          </a:fontRef>
+        </p:style>
+        <p:txBody>
+          <a:bodyPr rtlCol="0" anchor="ctr"/>
+          <a:lstStyle/>
+          <a:p>
+            <a:pPr algn="ctr"/>
+            <a:endParaRPr lang="en-US"/>
+          </a:p>
+        </p:txBody>
+      </p:sp>
+      <p:sp>
+        <p:nvSpPr>
+          <p:cNvPr id="24" name="Rounded Rectangle 23"/>
+          <p:cNvSpPr/>
+          <p:nvPr/>
+        </p:nvSpPr>
+        <p:spPr>
+          <a:xfrm>
+            <a:off x="10650652" y="1948639"/>
+            <a:ext cx="1084216" cy="1983213"/>
+          </a:xfrm>
+          <a:prstGeom prst="roundRect">
+            <a:avLst/>
+          </a:prstGeom>
+          <a:noFill/>
+          <a:ln w="57150">
+            <a:solidFill>
+              <a:schemeClr val="bg1"/>
+            </a:solidFill>
+            <a:prstDash val="dash"/>
+          </a:ln>
+        </p:spPr>
+        <p:style>
+          <a:lnRef idx="2">
+            <a:schemeClr val="accent1">
+              <a:shade val="50000"/>
+            </a:schemeClr>
+          </a:lnRef>
+          <a:fillRef idx="1">
+            <a:schemeClr val="accent1"/>
+          </a:fillRef>
+          <a:effectRef idx="0">
+            <a:schemeClr val="accent1"/>
+          </a:effectRef>
+          <a:fontRef idx="minor">
+            <a:schemeClr val="lt1"/>
+          </a:fontRef>
+        </p:style>
+        <p:txBody>
+          <a:bodyPr rtlCol="0" anchor="ctr"/>
+          <a:lstStyle/>
+          <a:p>
+            <a:pPr algn="ctr"/>
+            <a:endParaRPr lang="en-US"/>
+          </a:p>
+        </p:txBody>
+      </p:sp>
+      <p:grpSp>
+        <p:nvGrpSpPr>
+          <p:cNvPr id="25" name="Group 24"/>
+          <p:cNvGrpSpPr>
+            <a:grpSpLocks/>
+          </p:cNvGrpSpPr>
+          <p:nvPr/>
+        </p:nvGrpSpPr>
+        <p:grpSpPr bwMode="auto">
+          <a:xfrm>
+            <a:off x="10793071" y="3084852"/>
+            <a:ext cx="866706" cy="687575"/>
+            <a:chOff x="-49036" y="0"/>
+            <a:chExt cx="1235266" cy="980345"/>
+          </a:xfrm>
+        </p:grpSpPr>
+        <p:pic>
+          <p:nvPicPr>
+            <p:cNvPr id="26" name="Picture 25" descr="Picture 116"/>
+            <p:cNvPicPr>
+              <a:picLocks noChangeAspect="1"/>
+            </p:cNvPicPr>
+            <p:nvPr/>
+          </p:nvPicPr>
+          <p:blipFill>
+            <a:blip r:embed="rId4">
+              <a:extLst>
+                <a:ext uri="{28A0092B-C50C-407E-A947-70E740481C1C}">
+                  <a14:useLocalDpi xmlns:a14="http://schemas.microsoft.com/office/drawing/2010/main" val="0"/>
+                </a:ext>
+              </a:extLst>
+            </a:blip>
+            <a:srcRect/>
+            <a:stretch>
+              <a:fillRect/>
+            </a:stretch>
+          </p:blipFill>
+          <p:spPr bwMode="auto">
+            <a:xfrm>
+              <a:off x="228748" y="0"/>
+              <a:ext cx="685801" cy="685800"/>
+            </a:xfrm>
+            <a:prstGeom prst="rect">
+              <a:avLst/>
+            </a:prstGeom>
+            <a:noFill/>
+            <a:ln>
+              <a:noFill/>
+            </a:ln>
+            <a:effectLst/>
+            <a:extLst>
+              <a:ext uri="{909E8E84-426E-40DD-AFC4-6F175D3DCCD1}">
+                <a14:hiddenFill xmlns:a14="http://schemas.microsoft.com/office/drawing/2010/main">
+                  <a:solidFill>
+                    <a:srgbClr val="FFFFFF"/>
+                  </a:solidFill>
+                </a14:hiddenFill>
+              </a:ext>
+              <a:ext uri="{91240B29-F687-4F45-9708-019B960494DF}">
+                <a14:hiddenLine xmlns:a14="http://schemas.microsoft.com/office/drawing/2010/main" w="12700" cap="flat" cmpd="sng">
+                  <a:solidFill>
+                    <a:srgbClr val="000000"/>
+                  </a:solidFill>
+                  <a:prstDash val="solid"/>
+                  <a:miter lim="400000"/>
+                  <a:headEnd type="none" w="med" len="med"/>
+                  <a:tailEnd type="none" w="med" len="med"/>
+                </a14:hiddenLine>
+              </a:ext>
+              <a:ext uri="{AF507438-7753-43E0-B8FC-AC1667EBCBE1}">
+                <a14:hiddenEffects xmlns:a14="http://schemas.microsoft.com/office/drawing/2010/main">
+                  <a:effectLst>
+                    <a:outerShdw blurRad="63500" dist="38099" dir="2700000" algn="ctr" rotWithShape="0">
+                      <a:srgbClr val="000000">
+                        <a:alpha val="74998"/>
+                      </a:srgbClr>
+                    </a:outerShdw>
+                  </a:effectLst>
+                </a14:hiddenEffects>
+              </a:ext>
+            </a:extLst>
+          </p:spPr>
+        </p:pic>
+        <p:sp>
+          <p:nvSpPr>
+            <p:cNvPr id="27" name="Text Box 35" descr="Rectangle 117"/>
+            <p:cNvSpPr txBox="1">
+              <a:spLocks/>
+            </p:cNvSpPr>
+            <p:nvPr/>
+          </p:nvSpPr>
+          <p:spPr bwMode="auto">
+            <a:xfrm>
+              <a:off x="-49036" y="629283"/>
+              <a:ext cx="1235266" cy="351062"/>
+            </a:xfrm>
+            <a:prstGeom prst="rect">
+              <a:avLst/>
+            </a:prstGeom>
+            <a:noFill/>
+            <a:ln>
+              <a:noFill/>
+            </a:ln>
+            <a:effectLst/>
+            <a:extLst>
+              <a:ext uri="{909E8E84-426E-40DD-AFC4-6F175D3DCCD1}">
+                <a14:hiddenFill xmlns:a14="http://schemas.microsoft.com/office/drawing/2010/main">
+                  <a:solidFill>
+                    <a:srgbClr val="FFFFFF"/>
+                  </a:solidFill>
+                </a14:hiddenFill>
+              </a:ext>
+              <a:ext uri="{91240B29-F687-4F45-9708-019B960494DF}">
+                <a14:hiddenLine xmlns:a14="http://schemas.microsoft.com/office/drawing/2010/main" w="12700" cap="flat" cmpd="sng">
+                  <a:solidFill>
+                    <a:srgbClr val="000000"/>
+                  </a:solidFill>
+                  <a:prstDash val="solid"/>
+                  <a:miter lim="400000"/>
+                  <a:headEnd type="none" w="med" len="med"/>
+                  <a:tailEnd type="none" w="med" len="med"/>
+                </a14:hiddenLine>
+              </a:ext>
+              <a:ext uri="{AF507438-7753-43E0-B8FC-AC1667EBCBE1}">
+                <a14:hiddenEffects xmlns:a14="http://schemas.microsoft.com/office/drawing/2010/main">
+                  <a:effectLst>
+                    <a:outerShdw blurRad="63500" dist="38099" dir="2700000" algn="ctr" rotWithShape="0">
+                      <a:srgbClr val="000000">
+                        <a:alpha val="74998"/>
+                      </a:srgbClr>
+                    </a:outerShdw>
+                  </a:effectLst>
+                </a14:hiddenEffects>
+              </a:ext>
+            </a:extLst>
+          </p:spPr>
+          <p:txBody>
+            <a:bodyPr wrap="square" lIns="45720" rIns="45720">
+              <a:spAutoFit/>
+            </a:bodyPr>
+            <a:lstStyle/>
+            <a:p>
+              <a:pPr algn="ctr"/>
+              <a:r>
+                <a:rPr lang="en-US" altLang="en-US" sz="1000" b="1" dirty="0" smtClean="0">
+                  <a:solidFill>
+                    <a:srgbClr val="FFFFFF"/>
+                  </a:solidFill>
+                  <a:latin typeface="Helvetica" charset="0"/>
+                  <a:ea typeface="Helvetica" charset="0"/>
+                  <a:cs typeface="Helvetica" charset="0"/>
+                  <a:sym typeface="Helvetica" charset="0"/>
+                </a:rPr>
+                <a:t>OCI </a:t>
+              </a:r>
+              <a:r>
+                <a:rPr lang="mr-IN" altLang="en-US" sz="1000" b="1" dirty="0" smtClean="0">
+                  <a:solidFill>
+                    <a:srgbClr val="FFFFFF"/>
+                  </a:solidFill>
+                  <a:latin typeface="Helvetica" charset="0"/>
+                  <a:ea typeface="Helvetica" charset="0"/>
+                  <a:cs typeface="Helvetica" charset="0"/>
+                  <a:sym typeface="Helvetica" charset="0"/>
+                </a:rPr>
+                <a:t>–</a:t>
+              </a:r>
+              <a:r>
+                <a:rPr lang="en-US" altLang="en-US" sz="1000" b="1" dirty="0" smtClean="0">
+                  <a:solidFill>
+                    <a:srgbClr val="FFFFFF"/>
+                  </a:solidFill>
+                  <a:latin typeface="Helvetica" charset="0"/>
+                  <a:ea typeface="Helvetica" charset="0"/>
+                  <a:cs typeface="Helvetica" charset="0"/>
+                  <a:sym typeface="Helvetica" charset="0"/>
+                </a:rPr>
+                <a:t> </a:t>
+              </a:r>
+              <a:r>
+                <a:rPr lang="en-US" altLang="en-US" sz="1000" b="1" dirty="0" smtClean="0">
+                  <a:solidFill>
+                    <a:srgbClr val="FFFFFF"/>
+                  </a:solidFill>
+                  <a:latin typeface="Helvetica" charset="0"/>
+                  <a:ea typeface="Helvetica" charset="0"/>
+                  <a:cs typeface="Helvetica" charset="0"/>
+                  <a:sym typeface="Helvetica" charset="0"/>
+                </a:rPr>
+                <a:t>GPU</a:t>
+              </a:r>
+              <a:endParaRPr lang="en-US" altLang="en-US" sz="1000" b="1" dirty="0">
+                <a:solidFill>
+                  <a:srgbClr val="FFFFFF"/>
+                </a:solidFill>
+                <a:latin typeface="Helvetica" charset="0"/>
+                <a:ea typeface="Helvetica" charset="0"/>
+                <a:cs typeface="Helvetica" charset="0"/>
+                <a:sym typeface="Helvetica" charset="0"/>
+              </a:endParaRPr>
+            </a:p>
+          </p:txBody>
+        </p:sp>
+      </p:grpSp>
+      <p:grpSp>
+        <p:nvGrpSpPr>
+          <p:cNvPr id="28" name="Group 27"/>
+          <p:cNvGrpSpPr/>
+          <p:nvPr/>
+        </p:nvGrpSpPr>
+        <p:grpSpPr>
+          <a:xfrm>
+            <a:off x="10793071" y="2127062"/>
+            <a:ext cx="820465" cy="672513"/>
+            <a:chOff x="8853320" y="5036278"/>
+            <a:chExt cx="1283753" cy="1052259"/>
+          </a:xfrm>
+        </p:grpSpPr>
+        <p:grpSp>
+          <p:nvGrpSpPr>
+            <p:cNvPr id="30" name="Group 29"/>
+            <p:cNvGrpSpPr/>
+            <p:nvPr/>
+          </p:nvGrpSpPr>
+          <p:grpSpPr>
+            <a:xfrm>
+              <a:off x="8853320" y="5036278"/>
+              <a:ext cx="1257252" cy="1052259"/>
+              <a:chOff x="6572005" y="2136007"/>
+              <a:chExt cx="2351989" cy="1968500"/>
+            </a:xfrm>
+          </p:grpSpPr>
+          <p:pic>
+            <p:nvPicPr>
+              <p:cNvPr id="32" name="Picture 31"/>
+              <p:cNvPicPr>
+                <a:picLocks noChangeAspect="1"/>
+              </p:cNvPicPr>
+              <p:nvPr/>
+            </p:nvPicPr>
+            <p:blipFill>
+              <a:blip r:embed="rId7"/>
+              <a:stretch>
+                <a:fillRect/>
+              </a:stretch>
+            </p:blipFill>
+            <p:spPr>
+              <a:xfrm>
+                <a:off x="6572005" y="2175115"/>
+                <a:ext cx="2346893" cy="1760171"/>
+              </a:xfrm>
+              <a:prstGeom prst="rect">
+                <a:avLst/>
+              </a:prstGeom>
+            </p:spPr>
+          </p:pic>
+          <p:pic>
+            <p:nvPicPr>
+              <p:cNvPr id="33" name="Picture 32"/>
+              <p:cNvPicPr>
+                <a:picLocks noChangeAspect="1"/>
+              </p:cNvPicPr>
+              <p:nvPr/>
+            </p:nvPicPr>
+            <p:blipFill>
+              <a:blip r:embed="rId8"/>
+              <a:stretch>
+                <a:fillRect/>
+              </a:stretch>
+            </p:blipFill>
+            <p:spPr>
+              <a:xfrm>
+                <a:off x="6612594" y="2136007"/>
+                <a:ext cx="2311400" cy="1968500"/>
+              </a:xfrm>
+              <a:prstGeom prst="rect">
+                <a:avLst/>
+              </a:prstGeom>
+            </p:spPr>
+          </p:pic>
+        </p:grpSp>
+        <p:sp>
+          <p:nvSpPr>
+            <p:cNvPr id="31" name="Text Box 16" descr="TextBox 98"/>
+            <p:cNvSpPr txBox="1">
+              <a:spLocks/>
+            </p:cNvSpPr>
+            <p:nvPr/>
+          </p:nvSpPr>
+          <p:spPr bwMode="auto">
+            <a:xfrm>
+              <a:off x="8929532" y="5714770"/>
+              <a:ext cx="1207541" cy="196480"/>
+            </a:xfrm>
+            <a:prstGeom prst="rect">
+              <a:avLst/>
+            </a:prstGeom>
+            <a:noFill/>
+            <a:ln>
+              <a:noFill/>
+            </a:ln>
+            <a:effectLst/>
+            <a:extLst>
+              <a:ext uri="{909E8E84-426E-40DD-AFC4-6F175D3DCCD1}">
+                <a14:hiddenFill xmlns:a14="http://schemas.microsoft.com/office/drawing/2010/main">
+                  <a:solidFill>
+                    <a:srgbClr val="FFFFFF"/>
+                  </a:solidFill>
+                </a14:hiddenFill>
+              </a:ext>
+              <a:ext uri="{91240B29-F687-4F45-9708-019B960494DF}">
+                <a14:hiddenLine xmlns:a14="http://schemas.microsoft.com/office/drawing/2010/main" w="12700" cap="flat" cmpd="sng">
+                  <a:solidFill>
+                    <a:srgbClr val="000000"/>
+                  </a:solidFill>
+                  <a:prstDash val="solid"/>
+                  <a:miter lim="400000"/>
+                  <a:headEnd type="none" w="med" len="med"/>
+                  <a:tailEnd type="none" w="med" len="med"/>
+                </a14:hiddenLine>
+              </a:ext>
+              <a:ext uri="{AF507438-7753-43E0-B8FC-AC1667EBCBE1}">
+                <a14:hiddenEffects xmlns:a14="http://schemas.microsoft.com/office/drawing/2010/main">
+                  <a:effectLst>
+                    <a:outerShdw blurRad="63500" dist="38099" dir="2700000" algn="ctr" rotWithShape="0">
+                      <a:srgbClr val="000000">
+                        <a:alpha val="74998"/>
+                      </a:srgbClr>
+                    </a:outerShdw>
+                  </a:effectLst>
+                </a14:hiddenEffects>
+              </a:ext>
+            </a:extLst>
+          </p:spPr>
+          <p:txBody>
+            <a:bodyPr wrap="none" lIns="0" tIns="0" rIns="0" bIns="0">
+              <a:spAutoFit/>
+            </a:bodyPr>
+            <a:lstStyle/>
+            <a:p>
+              <a:pPr algn="ctr">
+                <a:lnSpc>
+                  <a:spcPct val="90000"/>
+                </a:lnSpc>
+              </a:pPr>
+              <a:r>
+                <a:rPr lang="en-US" altLang="en-US" sz="1000" b="1" dirty="0" smtClean="0">
+                  <a:solidFill>
+                    <a:srgbClr val="FFFFFF"/>
+                  </a:solidFill>
+                  <a:latin typeface="Helvetica" charset="0"/>
+                  <a:ea typeface="Helvetica" charset="0"/>
+                  <a:cs typeface="Helvetica" charset="0"/>
+                  <a:sym typeface="Helvetica" charset="0"/>
+                </a:rPr>
+                <a:t>Virtual Reality</a:t>
+              </a:r>
+              <a:endParaRPr lang="en-US" altLang="en-US" sz="1000" b="1" dirty="0">
+                <a:solidFill>
+                  <a:srgbClr val="FFFFFF"/>
+                </a:solidFill>
+                <a:latin typeface="Helvetica" charset="0"/>
+                <a:ea typeface="Helvetica" charset="0"/>
+                <a:cs typeface="Helvetica" charset="0"/>
+                <a:sym typeface="Helvetica" charset="0"/>
+              </a:endParaRPr>
+            </a:p>
+          </p:txBody>
+        </p:sp>
+      </p:grpSp>
+      <p:grpSp>
+        <p:nvGrpSpPr>
+          <p:cNvPr id="37" name="Group 36"/>
+          <p:cNvGrpSpPr>
+            <a:grpSpLocks/>
+          </p:cNvGrpSpPr>
+          <p:nvPr/>
+        </p:nvGrpSpPr>
+        <p:grpSpPr bwMode="auto">
+          <a:xfrm>
+            <a:off x="9706801" y="5201903"/>
+            <a:ext cx="1248441" cy="991731"/>
+            <a:chOff x="-273130" y="0"/>
+            <a:chExt cx="1772669" cy="1407021"/>
+          </a:xfrm>
+        </p:grpSpPr>
+        <p:sp>
+          <p:nvSpPr>
+            <p:cNvPr id="38" name="Text Box 57" descr="Rectangle 169"/>
+            <p:cNvSpPr txBox="1">
+              <a:spLocks/>
+            </p:cNvSpPr>
+            <p:nvPr/>
+          </p:nvSpPr>
+          <p:spPr bwMode="auto">
+            <a:xfrm>
+              <a:off x="-273130" y="660283"/>
+              <a:ext cx="1772669" cy="746738"/>
+            </a:xfrm>
+            <a:prstGeom prst="rect">
+              <a:avLst/>
+            </a:prstGeom>
+            <a:noFill/>
+            <a:ln>
+              <a:noFill/>
+            </a:ln>
+            <a:effectLst/>
+            <a:extLst>
+              <a:ext uri="{909E8E84-426E-40DD-AFC4-6F175D3DCCD1}">
+                <a14:hiddenFill xmlns:a14="http://schemas.microsoft.com/office/drawing/2010/main">
+                  <a:solidFill>
+                    <a:srgbClr val="FFFFFF"/>
+                  </a:solidFill>
+                </a14:hiddenFill>
+              </a:ext>
+              <a:ext uri="{91240B29-F687-4F45-9708-019B960494DF}">
+                <a14:hiddenLine xmlns:a14="http://schemas.microsoft.com/office/drawing/2010/main" w="12700" cap="flat" cmpd="sng">
+                  <a:solidFill>
+                    <a:srgbClr val="000000"/>
+                  </a:solidFill>
+                  <a:prstDash val="solid"/>
+                  <a:miter lim="400000"/>
+                  <a:headEnd type="none" w="med" len="med"/>
+                  <a:tailEnd type="none" w="med" len="med"/>
+                </a14:hiddenLine>
+              </a:ext>
+              <a:ext uri="{AF507438-7753-43E0-B8FC-AC1667EBCBE1}">
+                <a14:hiddenEffects xmlns:a14="http://schemas.microsoft.com/office/drawing/2010/main">
+                  <a:effectLst>
+                    <a:outerShdw blurRad="63500" dist="38099" dir="2700000" algn="ctr" rotWithShape="0">
+                      <a:srgbClr val="000000">
+                        <a:alpha val="74998"/>
+                      </a:srgbClr>
+                    </a:outerShdw>
+                  </a:effectLst>
+                </a14:hiddenEffects>
+              </a:ext>
+            </a:extLst>
+          </p:spPr>
+          <p:txBody>
+            <a:bodyPr wrap="square" lIns="45720" rIns="45720">
+              <a:spAutoFit/>
+            </a:bodyPr>
+            <a:lstStyle/>
+            <a:p>
+              <a:pPr algn="ctr"/>
+              <a:r>
+                <a:rPr lang="en-US" altLang="en-US" sz="1000" b="1" dirty="0" smtClean="0">
+                  <a:solidFill>
+                    <a:srgbClr val="FFFFFF"/>
+                  </a:solidFill>
+                  <a:latin typeface="Helvetica" charset="0"/>
+                  <a:ea typeface="Helvetica" charset="0"/>
+                  <a:cs typeface="Helvetica" charset="0"/>
+                  <a:sym typeface="Helvetica" charset="0"/>
+                </a:rPr>
+                <a:t>OCI </a:t>
+              </a:r>
+              <a:r>
+                <a:rPr lang="mr-IN" altLang="en-US" sz="1000" b="1" dirty="0" smtClean="0">
+                  <a:solidFill>
+                    <a:srgbClr val="FFFFFF"/>
+                  </a:solidFill>
+                  <a:latin typeface="Helvetica" charset="0"/>
+                  <a:ea typeface="Helvetica" charset="0"/>
+                  <a:cs typeface="Helvetica" charset="0"/>
+                  <a:sym typeface="Helvetica" charset="0"/>
+                </a:rPr>
+                <a:t>–</a:t>
+              </a:r>
+              <a:r>
+                <a:rPr lang="en-US" altLang="en-US" sz="1000" b="1" dirty="0" smtClean="0">
+                  <a:solidFill>
+                    <a:srgbClr val="FFFFFF"/>
+                  </a:solidFill>
+                  <a:latin typeface="Helvetica" charset="0"/>
+                  <a:ea typeface="Helvetica" charset="0"/>
+                  <a:cs typeface="Helvetica" charset="0"/>
+                  <a:sym typeface="Helvetica" charset="0"/>
+                </a:rPr>
+                <a:t> Object </a:t>
+              </a:r>
+              <a:r>
+                <a:rPr lang="en-US" altLang="en-US" sz="1000" b="1" dirty="0" smtClean="0">
+                  <a:solidFill>
+                    <a:srgbClr val="FFFFFF"/>
+                  </a:solidFill>
+                  <a:latin typeface="Helvetica" charset="0"/>
+                  <a:ea typeface="Helvetica" charset="0"/>
+                  <a:cs typeface="Helvetica" charset="0"/>
+                  <a:sym typeface="Helvetica" charset="0"/>
+                </a:rPr>
+                <a:t>Storage</a:t>
+              </a:r>
+              <a:endParaRPr lang="en-US" altLang="en-US" sz="1000" b="1" dirty="0">
+                <a:solidFill>
+                  <a:srgbClr val="FFFFFF"/>
+                </a:solidFill>
+                <a:latin typeface="Helvetica" charset="0"/>
+                <a:ea typeface="Helvetica" charset="0"/>
+                <a:cs typeface="Helvetica" charset="0"/>
+                <a:sym typeface="Helvetica" charset="0"/>
+              </a:endParaRPr>
+            </a:p>
+          </p:txBody>
+        </p:sp>
+        <p:pic>
+          <p:nvPicPr>
+            <p:cNvPr id="39" name="Picture 38" descr="Picture 170"/>
+            <p:cNvPicPr>
+              <a:picLocks noChangeAspect="1"/>
+            </p:cNvPicPr>
+            <p:nvPr/>
+          </p:nvPicPr>
+          <p:blipFill>
+            <a:blip r:embed="rId9">
+              <a:extLst>
+                <a:ext uri="{28A0092B-C50C-407E-A947-70E740481C1C}">
+                  <a14:useLocalDpi xmlns:a14="http://schemas.microsoft.com/office/drawing/2010/main" val="0"/>
+                </a:ext>
+              </a:extLst>
+            </a:blip>
+            <a:srcRect/>
+            <a:stretch>
+              <a:fillRect/>
+            </a:stretch>
+          </p:blipFill>
+          <p:spPr bwMode="auto">
+            <a:xfrm>
+              <a:off x="261382" y="0"/>
+              <a:ext cx="685801" cy="685800"/>
+            </a:xfrm>
+            <a:prstGeom prst="rect">
+              <a:avLst/>
+            </a:prstGeom>
+            <a:noFill/>
+            <a:ln>
+              <a:noFill/>
+            </a:ln>
+            <a:effectLst/>
+            <a:extLst>
+              <a:ext uri="{909E8E84-426E-40DD-AFC4-6F175D3DCCD1}">
+                <a14:hiddenFill xmlns:a14="http://schemas.microsoft.com/office/drawing/2010/main">
+                  <a:solidFill>
+                    <a:srgbClr val="FFFFFF"/>
+                  </a:solidFill>
+                </a14:hiddenFill>
+              </a:ext>
+              <a:ext uri="{91240B29-F687-4F45-9708-019B960494DF}">
+                <a14:hiddenLine xmlns:a14="http://schemas.microsoft.com/office/drawing/2010/main" w="12700" cap="flat" cmpd="sng">
+                  <a:solidFill>
+                    <a:srgbClr val="000000"/>
+                  </a:solidFill>
+                  <a:prstDash val="solid"/>
+                  <a:miter lim="400000"/>
+                  <a:headEnd type="none" w="med" len="med"/>
+                  <a:tailEnd type="none" w="med" len="med"/>
+                </a14:hiddenLine>
+              </a:ext>
+              <a:ext uri="{AF507438-7753-43E0-B8FC-AC1667EBCBE1}">
+                <a14:hiddenEffects xmlns:a14="http://schemas.microsoft.com/office/drawing/2010/main">
+                  <a:effectLst>
+                    <a:outerShdw blurRad="63500" dist="38099" dir="2700000" algn="ctr" rotWithShape="0">
+                      <a:srgbClr val="000000">
+                        <a:alpha val="74998"/>
+                      </a:srgbClr>
+                    </a:outerShdw>
+                  </a:effectLst>
+                </a14:hiddenEffects>
+              </a:ext>
+            </a:extLst>
+          </p:spPr>
+        </p:pic>
+      </p:grpSp>
+      <p:grpSp>
+        <p:nvGrpSpPr>
+          <p:cNvPr id="40" name="Group 39"/>
+          <p:cNvGrpSpPr>
+            <a:grpSpLocks/>
+          </p:cNvGrpSpPr>
+          <p:nvPr/>
+        </p:nvGrpSpPr>
+        <p:grpSpPr bwMode="auto">
+          <a:xfrm>
+            <a:off x="9566841" y="1358538"/>
+            <a:ext cx="850651" cy="844651"/>
+            <a:chOff x="-34133" y="-571383"/>
+            <a:chExt cx="1266049" cy="1257183"/>
+          </a:xfrm>
+        </p:grpSpPr>
+        <p:sp>
+          <p:nvSpPr>
+            <p:cNvPr id="41" name="Text Box 64" descr="Rectangle 272"/>
+            <p:cNvSpPr txBox="1">
+              <a:spLocks/>
+            </p:cNvSpPr>
+            <p:nvPr/>
+          </p:nvSpPr>
+          <p:spPr bwMode="auto">
+            <a:xfrm>
+              <a:off x="-34133" y="-571383"/>
+              <a:ext cx="1266049" cy="595526"/>
+            </a:xfrm>
+            <a:prstGeom prst="rect">
+              <a:avLst/>
+            </a:prstGeom>
+            <a:noFill/>
+            <a:ln>
+              <a:noFill/>
+            </a:ln>
+            <a:effectLst/>
+            <a:extLst>
+              <a:ext uri="{909E8E84-426E-40DD-AFC4-6F175D3DCCD1}">
+                <a14:hiddenFill xmlns:a14="http://schemas.microsoft.com/office/drawing/2010/main">
+                  <a:solidFill>
+                    <a:srgbClr val="FFFFFF"/>
+                  </a:solidFill>
+                </a14:hiddenFill>
+              </a:ext>
+              <a:ext uri="{91240B29-F687-4F45-9708-019B960494DF}">
+                <a14:hiddenLine xmlns:a14="http://schemas.microsoft.com/office/drawing/2010/main" w="12700" cap="flat" cmpd="sng">
+                  <a:solidFill>
+                    <a:srgbClr val="000000"/>
+                  </a:solidFill>
+                  <a:prstDash val="solid"/>
+                  <a:miter lim="400000"/>
+                  <a:headEnd type="none" w="med" len="med"/>
+                  <a:tailEnd type="none" w="med" len="med"/>
+                </a14:hiddenLine>
+              </a:ext>
+              <a:ext uri="{AF507438-7753-43E0-B8FC-AC1667EBCBE1}">
+                <a14:hiddenEffects xmlns:a14="http://schemas.microsoft.com/office/drawing/2010/main">
+                  <a:effectLst>
+                    <a:outerShdw blurRad="63500" dist="38099" dir="2700000" algn="ctr" rotWithShape="0">
+                      <a:srgbClr val="000000">
+                        <a:alpha val="74998"/>
+                      </a:srgbClr>
+                    </a:outerShdw>
+                  </a:effectLst>
+                </a14:hiddenEffects>
+              </a:ext>
+            </a:extLst>
+          </p:spPr>
+          <p:txBody>
+            <a:bodyPr wrap="square" lIns="45720" rIns="45720">
+              <a:spAutoFit/>
+            </a:bodyPr>
+            <a:lstStyle/>
+            <a:p>
+              <a:pPr algn="ctr"/>
+              <a:r>
+                <a:rPr lang="en-US" altLang="en-US" sz="1000" b="1" dirty="0">
+                  <a:solidFill>
+                    <a:srgbClr val="FFFFFF"/>
+                  </a:solidFill>
+                  <a:latin typeface="Helvetica" charset="0"/>
+                  <a:ea typeface="Helvetica" charset="0"/>
+                  <a:cs typeface="Helvetica" charset="0"/>
+                  <a:sym typeface="Helvetica" charset="0"/>
+                </a:rPr>
+                <a:t>Managed File </a:t>
+              </a:r>
+              <a:r>
+                <a:rPr lang="en-US" altLang="en-US" sz="1000" b="1" dirty="0" smtClean="0">
+                  <a:solidFill>
+                    <a:srgbClr val="FFFFFF"/>
+                  </a:solidFill>
+                  <a:latin typeface="Helvetica" charset="0"/>
+                  <a:ea typeface="Helvetica" charset="0"/>
+                  <a:cs typeface="Helvetica" charset="0"/>
+                  <a:sym typeface="Helvetica" charset="0"/>
+                </a:rPr>
+                <a:t>Transfer</a:t>
+              </a:r>
+              <a:endParaRPr lang="en-US" altLang="en-US" sz="1000" b="1" dirty="0">
+                <a:solidFill>
+                  <a:srgbClr val="FFFFFF"/>
+                </a:solidFill>
+                <a:latin typeface="Helvetica" charset="0"/>
+                <a:ea typeface="Helvetica" charset="0"/>
+                <a:cs typeface="Helvetica" charset="0"/>
+                <a:sym typeface="Helvetica" charset="0"/>
+              </a:endParaRPr>
+            </a:p>
+          </p:txBody>
+        </p:sp>
+        <p:pic>
+          <p:nvPicPr>
+            <p:cNvPr id="42" name="Picture 41" descr="Picture 273"/>
+            <p:cNvPicPr>
+              <a:picLocks noChangeAspect="1"/>
+            </p:cNvPicPr>
+            <p:nvPr/>
+          </p:nvPicPr>
+          <p:blipFill>
+            <a:blip r:embed="rId10">
+              <a:extLst>
+                <a:ext uri="{28A0092B-C50C-407E-A947-70E740481C1C}">
+                  <a14:useLocalDpi xmlns:a14="http://schemas.microsoft.com/office/drawing/2010/main" val="0"/>
+                </a:ext>
+              </a:extLst>
+            </a:blip>
+            <a:srcRect/>
+            <a:stretch>
+              <a:fillRect/>
+            </a:stretch>
+          </p:blipFill>
+          <p:spPr bwMode="auto">
+            <a:xfrm>
+              <a:off x="255992" y="0"/>
+              <a:ext cx="685801" cy="685800"/>
+            </a:xfrm>
+            <a:prstGeom prst="rect">
+              <a:avLst/>
+            </a:prstGeom>
+            <a:noFill/>
+            <a:ln>
+              <a:noFill/>
+            </a:ln>
+            <a:effectLst/>
+            <a:extLst>
+              <a:ext uri="{909E8E84-426E-40DD-AFC4-6F175D3DCCD1}">
+                <a14:hiddenFill xmlns:a14="http://schemas.microsoft.com/office/drawing/2010/main">
+                  <a:solidFill>
+                    <a:srgbClr val="FFFFFF"/>
+                  </a:solidFill>
+                </a14:hiddenFill>
+              </a:ext>
+              <a:ext uri="{91240B29-F687-4F45-9708-019B960494DF}">
+                <a14:hiddenLine xmlns:a14="http://schemas.microsoft.com/office/drawing/2010/main" w="12700" cap="flat" cmpd="sng">
+                  <a:solidFill>
+                    <a:srgbClr val="000000"/>
+                  </a:solidFill>
+                  <a:prstDash val="solid"/>
+                  <a:miter lim="400000"/>
+                  <a:headEnd type="none" w="med" len="med"/>
+                  <a:tailEnd type="none" w="med" len="med"/>
+                </a14:hiddenLine>
+              </a:ext>
+              <a:ext uri="{AF507438-7753-43E0-B8FC-AC1667EBCBE1}">
+                <a14:hiddenEffects xmlns:a14="http://schemas.microsoft.com/office/drawing/2010/main">
+                  <a:effectLst>
+                    <a:outerShdw blurRad="63500" dist="38099" dir="2700000" algn="ctr" rotWithShape="0">
+                      <a:srgbClr val="000000">
+                        <a:alpha val="74998"/>
+                      </a:srgbClr>
+                    </a:outerShdw>
+                  </a:effectLst>
+                </a14:hiddenEffects>
+              </a:ext>
+            </a:extLst>
+          </p:spPr>
+        </p:pic>
+      </p:grpSp>
+      <p:grpSp>
+        <p:nvGrpSpPr>
+          <p:cNvPr id="43" name="Group 42"/>
+          <p:cNvGrpSpPr/>
+          <p:nvPr/>
+        </p:nvGrpSpPr>
+        <p:grpSpPr>
+          <a:xfrm>
+            <a:off x="10783820" y="5201903"/>
+            <a:ext cx="1000401" cy="812314"/>
+            <a:chOff x="4602728" y="4187625"/>
+            <a:chExt cx="1497093" cy="1215620"/>
+          </a:xfrm>
+        </p:grpSpPr>
+        <p:pic>
+          <p:nvPicPr>
+            <p:cNvPr id="44" name="Picture 43"/>
+            <p:cNvPicPr>
+              <a:picLocks noChangeAspect="1"/>
+            </p:cNvPicPr>
+            <p:nvPr/>
+          </p:nvPicPr>
+          <p:blipFill>
+            <a:blip r:embed="rId11"/>
+            <a:stretch>
+              <a:fillRect/>
+            </a:stretch>
+          </p:blipFill>
+          <p:spPr>
+            <a:xfrm>
+              <a:off x="4867670" y="4187625"/>
+              <a:ext cx="871412" cy="871412"/>
+            </a:xfrm>
+            <a:prstGeom prst="rect">
+              <a:avLst/>
+            </a:prstGeom>
+          </p:spPr>
+        </p:pic>
+        <p:sp>
+          <p:nvSpPr>
+            <p:cNvPr id="45" name="Rectangle 44"/>
+            <p:cNvSpPr/>
+            <p:nvPr/>
+          </p:nvSpPr>
+          <p:spPr>
+            <a:xfrm>
+              <a:off x="4602728" y="5034777"/>
+              <a:ext cx="1497093" cy="368468"/>
+            </a:xfrm>
+            <a:prstGeom prst="rect">
+              <a:avLst/>
+            </a:prstGeom>
+          </p:spPr>
+          <p:txBody>
+            <a:bodyPr wrap="square">
+              <a:spAutoFit/>
+            </a:bodyPr>
+            <a:lstStyle/>
+            <a:p>
+              <a:pPr algn="ctr"/>
+              <a:r>
+                <a:rPr lang="en-US" sz="1000" b="1" kern="0" dirty="0" smtClean="0">
+                  <a:solidFill>
+                    <a:schemeClr val="bg1"/>
+                  </a:solidFill>
+                  <a:ea typeface="Calibri"/>
+                  <a:cs typeface="MV Boli" pitchFamily="2" charset="0"/>
+                  <a:sym typeface="Calibri"/>
+                </a:rPr>
+                <a:t>OCI </a:t>
+              </a:r>
+              <a:r>
+                <a:rPr lang="mr-IN" sz="1000" b="1" kern="0" dirty="0" smtClean="0">
+                  <a:solidFill>
+                    <a:schemeClr val="bg1"/>
+                  </a:solidFill>
+                  <a:ea typeface="Calibri"/>
+                  <a:cs typeface="MV Boli" pitchFamily="2" charset="0"/>
+                  <a:sym typeface="Calibri"/>
+                </a:rPr>
+                <a:t>–</a:t>
+              </a:r>
+              <a:r>
+                <a:rPr lang="en-US" sz="1000" b="1" kern="0" dirty="0" smtClean="0">
+                  <a:solidFill>
+                    <a:schemeClr val="bg1"/>
+                  </a:solidFill>
+                  <a:ea typeface="Calibri"/>
+                  <a:cs typeface="MV Boli" pitchFamily="2" charset="0"/>
+                  <a:sym typeface="Calibri"/>
+                </a:rPr>
+                <a:t> API</a:t>
+              </a:r>
+              <a:endParaRPr lang="en-US" sz="1000" b="1" kern="0" dirty="0">
+                <a:solidFill>
+                  <a:schemeClr val="bg1"/>
+                </a:solidFill>
+                <a:ea typeface="Calibri"/>
+                <a:cs typeface="MV Boli" pitchFamily="2" charset="0"/>
+                <a:sym typeface="Calibri"/>
+              </a:endParaRPr>
+            </a:p>
+          </p:txBody>
+        </p:sp>
+      </p:grpSp>
+      <p:cxnSp>
+        <p:nvCxnSpPr>
+          <p:cNvPr id="47" name="Straight Arrow Connector 46"/>
+          <p:cNvCxnSpPr/>
+          <p:nvPr/>
+        </p:nvCxnSpPr>
+        <p:spPr>
+          <a:xfrm>
+            <a:off x="7473752" y="2463318"/>
+            <a:ext cx="803710" cy="13063"/>
+          </a:xfrm>
+          <a:prstGeom prst="straightConnector1">
+            <a:avLst/>
+          </a:prstGeom>
+          <a:ln w="38100">
+            <a:solidFill>
+              <a:schemeClr val="bg1"/>
+            </a:solidFill>
+            <a:prstDash val="sysDash"/>
+            <a:tailEnd type="triangle"/>
+          </a:ln>
+        </p:spPr>
+        <p:style>
+          <a:lnRef idx="1">
+            <a:schemeClr val="accent1"/>
+          </a:lnRef>
+          <a:fillRef idx="0">
+            <a:schemeClr val="accent1"/>
+          </a:fillRef>
+          <a:effectRef idx="0">
+            <a:schemeClr val="accent1"/>
+          </a:effectRef>
+          <a:fontRef idx="minor">
+            <a:schemeClr val="tx1"/>
+          </a:fontRef>
+        </p:style>
+      </p:cxnSp>
+      <p:cxnSp>
+        <p:nvCxnSpPr>
+          <p:cNvPr id="52" name="Straight Arrow Connector 51"/>
+          <p:cNvCxnSpPr/>
+          <p:nvPr/>
+        </p:nvCxnSpPr>
+        <p:spPr>
+          <a:xfrm>
+            <a:off x="9579437" y="2874072"/>
+            <a:ext cx="978817" cy="21366"/>
+          </a:xfrm>
+          <a:prstGeom prst="straightConnector1">
+            <a:avLst/>
+          </a:prstGeom>
+          <a:ln w="38100">
+            <a:solidFill>
+              <a:schemeClr val="bg1"/>
+            </a:solidFill>
+            <a:prstDash val="sysDash"/>
+            <a:tailEnd type="triangle"/>
+          </a:ln>
+        </p:spPr>
+        <p:style>
+          <a:lnRef idx="1">
+            <a:schemeClr val="accent1"/>
+          </a:lnRef>
+          <a:fillRef idx="0">
+            <a:schemeClr val="accent1"/>
+          </a:fillRef>
+          <a:effectRef idx="0">
+            <a:schemeClr val="accent1"/>
+          </a:effectRef>
+          <a:fontRef idx="minor">
+            <a:schemeClr val="tx1"/>
+          </a:fontRef>
+        </p:style>
+      </p:cxnSp>
+      <p:cxnSp>
+        <p:nvCxnSpPr>
+          <p:cNvPr id="56" name="Straight Arrow Connector 55"/>
+          <p:cNvCxnSpPr/>
+          <p:nvPr/>
+        </p:nvCxnSpPr>
+        <p:spPr>
+          <a:xfrm>
+            <a:off x="11192760" y="4064672"/>
+            <a:ext cx="0" cy="802000"/>
+          </a:xfrm>
+          <a:prstGeom prst="straightConnector1">
+            <a:avLst/>
+          </a:prstGeom>
+          <a:ln w="38100">
+            <a:solidFill>
+              <a:schemeClr val="bg1"/>
+            </a:solidFill>
+            <a:prstDash val="sysDash"/>
+            <a:tailEnd type="triangle"/>
+          </a:ln>
+        </p:spPr>
+        <p:style>
+          <a:lnRef idx="1">
+            <a:schemeClr val="accent1"/>
+          </a:lnRef>
+          <a:fillRef idx="0">
+            <a:schemeClr val="accent1"/>
+          </a:fillRef>
+          <a:effectRef idx="0">
+            <a:schemeClr val="accent1"/>
+          </a:effectRef>
+          <a:fontRef idx="minor">
+            <a:schemeClr val="tx1"/>
+          </a:fontRef>
+        </p:style>
+      </p:cxnSp>
+      <p:sp>
+        <p:nvSpPr>
+          <p:cNvPr id="57" name="Rounded Rectangle 56"/>
+          <p:cNvSpPr/>
+          <p:nvPr/>
+        </p:nvSpPr>
+        <p:spPr>
+          <a:xfrm>
+            <a:off x="9774906" y="4979611"/>
+            <a:ext cx="2017827" cy="1256338"/>
+          </a:xfrm>
+          <a:prstGeom prst="roundRect">
+            <a:avLst/>
+          </a:prstGeom>
+          <a:noFill/>
+          <a:ln w="57150">
+            <a:solidFill>
+              <a:schemeClr val="bg1"/>
+            </a:solidFill>
+            <a:prstDash val="dash"/>
+          </a:ln>
+        </p:spPr>
+        <p:style>
+          <a:lnRef idx="2">
+            <a:schemeClr val="accent1">
+              <a:shade val="50000"/>
+            </a:schemeClr>
+          </a:lnRef>
+          <a:fillRef idx="1">
+            <a:schemeClr val="accent1"/>
+          </a:fillRef>
+          <a:effectRef idx="0">
+            <a:schemeClr val="accent1"/>
+          </a:effectRef>
+          <a:fontRef idx="minor">
+            <a:schemeClr val="lt1"/>
+          </a:fontRef>
+        </p:style>
+        <p:txBody>
+          <a:bodyPr rtlCol="0" anchor="ctr"/>
+          <a:lstStyle/>
+          <a:p>
+            <a:pPr algn="ctr"/>
+            <a:endParaRPr lang="en-US"/>
+          </a:p>
+        </p:txBody>
+      </p:sp>
+      <p:cxnSp>
+        <p:nvCxnSpPr>
+          <p:cNvPr id="63" name="Straight Arrow Connector 62"/>
+          <p:cNvCxnSpPr/>
+          <p:nvPr/>
+        </p:nvCxnSpPr>
+        <p:spPr>
+          <a:xfrm>
+            <a:off x="9978650" y="2265699"/>
+            <a:ext cx="12596" cy="585920"/>
+          </a:xfrm>
+          <a:prstGeom prst="straightConnector1">
+            <a:avLst/>
+          </a:prstGeom>
+          <a:ln w="38100">
+            <a:solidFill>
+              <a:schemeClr val="bg1"/>
+            </a:solidFill>
+            <a:prstDash val="sysDash"/>
+            <a:tailEnd type="triangle"/>
+          </a:ln>
+        </p:spPr>
+        <p:style>
+          <a:lnRef idx="1">
+            <a:schemeClr val="accent1"/>
+          </a:lnRef>
+          <a:fillRef idx="0">
+            <a:schemeClr val="accent1"/>
+          </a:fillRef>
+          <a:effectRef idx="0">
+            <a:schemeClr val="accent1"/>
+          </a:effectRef>
+          <a:fontRef idx="minor">
+            <a:schemeClr val="tx1"/>
+          </a:fontRef>
+        </p:style>
+      </p:cxnSp>
+    </p:spTree>
+    <p:extLst>
+      <p:ext uri="{BB962C8B-B14F-4D97-AF65-F5344CB8AC3E}">
+        <p14:creationId xmlns:p14="http://schemas.microsoft.com/office/powerpoint/2010/main" val="1796137024"/>
+      </p:ext>
+    </p:extLst>
+  </p:cSld>
+  <p:clrMapOvr>
+    <a:masterClrMapping/>
+  </p:clrMapOvr>
+  <mc:AlternateContent xmlns:mc="http://schemas.openxmlformats.org/markup-compatibility/2006" xmlns:p14="http://schemas.microsoft.com/office/powerpoint/2010/main">
+    <mc:Choice Requires="p14">
+      <p:transition spd="med" p14:dur="700">
+        <p:fade/>
+      </p:transition>
+    </mc:Choice>
+    <mc:Fallback xmlns="">
+      <p:transition spd="med">
+        <p:fade/>
+      </p:transition>
+    </mc:Fallback>
+  </mc:AlternateContent>
+  <p:timing>
+    <p:tnLst>
+      <p:par>
+        <p:cTn id="1" dur="indefinite" restart="never" nodeType="tmRoot"/>
+      </p:par>
+    </p:tnLst>
+  </p:timing>
+</p:sld>
+</file>
+
+<file path=ppt/slides/slide3.xml><?xml version="1.0" encoding="utf-8"?>
+<p:sld xmlns:a="http://schemas.openxmlformats.org/drawingml/2006/main" xmlns:r="http://schemas.openxmlformats.org/officeDocument/2006/relationships" xmlns:p="http://schemas.openxmlformats.org/presentationml/2006/main">
+  <p:cSld>
+    <p:spTree>
+      <p:nvGrpSpPr>
+        <p:cNvPr id="1" name=""/>
+        <p:cNvGrpSpPr/>
+        <p:nvPr/>
+      </p:nvGrpSpPr>
+      <p:grpSpPr>
+        <a:xfrm>
+          <a:off x="0" y="0"/>
+          <a:ext cx="0" cy="0"/>
+          <a:chOff x="0" y="0"/>
+          <a:chExt cx="0" cy="0"/>
+        </a:xfrm>
+      </p:grpSpPr>
+      <p:sp>
+        <p:nvSpPr>
+          <p:cNvPr id="2" name="Footer Placeholder 1"/>
+          <p:cNvSpPr>
+            <a:spLocks noGrp="1"/>
+          </p:cNvSpPr>
+          <p:nvPr>
+            <p:ph type="ftr" sz="quarter" idx="15"/>
+          </p:nvPr>
+        </p:nvSpPr>
+        <p:spPr/>
+        <p:txBody>
+          <a:bodyPr/>
+          <a:lstStyle/>
+          <a:p>
+            <a:r>
+              <a:rPr lang="en-US" kern="0" dirty="0" smtClean="0">
+                <a:solidFill>
+                  <a:srgbClr val="FFFFFF"/>
+                </a:solidFill>
+              </a:rPr>
+              <a:t>Confidential – Oracle Internal</a:t>
+            </a:r>
+            <a:endParaRPr lang="en-US" kern="0" dirty="0">
+              <a:solidFill>
+                <a:srgbClr val="FFFFFF"/>
+              </a:solidFill>
+            </a:endParaRPr>
+          </a:p>
+        </p:txBody>
+      </p:sp>
+      <p:sp>
+        <p:nvSpPr>
+          <p:cNvPr id="3" name="Slide Number Placeholder 2"/>
+          <p:cNvSpPr>
+            <a:spLocks noGrp="1"/>
+          </p:cNvSpPr>
+          <p:nvPr>
+            <p:ph type="sldNum" sz="quarter" idx="12"/>
+          </p:nvPr>
+        </p:nvSpPr>
+        <p:spPr/>
+        <p:txBody>
+          <a:bodyPr/>
+          <a:lstStyle/>
+          <a:p>
+            <a:fld id="{C51EAA63-D034-42AE-91FA-B13B9518C7BE}" type="slidenum">
+              <a:rPr lang="en-US" smtClean="0"/>
+              <a:pPr/>
+              <a:t>3</a:t>
+            </a:fld>
+            <a:endParaRPr lang="en-US" dirty="0"/>
+          </a:p>
+        </p:txBody>
+      </p:sp>
+      <p:sp>
+        <p:nvSpPr>
+          <p:cNvPr id="29" name="TextBox 28"/>
+          <p:cNvSpPr txBox="1"/>
+          <p:nvPr/>
+        </p:nvSpPr>
+        <p:spPr>
+          <a:xfrm>
+            <a:off x="1361909" y="325090"/>
+            <a:ext cx="9718722" cy="646331"/>
+          </a:xfrm>
+          <a:prstGeom prst="rect">
+            <a:avLst/>
+          </a:prstGeom>
+          <a:noFill/>
+        </p:spPr>
+        <p:txBody>
+          <a:bodyPr wrap="square" rtlCol="0">
+            <a:spAutoFit/>
+          </a:bodyPr>
+          <a:lstStyle/>
+          <a:p>
+            <a:pPr algn="ctr"/>
+            <a:r>
+              <a:rPr lang="en-US" sz="3600" b="1" dirty="0" smtClean="0">
                 <a:solidFill>
                   <a:schemeClr val="bg1"/>
                 </a:solidFill>
                 <a:latin typeface="Arial" panose="020B0604020202020204" pitchFamily="34" charset="0"/>
                 <a:cs typeface="Arial" panose="020B0604020202020204" pitchFamily="34" charset="0"/>
               </a:rPr>
-              <a:t>Concept eligible to be deployed as a PaaS offering</a:t>
+              <a:t>AI Model Training Stage</a:t>
             </a:r>
-            <a:endParaRPr lang="en-US" sz="2800" b="1" dirty="0">
+            <a:endParaRPr lang="en-US" sz="3600" b="1" dirty="0">
               <a:solidFill>
                 <a:schemeClr val="bg1"/>
               </a:solidFill>
@@ -6211,10 +8621,3635 @@
           </a:p>
         </p:txBody>
       </p:sp>
+      <p:sp>
+        <p:nvSpPr>
+          <p:cNvPr id="5" name="Rectangle 4"/>
+          <p:cNvSpPr/>
+          <p:nvPr/>
+        </p:nvSpPr>
+        <p:spPr>
+          <a:xfrm>
+            <a:off x="707179" y="266369"/>
+            <a:ext cx="10971940" cy="790554"/>
+          </a:xfrm>
+          <a:prstGeom prst="rect">
+            <a:avLst/>
+          </a:prstGeom>
+          <a:noFill/>
+          <a:ln w="38100">
+            <a:solidFill>
+              <a:schemeClr val="bg1"/>
+            </a:solidFill>
+          </a:ln>
+        </p:spPr>
+        <p:style>
+          <a:lnRef idx="2">
+            <a:schemeClr val="accent1">
+              <a:shade val="50000"/>
+            </a:schemeClr>
+          </a:lnRef>
+          <a:fillRef idx="1">
+            <a:schemeClr val="accent1"/>
+          </a:fillRef>
+          <a:effectRef idx="0">
+            <a:schemeClr val="accent1"/>
+          </a:effectRef>
+          <a:fontRef idx="minor">
+            <a:schemeClr val="lt1"/>
+          </a:fontRef>
+        </p:style>
+        <p:txBody>
+          <a:bodyPr rtlCol="0" anchor="ctr"/>
+          <a:lstStyle/>
+          <a:p>
+            <a:pPr algn="ctr"/>
+            <a:endParaRPr lang="en-US"/>
+          </a:p>
+        </p:txBody>
+      </p:sp>
+      <p:sp>
+        <p:nvSpPr>
+          <p:cNvPr id="4" name="TextBox 3"/>
+          <p:cNvSpPr txBox="1"/>
+          <p:nvPr/>
+        </p:nvSpPr>
+        <p:spPr>
+          <a:xfrm>
+            <a:off x="458985" y="1306286"/>
+            <a:ext cx="5471552" cy="4524315"/>
+          </a:xfrm>
+          <a:prstGeom prst="rect">
+            <a:avLst/>
+          </a:prstGeom>
+          <a:noFill/>
+        </p:spPr>
+        <p:txBody>
+          <a:bodyPr wrap="square" rtlCol="0">
+            <a:spAutoFit/>
+          </a:bodyPr>
+          <a:lstStyle/>
+          <a:p>
+            <a:pPr marL="457200" indent="-457200">
+              <a:buFont typeface="Arial" charset="0"/>
+              <a:buChar char="•"/>
+            </a:pPr>
+            <a:r>
+              <a:rPr lang="en-US" sz="2400" b="1" dirty="0" smtClean="0">
+                <a:solidFill>
+                  <a:schemeClr val="bg1"/>
+                </a:solidFill>
+                <a:latin typeface="Arial" panose="020B0604020202020204" pitchFamily="34" charset="0"/>
+                <a:cs typeface="Arial" panose="020B0604020202020204" pitchFamily="34" charset="0"/>
+              </a:rPr>
+              <a:t>Split image data into train and test data sets</a:t>
+            </a:r>
+          </a:p>
+          <a:p>
+            <a:pPr marL="457200" indent="-457200">
+              <a:buFont typeface="Arial" charset="0"/>
+              <a:buChar char="•"/>
+            </a:pPr>
+            <a:endParaRPr lang="en-US" sz="2400" b="1" dirty="0" smtClean="0">
+              <a:solidFill>
+                <a:schemeClr val="bg1"/>
+              </a:solidFill>
+              <a:latin typeface="Arial" panose="020B0604020202020204" pitchFamily="34" charset="0"/>
+              <a:cs typeface="Arial" panose="020B0604020202020204" pitchFamily="34" charset="0"/>
+            </a:endParaRPr>
+          </a:p>
+          <a:p>
+            <a:pPr marL="457200" indent="-457200">
+              <a:buFont typeface="Arial" charset="0"/>
+              <a:buChar char="•"/>
+            </a:pPr>
+            <a:r>
+              <a:rPr lang="en-US" sz="2400" b="1" dirty="0" smtClean="0">
+                <a:solidFill>
+                  <a:schemeClr val="bg1"/>
+                </a:solidFill>
+                <a:latin typeface="Arial" panose="020B0604020202020204" pitchFamily="34" charset="0"/>
+                <a:cs typeface="Arial" panose="020B0604020202020204" pitchFamily="34" charset="0"/>
+              </a:rPr>
+              <a:t>Generate train and test </a:t>
+            </a:r>
+            <a:r>
+              <a:rPr lang="en-US" sz="2400" b="1" dirty="0" err="1" smtClean="0">
+                <a:solidFill>
+                  <a:schemeClr val="bg1"/>
+                </a:solidFill>
+                <a:latin typeface="Arial" panose="020B0604020202020204" pitchFamily="34" charset="0"/>
+                <a:cs typeface="Arial" panose="020B0604020202020204" pitchFamily="34" charset="0"/>
+              </a:rPr>
+              <a:t>TFRecord</a:t>
+            </a:r>
+            <a:r>
+              <a:rPr lang="en-US" sz="2400" b="1" dirty="0" smtClean="0">
+                <a:solidFill>
+                  <a:schemeClr val="bg1"/>
+                </a:solidFill>
+                <a:latin typeface="Arial" panose="020B0604020202020204" pitchFamily="34" charset="0"/>
+                <a:cs typeface="Arial" panose="020B0604020202020204" pitchFamily="34" charset="0"/>
+              </a:rPr>
+              <a:t> files</a:t>
+            </a:r>
+          </a:p>
+          <a:p>
+            <a:pPr marL="457200" indent="-457200">
+              <a:buFont typeface="Arial" charset="0"/>
+              <a:buChar char="•"/>
+            </a:pPr>
+            <a:endParaRPr lang="en-US" sz="2400" b="1" dirty="0" smtClean="0">
+              <a:solidFill>
+                <a:schemeClr val="bg1"/>
+              </a:solidFill>
+              <a:latin typeface="Arial" panose="020B0604020202020204" pitchFamily="34" charset="0"/>
+              <a:cs typeface="Arial" panose="020B0604020202020204" pitchFamily="34" charset="0"/>
+            </a:endParaRPr>
+          </a:p>
+          <a:p>
+            <a:pPr marL="457200" indent="-457200">
+              <a:buFont typeface="Arial" charset="0"/>
+              <a:buChar char="•"/>
+            </a:pPr>
+            <a:r>
+              <a:rPr lang="en-US" sz="2400" b="1" dirty="0" smtClean="0">
+                <a:solidFill>
+                  <a:schemeClr val="bg1"/>
+                </a:solidFill>
+                <a:latin typeface="Arial" panose="020B0604020202020204" pitchFamily="34" charset="0"/>
+                <a:cs typeface="Arial" panose="020B0604020202020204" pitchFamily="34" charset="0"/>
+              </a:rPr>
+              <a:t>Generate inference graph with ML </a:t>
+            </a:r>
+            <a:r>
+              <a:rPr lang="en-US" sz="2400" b="1" dirty="0">
+                <a:solidFill>
+                  <a:schemeClr val="bg1"/>
+                </a:solidFill>
+                <a:latin typeface="Arial" panose="020B0604020202020204" pitchFamily="34" charset="0"/>
+                <a:cs typeface="Arial" panose="020B0604020202020204" pitchFamily="34" charset="0"/>
+              </a:rPr>
+              <a:t>training </a:t>
+            </a:r>
+            <a:r>
+              <a:rPr lang="en-US" sz="2400" b="1" dirty="0" smtClean="0">
+                <a:solidFill>
+                  <a:schemeClr val="bg1"/>
+                </a:solidFill>
+                <a:latin typeface="Arial" panose="020B0604020202020204" pitchFamily="34" charset="0"/>
+                <a:cs typeface="Arial" panose="020B0604020202020204" pitchFamily="34" charset="0"/>
+              </a:rPr>
+              <a:t>script</a:t>
+            </a:r>
+          </a:p>
+          <a:p>
+            <a:pPr marL="457200" indent="-457200">
+              <a:buFont typeface="Arial" charset="0"/>
+              <a:buChar char="•"/>
+            </a:pPr>
+            <a:endParaRPr lang="en-US" sz="2400" b="1" dirty="0" smtClean="0">
+              <a:solidFill>
+                <a:schemeClr val="bg1"/>
+              </a:solidFill>
+              <a:latin typeface="Arial" panose="020B0604020202020204" pitchFamily="34" charset="0"/>
+              <a:cs typeface="Arial" panose="020B0604020202020204" pitchFamily="34" charset="0"/>
+            </a:endParaRPr>
+          </a:p>
+          <a:p>
+            <a:pPr marL="457200" indent="-457200">
+              <a:buFont typeface="Arial" charset="0"/>
+              <a:buChar char="•"/>
+            </a:pPr>
+            <a:r>
+              <a:rPr lang="en-US" sz="2400" b="1" dirty="0" smtClean="0">
+                <a:solidFill>
+                  <a:schemeClr val="bg1"/>
+                </a:solidFill>
+                <a:latin typeface="Arial" panose="020B0604020202020204" pitchFamily="34" charset="0"/>
+                <a:cs typeface="Arial" panose="020B0604020202020204" pitchFamily="34" charset="0"/>
+              </a:rPr>
+              <a:t>Send </a:t>
+            </a:r>
+            <a:r>
+              <a:rPr lang="en-US" sz="2400" b="1" dirty="0">
+                <a:solidFill>
+                  <a:schemeClr val="bg1"/>
+                </a:solidFill>
+                <a:latin typeface="Arial" panose="020B0604020202020204" pitchFamily="34" charset="0"/>
+                <a:cs typeface="Arial" panose="020B0604020202020204" pitchFamily="34" charset="0"/>
+              </a:rPr>
+              <a:t>output inference graph back to OCI </a:t>
+            </a:r>
+            <a:r>
+              <a:rPr lang="mr-IN" sz="2400" b="1" dirty="0">
+                <a:solidFill>
+                  <a:schemeClr val="bg1"/>
+                </a:solidFill>
+                <a:latin typeface="Arial" panose="020B0604020202020204" pitchFamily="34" charset="0"/>
+                <a:cs typeface="Arial" panose="020B0604020202020204" pitchFamily="34" charset="0"/>
+              </a:rPr>
+              <a:t>–</a:t>
+            </a:r>
+            <a:r>
+              <a:rPr lang="en-US" sz="2400" b="1" dirty="0">
+                <a:solidFill>
+                  <a:schemeClr val="bg1"/>
+                </a:solidFill>
+                <a:latin typeface="Arial" panose="020B0604020202020204" pitchFamily="34" charset="0"/>
+                <a:cs typeface="Arial" panose="020B0604020202020204" pitchFamily="34" charset="0"/>
+              </a:rPr>
+              <a:t> CPU</a:t>
+            </a:r>
+          </a:p>
+          <a:p>
+            <a:pPr marL="457200" indent="-457200">
+              <a:buFont typeface="Arial" charset="0"/>
+              <a:buChar char="•"/>
+            </a:pPr>
+            <a:endParaRPr lang="en-US" sz="2400" b="1" dirty="0" smtClean="0">
+              <a:solidFill>
+                <a:schemeClr val="bg1"/>
+              </a:solidFill>
+              <a:latin typeface="Arial" panose="020B0604020202020204" pitchFamily="34" charset="0"/>
+              <a:cs typeface="Arial" panose="020B0604020202020204" pitchFamily="34" charset="0"/>
+            </a:endParaRPr>
+          </a:p>
+        </p:txBody>
+      </p:sp>
+      <p:sp>
+        <p:nvSpPr>
+          <p:cNvPr id="7" name="Footer Placeholder 1"/>
+          <p:cNvSpPr txBox="1">
+            <a:spLocks/>
+          </p:cNvSpPr>
+          <p:nvPr/>
+        </p:nvSpPr>
+        <p:spPr>
+          <a:xfrm>
+            <a:off x="8623669" y="6565301"/>
+            <a:ext cx="2743915" cy="182880"/>
+          </a:xfrm>
+          <a:prstGeom prst="rect">
+            <a:avLst/>
+          </a:prstGeom>
+        </p:spPr>
+        <p:txBody>
+          <a:bodyPr vert="horz" lIns="91440" tIns="45720" rIns="91440" bIns="45720" rtlCol="0" anchor="ctr"/>
+          <a:lstStyle>
+            <a:defPPr>
+              <a:defRPr lang="en-US"/>
+            </a:defPPr>
+            <a:lvl1pPr marL="0" algn="ctr" defTabSz="914400" rtl="0" eaLnBrk="1" latinLnBrk="0" hangingPunct="1">
+              <a:defRPr sz="1200" kern="1200">
+                <a:solidFill>
+                  <a:schemeClr val="tx1">
+                    <a:tint val="75000"/>
+                  </a:schemeClr>
+                </a:solidFill>
+                <a:latin typeface="+mn-lt"/>
+                <a:ea typeface="+mn-ea"/>
+                <a:cs typeface="+mn-cs"/>
+              </a:defRPr>
+            </a:lvl1pPr>
+            <a:lvl2pPr marL="457200" algn="l" defTabSz="914400" rtl="0" eaLnBrk="1" latinLnBrk="0" hangingPunct="1">
+              <a:defRPr sz="1800" kern="1200">
+                <a:solidFill>
+                  <a:schemeClr val="tx1"/>
+                </a:solidFill>
+                <a:latin typeface="+mn-lt"/>
+                <a:ea typeface="+mn-ea"/>
+                <a:cs typeface="+mn-cs"/>
+              </a:defRPr>
+            </a:lvl2pPr>
+            <a:lvl3pPr marL="914400" algn="l" defTabSz="914400" rtl="0" eaLnBrk="1" latinLnBrk="0" hangingPunct="1">
+              <a:defRPr sz="1800" kern="1200">
+                <a:solidFill>
+                  <a:schemeClr val="tx1"/>
+                </a:solidFill>
+                <a:latin typeface="+mn-lt"/>
+                <a:ea typeface="+mn-ea"/>
+                <a:cs typeface="+mn-cs"/>
+              </a:defRPr>
+            </a:lvl3pPr>
+            <a:lvl4pPr marL="1371600" algn="l" defTabSz="914400" rtl="0" eaLnBrk="1" latinLnBrk="0" hangingPunct="1">
+              <a:defRPr sz="1800" kern="1200">
+                <a:solidFill>
+                  <a:schemeClr val="tx1"/>
+                </a:solidFill>
+                <a:latin typeface="+mn-lt"/>
+                <a:ea typeface="+mn-ea"/>
+                <a:cs typeface="+mn-cs"/>
+              </a:defRPr>
+            </a:lvl4pPr>
+            <a:lvl5pPr marL="1828800" algn="l" defTabSz="914400" rtl="0" eaLnBrk="1" latinLnBrk="0" hangingPunct="1">
+              <a:defRPr sz="1800" kern="1200">
+                <a:solidFill>
+                  <a:schemeClr val="tx1"/>
+                </a:solidFill>
+                <a:latin typeface="+mn-lt"/>
+                <a:ea typeface="+mn-ea"/>
+                <a:cs typeface="+mn-cs"/>
+              </a:defRPr>
+            </a:lvl5pPr>
+            <a:lvl6pPr marL="2286000" algn="l" defTabSz="914400" rtl="0" eaLnBrk="1" latinLnBrk="0" hangingPunct="1">
+              <a:defRPr sz="1800" kern="1200">
+                <a:solidFill>
+                  <a:schemeClr val="tx1"/>
+                </a:solidFill>
+                <a:latin typeface="+mn-lt"/>
+                <a:ea typeface="+mn-ea"/>
+                <a:cs typeface="+mn-cs"/>
+              </a:defRPr>
+            </a:lvl6pPr>
+            <a:lvl7pPr marL="2743200" algn="l" defTabSz="914400" rtl="0" eaLnBrk="1" latinLnBrk="0" hangingPunct="1">
+              <a:defRPr sz="1800" kern="1200">
+                <a:solidFill>
+                  <a:schemeClr val="tx1"/>
+                </a:solidFill>
+                <a:latin typeface="+mn-lt"/>
+                <a:ea typeface="+mn-ea"/>
+                <a:cs typeface="+mn-cs"/>
+              </a:defRPr>
+            </a:lvl7pPr>
+            <a:lvl8pPr marL="3200400" algn="l" defTabSz="914400" rtl="0" eaLnBrk="1" latinLnBrk="0" hangingPunct="1">
+              <a:defRPr sz="1800" kern="1200">
+                <a:solidFill>
+                  <a:schemeClr val="tx1"/>
+                </a:solidFill>
+                <a:latin typeface="+mn-lt"/>
+                <a:ea typeface="+mn-ea"/>
+                <a:cs typeface="+mn-cs"/>
+              </a:defRPr>
+            </a:lvl8pPr>
+            <a:lvl9pPr marL="3657600" algn="l" defTabSz="914400" rtl="0" eaLnBrk="1" latinLnBrk="0" hangingPunct="1">
+              <a:defRPr sz="1800" kern="1200">
+                <a:solidFill>
+                  <a:schemeClr val="tx1"/>
+                </a:solidFill>
+                <a:latin typeface="+mn-lt"/>
+                <a:ea typeface="+mn-ea"/>
+                <a:cs typeface="+mn-cs"/>
+              </a:defRPr>
+            </a:lvl9pPr>
+          </a:lstStyle>
+          <a:p>
+            <a:r>
+              <a:rPr lang="en-US" kern="0" smtClean="0">
+                <a:solidFill>
+                  <a:srgbClr val="FFFFFF"/>
+                </a:solidFill>
+              </a:rPr>
+              <a:t>Confidential – Oracle Internal</a:t>
+            </a:r>
+            <a:endParaRPr lang="en-US" kern="0" dirty="0">
+              <a:solidFill>
+                <a:srgbClr val="FFFFFF"/>
+              </a:solidFill>
+            </a:endParaRPr>
+          </a:p>
+        </p:txBody>
+      </p:sp>
+      <p:sp>
+        <p:nvSpPr>
+          <p:cNvPr id="8" name="Slide Number Placeholder 2"/>
+          <p:cNvSpPr txBox="1">
+            <a:spLocks/>
+          </p:cNvSpPr>
+          <p:nvPr/>
+        </p:nvSpPr>
+        <p:spPr>
+          <a:xfrm>
+            <a:off x="11278949" y="6556248"/>
+            <a:ext cx="381760" cy="182880"/>
+          </a:xfrm>
+          <a:prstGeom prst="rect">
+            <a:avLst/>
+          </a:prstGeom>
+        </p:spPr>
+        <p:txBody>
+          <a:bodyPr vert="horz" lIns="91440" tIns="45720" rIns="91440" bIns="45720" rtlCol="0" anchor="ctr"/>
+          <a:lstStyle>
+            <a:defPPr>
+              <a:defRPr lang="en-US"/>
+            </a:defPPr>
+            <a:lvl1pPr marL="0" algn="r" defTabSz="914400" rtl="0" eaLnBrk="1" latinLnBrk="0" hangingPunct="1">
+              <a:defRPr sz="1200" kern="1200">
+                <a:solidFill>
+                  <a:schemeClr val="bg1"/>
+                </a:solidFill>
+                <a:latin typeface="+mn-lt"/>
+                <a:ea typeface="+mn-ea"/>
+                <a:cs typeface="+mn-cs"/>
+              </a:defRPr>
+            </a:lvl1pPr>
+            <a:lvl2pPr marL="457200" algn="l" defTabSz="914400" rtl="0" eaLnBrk="1" latinLnBrk="0" hangingPunct="1">
+              <a:defRPr sz="1800" kern="1200">
+                <a:solidFill>
+                  <a:schemeClr val="tx1"/>
+                </a:solidFill>
+                <a:latin typeface="+mn-lt"/>
+                <a:ea typeface="+mn-ea"/>
+                <a:cs typeface="+mn-cs"/>
+              </a:defRPr>
+            </a:lvl2pPr>
+            <a:lvl3pPr marL="914400" algn="l" defTabSz="914400" rtl="0" eaLnBrk="1" latinLnBrk="0" hangingPunct="1">
+              <a:defRPr sz="1800" kern="1200">
+                <a:solidFill>
+                  <a:schemeClr val="tx1"/>
+                </a:solidFill>
+                <a:latin typeface="+mn-lt"/>
+                <a:ea typeface="+mn-ea"/>
+                <a:cs typeface="+mn-cs"/>
+              </a:defRPr>
+            </a:lvl3pPr>
+            <a:lvl4pPr marL="1371600" algn="l" defTabSz="914400" rtl="0" eaLnBrk="1" latinLnBrk="0" hangingPunct="1">
+              <a:defRPr sz="1800" kern="1200">
+                <a:solidFill>
+                  <a:schemeClr val="tx1"/>
+                </a:solidFill>
+                <a:latin typeface="+mn-lt"/>
+                <a:ea typeface="+mn-ea"/>
+                <a:cs typeface="+mn-cs"/>
+              </a:defRPr>
+            </a:lvl4pPr>
+            <a:lvl5pPr marL="1828800" algn="l" defTabSz="914400" rtl="0" eaLnBrk="1" latinLnBrk="0" hangingPunct="1">
+              <a:defRPr sz="1800" kern="1200">
+                <a:solidFill>
+                  <a:schemeClr val="tx1"/>
+                </a:solidFill>
+                <a:latin typeface="+mn-lt"/>
+                <a:ea typeface="+mn-ea"/>
+                <a:cs typeface="+mn-cs"/>
+              </a:defRPr>
+            </a:lvl5pPr>
+            <a:lvl6pPr marL="2286000" algn="l" defTabSz="914400" rtl="0" eaLnBrk="1" latinLnBrk="0" hangingPunct="1">
+              <a:defRPr sz="1800" kern="1200">
+                <a:solidFill>
+                  <a:schemeClr val="tx1"/>
+                </a:solidFill>
+                <a:latin typeface="+mn-lt"/>
+                <a:ea typeface="+mn-ea"/>
+                <a:cs typeface="+mn-cs"/>
+              </a:defRPr>
+            </a:lvl6pPr>
+            <a:lvl7pPr marL="2743200" algn="l" defTabSz="914400" rtl="0" eaLnBrk="1" latinLnBrk="0" hangingPunct="1">
+              <a:defRPr sz="1800" kern="1200">
+                <a:solidFill>
+                  <a:schemeClr val="tx1"/>
+                </a:solidFill>
+                <a:latin typeface="+mn-lt"/>
+                <a:ea typeface="+mn-ea"/>
+                <a:cs typeface="+mn-cs"/>
+              </a:defRPr>
+            </a:lvl7pPr>
+            <a:lvl8pPr marL="3200400" algn="l" defTabSz="914400" rtl="0" eaLnBrk="1" latinLnBrk="0" hangingPunct="1">
+              <a:defRPr sz="1800" kern="1200">
+                <a:solidFill>
+                  <a:schemeClr val="tx1"/>
+                </a:solidFill>
+                <a:latin typeface="+mn-lt"/>
+                <a:ea typeface="+mn-ea"/>
+                <a:cs typeface="+mn-cs"/>
+              </a:defRPr>
+            </a:lvl8pPr>
+            <a:lvl9pPr marL="3657600" algn="l" defTabSz="914400" rtl="0" eaLnBrk="1" latinLnBrk="0" hangingPunct="1">
+              <a:defRPr sz="1800" kern="1200">
+                <a:solidFill>
+                  <a:schemeClr val="tx1"/>
+                </a:solidFill>
+                <a:latin typeface="+mn-lt"/>
+                <a:ea typeface="+mn-ea"/>
+                <a:cs typeface="+mn-cs"/>
+              </a:defRPr>
+            </a:lvl9pPr>
+          </a:lstStyle>
+          <a:p>
+            <a:fld id="{C51EAA63-D034-42AE-91FA-B13B9518C7BE}" type="slidenum">
+              <a:rPr lang="en-US" smtClean="0"/>
+              <a:pPr/>
+              <a:t>2</a:t>
+            </a:fld>
+            <a:endParaRPr lang="en-US" dirty="0"/>
+          </a:p>
+        </p:txBody>
+      </p:sp>
+      <p:grpSp>
+        <p:nvGrpSpPr>
+          <p:cNvPr id="17" name="Group 16"/>
+          <p:cNvGrpSpPr>
+            <a:grpSpLocks/>
+          </p:cNvGrpSpPr>
+          <p:nvPr/>
+        </p:nvGrpSpPr>
+        <p:grpSpPr bwMode="auto">
+          <a:xfrm>
+            <a:off x="6958953" y="2845830"/>
+            <a:ext cx="822637" cy="643912"/>
+            <a:chOff x="-26028" y="-143435"/>
+            <a:chExt cx="1232704" cy="965267"/>
+          </a:xfrm>
+        </p:grpSpPr>
+        <p:pic>
+          <p:nvPicPr>
+            <p:cNvPr id="18" name="Picture 17" descr="Picture 116"/>
+            <p:cNvPicPr>
+              <a:picLocks noChangeAspect="1"/>
+            </p:cNvPicPr>
+            <p:nvPr/>
+          </p:nvPicPr>
+          <p:blipFill>
+            <a:blip r:embed="rId2">
+              <a:extLst>
+                <a:ext uri="{28A0092B-C50C-407E-A947-70E740481C1C}">
+                  <a14:useLocalDpi xmlns:a14="http://schemas.microsoft.com/office/drawing/2010/main" val="0"/>
+                </a:ext>
+              </a:extLst>
+            </a:blip>
+            <a:srcRect/>
+            <a:stretch>
+              <a:fillRect/>
+            </a:stretch>
+          </p:blipFill>
+          <p:spPr bwMode="auto">
+            <a:xfrm>
+              <a:off x="247422" y="-143435"/>
+              <a:ext cx="685801" cy="685800"/>
+            </a:xfrm>
+            <a:prstGeom prst="rect">
+              <a:avLst/>
+            </a:prstGeom>
+            <a:noFill/>
+            <a:ln>
+              <a:noFill/>
+            </a:ln>
+            <a:effectLst/>
+            <a:extLst>
+              <a:ext uri="{909E8E84-426E-40DD-AFC4-6F175D3DCCD1}">
+                <a14:hiddenFill xmlns:a14="http://schemas.microsoft.com/office/drawing/2010/main">
+                  <a:solidFill>
+                    <a:srgbClr val="FFFFFF"/>
+                  </a:solidFill>
+                </a14:hiddenFill>
+              </a:ext>
+              <a:ext uri="{91240B29-F687-4F45-9708-019B960494DF}">
+                <a14:hiddenLine xmlns:a14="http://schemas.microsoft.com/office/drawing/2010/main" w="12700" cap="flat" cmpd="sng">
+                  <a:solidFill>
+                    <a:srgbClr val="000000"/>
+                  </a:solidFill>
+                  <a:prstDash val="solid"/>
+                  <a:miter lim="400000"/>
+                  <a:headEnd type="none" w="med" len="med"/>
+                  <a:tailEnd type="none" w="med" len="med"/>
+                </a14:hiddenLine>
+              </a:ext>
+              <a:ext uri="{AF507438-7753-43E0-B8FC-AC1667EBCBE1}">
+                <a14:hiddenEffects xmlns:a14="http://schemas.microsoft.com/office/drawing/2010/main">
+                  <a:effectLst>
+                    <a:outerShdw blurRad="63500" dist="38099" dir="2700000" algn="ctr" rotWithShape="0">
+                      <a:srgbClr val="000000">
+                        <a:alpha val="74998"/>
+                      </a:srgbClr>
+                    </a:outerShdw>
+                  </a:effectLst>
+                </a14:hiddenEffects>
+              </a:ext>
+            </a:extLst>
+          </p:spPr>
+        </p:pic>
+        <p:sp>
+          <p:nvSpPr>
+            <p:cNvPr id="19" name="Text Box 35" descr="Rectangle 117"/>
+            <p:cNvSpPr txBox="1">
+              <a:spLocks/>
+            </p:cNvSpPr>
+            <p:nvPr/>
+          </p:nvSpPr>
+          <p:spPr bwMode="auto">
+            <a:xfrm>
+              <a:off x="-26028" y="452731"/>
+              <a:ext cx="1232704" cy="369101"/>
+            </a:xfrm>
+            <a:prstGeom prst="rect">
+              <a:avLst/>
+            </a:prstGeom>
+            <a:noFill/>
+            <a:ln>
+              <a:noFill/>
+            </a:ln>
+            <a:effectLst/>
+            <a:extLst>
+              <a:ext uri="{909E8E84-426E-40DD-AFC4-6F175D3DCCD1}">
+                <a14:hiddenFill xmlns:a14="http://schemas.microsoft.com/office/drawing/2010/main">
+                  <a:solidFill>
+                    <a:srgbClr val="FFFFFF"/>
+                  </a:solidFill>
+                </a14:hiddenFill>
+              </a:ext>
+              <a:ext uri="{91240B29-F687-4F45-9708-019B960494DF}">
+                <a14:hiddenLine xmlns:a14="http://schemas.microsoft.com/office/drawing/2010/main" w="12700" cap="flat" cmpd="sng">
+                  <a:solidFill>
+                    <a:srgbClr val="000000"/>
+                  </a:solidFill>
+                  <a:prstDash val="solid"/>
+                  <a:miter lim="400000"/>
+                  <a:headEnd type="none" w="med" len="med"/>
+                  <a:tailEnd type="none" w="med" len="med"/>
+                </a14:hiddenLine>
+              </a:ext>
+              <a:ext uri="{AF507438-7753-43E0-B8FC-AC1667EBCBE1}">
+                <a14:hiddenEffects xmlns:a14="http://schemas.microsoft.com/office/drawing/2010/main">
+                  <a:effectLst>
+                    <a:outerShdw blurRad="63500" dist="38099" dir="2700000" algn="ctr" rotWithShape="0">
+                      <a:srgbClr val="000000">
+                        <a:alpha val="74998"/>
+                      </a:srgbClr>
+                    </a:outerShdw>
+                  </a:effectLst>
+                </a14:hiddenEffects>
+              </a:ext>
+            </a:extLst>
+          </p:spPr>
+          <p:txBody>
+            <a:bodyPr wrap="square" lIns="45720" rIns="45720">
+              <a:spAutoFit/>
+            </a:bodyPr>
+            <a:lstStyle/>
+            <a:p>
+              <a:pPr algn="ctr"/>
+              <a:r>
+                <a:rPr lang="en-US" altLang="en-US" sz="1000" b="1" dirty="0" smtClean="0">
+                  <a:solidFill>
+                    <a:srgbClr val="FFFFFF"/>
+                  </a:solidFill>
+                  <a:latin typeface="Helvetica" charset="0"/>
+                  <a:ea typeface="Helvetica" charset="0"/>
+                  <a:cs typeface="Helvetica" charset="0"/>
+                  <a:sym typeface="Helvetica" charset="0"/>
+                </a:rPr>
+                <a:t>OCI </a:t>
+              </a:r>
+              <a:r>
+                <a:rPr lang="mr-IN" altLang="en-US" sz="1000" b="1" dirty="0" smtClean="0">
+                  <a:solidFill>
+                    <a:srgbClr val="FFFFFF"/>
+                  </a:solidFill>
+                  <a:latin typeface="Helvetica" charset="0"/>
+                  <a:ea typeface="Helvetica" charset="0"/>
+                  <a:cs typeface="Helvetica" charset="0"/>
+                  <a:sym typeface="Helvetica" charset="0"/>
+                </a:rPr>
+                <a:t>–</a:t>
+              </a:r>
+              <a:r>
+                <a:rPr lang="en-US" altLang="en-US" sz="1000" b="1" dirty="0" smtClean="0">
+                  <a:solidFill>
+                    <a:srgbClr val="FFFFFF"/>
+                  </a:solidFill>
+                  <a:latin typeface="Helvetica" charset="0"/>
+                  <a:ea typeface="Helvetica" charset="0"/>
+                  <a:cs typeface="Helvetica" charset="0"/>
+                  <a:sym typeface="Helvetica" charset="0"/>
+                </a:rPr>
+                <a:t> CPU</a:t>
+              </a:r>
+              <a:endParaRPr lang="en-US" altLang="en-US" sz="1000" b="1" dirty="0">
+                <a:solidFill>
+                  <a:srgbClr val="FFFFFF"/>
+                </a:solidFill>
+                <a:latin typeface="Helvetica" charset="0"/>
+                <a:ea typeface="Helvetica" charset="0"/>
+                <a:cs typeface="Helvetica" charset="0"/>
+                <a:sym typeface="Helvetica" charset="0"/>
+              </a:endParaRPr>
+            </a:p>
+          </p:txBody>
+        </p:sp>
+      </p:grpSp>
+      <p:grpSp>
+        <p:nvGrpSpPr>
+          <p:cNvPr id="20" name="Group 19"/>
+          <p:cNvGrpSpPr/>
+          <p:nvPr/>
+        </p:nvGrpSpPr>
+        <p:grpSpPr>
+          <a:xfrm>
+            <a:off x="7055447" y="1973963"/>
+            <a:ext cx="629645" cy="562703"/>
+            <a:chOff x="3445949" y="3648808"/>
+            <a:chExt cx="990600" cy="885281"/>
+          </a:xfrm>
+        </p:grpSpPr>
+        <p:pic>
+          <p:nvPicPr>
+            <p:cNvPr id="21" name="Picture 6" descr="mage result for python flask"/>
+            <p:cNvPicPr>
+              <a:picLocks noChangeAspect="1" noChangeArrowheads="1"/>
+            </p:cNvPicPr>
+            <p:nvPr/>
+          </p:nvPicPr>
+          <p:blipFill>
+            <a:blip r:embed="rId3">
+              <a:lum bright="70000" contrast="-70000"/>
+              <a:extLst>
+                <a:ext uri="{BEBA8EAE-BF5A-486C-A8C5-ECC9F3942E4B}">
+                  <a14:imgProps xmlns:a14="http://schemas.microsoft.com/office/drawing/2010/main">
+                    <a14:imgLayer r:embed="rId4">
+                      <a14:imgEffect>
+                        <a14:colorTemperature colorTemp="1500"/>
+                      </a14:imgEffect>
+                      <a14:imgEffect>
+                        <a14:saturation sat="0"/>
+                      </a14:imgEffect>
+                    </a14:imgLayer>
+                  </a14:imgProps>
+                </a:ext>
+                <a:ext uri="{28A0092B-C50C-407E-A947-70E740481C1C}">
+                  <a14:useLocalDpi xmlns:a14="http://schemas.microsoft.com/office/drawing/2010/main" val="0"/>
+                </a:ext>
+              </a:extLst>
+            </a:blip>
+            <a:srcRect/>
+            <a:stretch>
+              <a:fillRect/>
+            </a:stretch>
+          </p:blipFill>
+          <p:spPr bwMode="auto">
+            <a:xfrm>
+              <a:off x="3683744" y="3648808"/>
+              <a:ext cx="665887" cy="595599"/>
+            </a:xfrm>
+            <a:prstGeom prst="rect">
+              <a:avLst/>
+            </a:prstGeom>
+            <a:noFill/>
+            <a:extLst>
+              <a:ext uri="{909E8E84-426E-40DD-AFC4-6F175D3DCCD1}">
+                <a14:hiddenFill xmlns:a14="http://schemas.microsoft.com/office/drawing/2010/main">
+                  <a:solidFill>
+                    <a:srgbClr val="FFFFFF"/>
+                  </a:solidFill>
+                </a14:hiddenFill>
+              </a:ext>
+            </a:extLst>
+          </p:spPr>
+        </p:pic>
+        <p:sp>
+          <p:nvSpPr>
+            <p:cNvPr id="22" name="TextBox 21"/>
+            <p:cNvSpPr txBox="1"/>
+            <p:nvPr/>
+          </p:nvSpPr>
+          <p:spPr>
+            <a:xfrm>
+              <a:off x="3445949" y="4321593"/>
+              <a:ext cx="990600" cy="212496"/>
+            </a:xfrm>
+            <a:prstGeom prst="rect">
+              <a:avLst/>
+            </a:prstGeom>
+            <a:noFill/>
+          </p:spPr>
+          <p:txBody>
+            <a:bodyPr wrap="none" lIns="0" tIns="0" rIns="0" bIns="0" rtlCol="0">
+              <a:noAutofit/>
+            </a:bodyPr>
+            <a:lstStyle/>
+            <a:p>
+              <a:pPr algn="ctr">
+                <a:lnSpc>
+                  <a:spcPct val="90000"/>
+                </a:lnSpc>
+              </a:pPr>
+              <a:r>
+                <a:rPr lang="en-US" sz="1200" b="1" dirty="0" smtClean="0">
+                  <a:solidFill>
+                    <a:srgbClr val="FFFFFF"/>
+                  </a:solidFill>
+                  <a:cs typeface="MV Boli" panose="02000500030200090000" pitchFamily="2" charset="0"/>
+                </a:rPr>
+                <a:t>Flask API</a:t>
+              </a:r>
+              <a:endParaRPr lang="en-US" sz="1200" b="1" dirty="0">
+                <a:solidFill>
+                  <a:srgbClr val="FFFFFF"/>
+                </a:solidFill>
+                <a:cs typeface="MV Boli" panose="02000500030200090000" pitchFamily="2" charset="0"/>
+              </a:endParaRPr>
+            </a:p>
+          </p:txBody>
+        </p:sp>
+      </p:grpSp>
+      <p:sp>
+        <p:nvSpPr>
+          <p:cNvPr id="23" name="Rounded Rectangle 22"/>
+          <p:cNvSpPr/>
+          <p:nvPr/>
+        </p:nvSpPr>
+        <p:spPr>
+          <a:xfrm>
+            <a:off x="6902973" y="1785212"/>
+            <a:ext cx="934600" cy="1865764"/>
+          </a:xfrm>
+          <a:prstGeom prst="roundRect">
+            <a:avLst/>
+          </a:prstGeom>
+          <a:noFill/>
+          <a:ln w="57150">
+            <a:solidFill>
+              <a:schemeClr val="bg1"/>
+            </a:solidFill>
+            <a:prstDash val="dash"/>
+          </a:ln>
+        </p:spPr>
+        <p:style>
+          <a:lnRef idx="2">
+            <a:schemeClr val="accent1">
+              <a:shade val="50000"/>
+            </a:schemeClr>
+          </a:lnRef>
+          <a:fillRef idx="1">
+            <a:schemeClr val="accent1"/>
+          </a:fillRef>
+          <a:effectRef idx="0">
+            <a:schemeClr val="accent1"/>
+          </a:effectRef>
+          <a:fontRef idx="minor">
+            <a:schemeClr val="lt1"/>
+          </a:fontRef>
+        </p:style>
+        <p:txBody>
+          <a:bodyPr rtlCol="0" anchor="ctr"/>
+          <a:lstStyle/>
+          <a:p>
+            <a:pPr algn="ctr"/>
+            <a:endParaRPr lang="en-US"/>
+          </a:p>
+        </p:txBody>
+      </p:sp>
+      <p:sp>
+        <p:nvSpPr>
+          <p:cNvPr id="24" name="Rounded Rectangle 23"/>
+          <p:cNvSpPr/>
+          <p:nvPr/>
+        </p:nvSpPr>
+        <p:spPr>
+          <a:xfrm>
+            <a:off x="8955808" y="1775584"/>
+            <a:ext cx="2124823" cy="1178067"/>
+          </a:xfrm>
+          <a:prstGeom prst="roundRect">
+            <a:avLst/>
+          </a:prstGeom>
+          <a:noFill/>
+          <a:ln w="57150">
+            <a:solidFill>
+              <a:schemeClr val="bg1"/>
+            </a:solidFill>
+            <a:prstDash val="dash"/>
+          </a:ln>
+        </p:spPr>
+        <p:style>
+          <a:lnRef idx="2">
+            <a:schemeClr val="accent1">
+              <a:shade val="50000"/>
+            </a:schemeClr>
+          </a:lnRef>
+          <a:fillRef idx="1">
+            <a:schemeClr val="accent1"/>
+          </a:fillRef>
+          <a:effectRef idx="0">
+            <a:schemeClr val="accent1"/>
+          </a:effectRef>
+          <a:fontRef idx="minor">
+            <a:schemeClr val="lt1"/>
+          </a:fontRef>
+        </p:style>
+        <p:txBody>
+          <a:bodyPr rtlCol="0" anchor="ctr"/>
+          <a:lstStyle/>
+          <a:p>
+            <a:pPr algn="ctr"/>
+            <a:endParaRPr lang="en-US"/>
+          </a:p>
+        </p:txBody>
+      </p:sp>
+      <p:grpSp>
+        <p:nvGrpSpPr>
+          <p:cNvPr id="25" name="Group 24"/>
+          <p:cNvGrpSpPr>
+            <a:grpSpLocks/>
+          </p:cNvGrpSpPr>
+          <p:nvPr/>
+        </p:nvGrpSpPr>
+        <p:grpSpPr bwMode="auto">
+          <a:xfrm>
+            <a:off x="9122623" y="2011191"/>
+            <a:ext cx="866706" cy="687575"/>
+            <a:chOff x="-49036" y="0"/>
+            <a:chExt cx="1235266" cy="980345"/>
+          </a:xfrm>
+        </p:grpSpPr>
+        <p:pic>
+          <p:nvPicPr>
+            <p:cNvPr id="26" name="Picture 25" descr="Picture 116"/>
+            <p:cNvPicPr>
+              <a:picLocks noChangeAspect="1"/>
+            </p:cNvPicPr>
+            <p:nvPr/>
+          </p:nvPicPr>
+          <p:blipFill>
+            <a:blip r:embed="rId2">
+              <a:extLst>
+                <a:ext uri="{28A0092B-C50C-407E-A947-70E740481C1C}">
+                  <a14:useLocalDpi xmlns:a14="http://schemas.microsoft.com/office/drawing/2010/main" val="0"/>
+                </a:ext>
+              </a:extLst>
+            </a:blip>
+            <a:srcRect/>
+            <a:stretch>
+              <a:fillRect/>
+            </a:stretch>
+          </p:blipFill>
+          <p:spPr bwMode="auto">
+            <a:xfrm>
+              <a:off x="228748" y="0"/>
+              <a:ext cx="685801" cy="685800"/>
+            </a:xfrm>
+            <a:prstGeom prst="rect">
+              <a:avLst/>
+            </a:prstGeom>
+            <a:noFill/>
+            <a:ln>
+              <a:noFill/>
+            </a:ln>
+            <a:effectLst/>
+            <a:extLst>
+              <a:ext uri="{909E8E84-426E-40DD-AFC4-6F175D3DCCD1}">
+                <a14:hiddenFill xmlns:a14="http://schemas.microsoft.com/office/drawing/2010/main">
+                  <a:solidFill>
+                    <a:srgbClr val="FFFFFF"/>
+                  </a:solidFill>
+                </a14:hiddenFill>
+              </a:ext>
+              <a:ext uri="{91240B29-F687-4F45-9708-019B960494DF}">
+                <a14:hiddenLine xmlns:a14="http://schemas.microsoft.com/office/drawing/2010/main" w="12700" cap="flat" cmpd="sng">
+                  <a:solidFill>
+                    <a:srgbClr val="000000"/>
+                  </a:solidFill>
+                  <a:prstDash val="solid"/>
+                  <a:miter lim="400000"/>
+                  <a:headEnd type="none" w="med" len="med"/>
+                  <a:tailEnd type="none" w="med" len="med"/>
+                </a14:hiddenLine>
+              </a:ext>
+              <a:ext uri="{AF507438-7753-43E0-B8FC-AC1667EBCBE1}">
+                <a14:hiddenEffects xmlns:a14="http://schemas.microsoft.com/office/drawing/2010/main">
+                  <a:effectLst>
+                    <a:outerShdw blurRad="63500" dist="38099" dir="2700000" algn="ctr" rotWithShape="0">
+                      <a:srgbClr val="000000">
+                        <a:alpha val="74998"/>
+                      </a:srgbClr>
+                    </a:outerShdw>
+                  </a:effectLst>
+                </a14:hiddenEffects>
+              </a:ext>
+            </a:extLst>
+          </p:spPr>
+        </p:pic>
+        <p:sp>
+          <p:nvSpPr>
+            <p:cNvPr id="27" name="Text Box 35" descr="Rectangle 117"/>
+            <p:cNvSpPr txBox="1">
+              <a:spLocks/>
+            </p:cNvSpPr>
+            <p:nvPr/>
+          </p:nvSpPr>
+          <p:spPr bwMode="auto">
+            <a:xfrm>
+              <a:off x="-49036" y="629283"/>
+              <a:ext cx="1235266" cy="351062"/>
+            </a:xfrm>
+            <a:prstGeom prst="rect">
+              <a:avLst/>
+            </a:prstGeom>
+            <a:noFill/>
+            <a:ln>
+              <a:noFill/>
+            </a:ln>
+            <a:effectLst/>
+            <a:extLst>
+              <a:ext uri="{909E8E84-426E-40DD-AFC4-6F175D3DCCD1}">
+                <a14:hiddenFill xmlns:a14="http://schemas.microsoft.com/office/drawing/2010/main">
+                  <a:solidFill>
+                    <a:srgbClr val="FFFFFF"/>
+                  </a:solidFill>
+                </a14:hiddenFill>
+              </a:ext>
+              <a:ext uri="{91240B29-F687-4F45-9708-019B960494DF}">
+                <a14:hiddenLine xmlns:a14="http://schemas.microsoft.com/office/drawing/2010/main" w="12700" cap="flat" cmpd="sng">
+                  <a:solidFill>
+                    <a:srgbClr val="000000"/>
+                  </a:solidFill>
+                  <a:prstDash val="solid"/>
+                  <a:miter lim="400000"/>
+                  <a:headEnd type="none" w="med" len="med"/>
+                  <a:tailEnd type="none" w="med" len="med"/>
+                </a14:hiddenLine>
+              </a:ext>
+              <a:ext uri="{AF507438-7753-43E0-B8FC-AC1667EBCBE1}">
+                <a14:hiddenEffects xmlns:a14="http://schemas.microsoft.com/office/drawing/2010/main">
+                  <a:effectLst>
+                    <a:outerShdw blurRad="63500" dist="38099" dir="2700000" algn="ctr" rotWithShape="0">
+                      <a:srgbClr val="000000">
+                        <a:alpha val="74998"/>
+                      </a:srgbClr>
+                    </a:outerShdw>
+                  </a:effectLst>
+                </a14:hiddenEffects>
+              </a:ext>
+            </a:extLst>
+          </p:spPr>
+          <p:txBody>
+            <a:bodyPr wrap="square" lIns="45720" rIns="45720">
+              <a:spAutoFit/>
+            </a:bodyPr>
+            <a:lstStyle/>
+            <a:p>
+              <a:pPr algn="ctr"/>
+              <a:r>
+                <a:rPr lang="en-US" altLang="en-US" sz="1000" b="1" dirty="0" smtClean="0">
+                  <a:solidFill>
+                    <a:srgbClr val="FFFFFF"/>
+                  </a:solidFill>
+                  <a:latin typeface="Helvetica" charset="0"/>
+                  <a:ea typeface="Helvetica" charset="0"/>
+                  <a:cs typeface="Helvetica" charset="0"/>
+                  <a:sym typeface="Helvetica" charset="0"/>
+                </a:rPr>
+                <a:t>OCI </a:t>
+              </a:r>
+              <a:r>
+                <a:rPr lang="mr-IN" altLang="en-US" sz="1000" b="1" dirty="0" smtClean="0">
+                  <a:solidFill>
+                    <a:srgbClr val="FFFFFF"/>
+                  </a:solidFill>
+                  <a:latin typeface="Helvetica" charset="0"/>
+                  <a:ea typeface="Helvetica" charset="0"/>
+                  <a:cs typeface="Helvetica" charset="0"/>
+                  <a:sym typeface="Helvetica" charset="0"/>
+                </a:rPr>
+                <a:t>–</a:t>
+              </a:r>
+              <a:r>
+                <a:rPr lang="en-US" altLang="en-US" sz="1000" b="1" dirty="0" smtClean="0">
+                  <a:solidFill>
+                    <a:srgbClr val="FFFFFF"/>
+                  </a:solidFill>
+                  <a:latin typeface="Helvetica" charset="0"/>
+                  <a:ea typeface="Helvetica" charset="0"/>
+                  <a:cs typeface="Helvetica" charset="0"/>
+                  <a:sym typeface="Helvetica" charset="0"/>
+                </a:rPr>
+                <a:t> </a:t>
+              </a:r>
+              <a:r>
+                <a:rPr lang="en-US" altLang="en-US" sz="1000" b="1" dirty="0" smtClean="0">
+                  <a:solidFill>
+                    <a:srgbClr val="FFFFFF"/>
+                  </a:solidFill>
+                  <a:latin typeface="Helvetica" charset="0"/>
+                  <a:ea typeface="Helvetica" charset="0"/>
+                  <a:cs typeface="Helvetica" charset="0"/>
+                  <a:sym typeface="Helvetica" charset="0"/>
+                </a:rPr>
+                <a:t>GPU</a:t>
+              </a:r>
+              <a:endParaRPr lang="en-US" altLang="en-US" sz="1000" b="1" dirty="0">
+                <a:solidFill>
+                  <a:srgbClr val="FFFFFF"/>
+                </a:solidFill>
+                <a:latin typeface="Helvetica" charset="0"/>
+                <a:ea typeface="Helvetica" charset="0"/>
+                <a:cs typeface="Helvetica" charset="0"/>
+                <a:sym typeface="Helvetica" charset="0"/>
+              </a:endParaRPr>
+            </a:p>
+          </p:txBody>
+        </p:sp>
+      </p:grpSp>
+      <p:grpSp>
+        <p:nvGrpSpPr>
+          <p:cNvPr id="34" name="Group 33"/>
+          <p:cNvGrpSpPr>
+            <a:grpSpLocks/>
+          </p:cNvGrpSpPr>
+          <p:nvPr/>
+        </p:nvGrpSpPr>
+        <p:grpSpPr bwMode="auto">
+          <a:xfrm>
+            <a:off x="8964062" y="4784284"/>
+            <a:ext cx="1248441" cy="991731"/>
+            <a:chOff x="-273130" y="0"/>
+            <a:chExt cx="1772669" cy="1407022"/>
+          </a:xfrm>
+        </p:grpSpPr>
+        <p:sp>
+          <p:nvSpPr>
+            <p:cNvPr id="35" name="Text Box 57" descr="Rectangle 169"/>
+            <p:cNvSpPr txBox="1">
+              <a:spLocks/>
+            </p:cNvSpPr>
+            <p:nvPr/>
+          </p:nvSpPr>
+          <p:spPr bwMode="auto">
+            <a:xfrm>
+              <a:off x="-273130" y="660283"/>
+              <a:ext cx="1772669" cy="746739"/>
+            </a:xfrm>
+            <a:prstGeom prst="rect">
+              <a:avLst/>
+            </a:prstGeom>
+            <a:noFill/>
+            <a:ln>
+              <a:noFill/>
+            </a:ln>
+            <a:effectLst/>
+            <a:extLst>
+              <a:ext uri="{909E8E84-426E-40DD-AFC4-6F175D3DCCD1}">
+                <a14:hiddenFill xmlns:a14="http://schemas.microsoft.com/office/drawing/2010/main">
+                  <a:solidFill>
+                    <a:srgbClr val="FFFFFF"/>
+                  </a:solidFill>
+                </a14:hiddenFill>
+              </a:ext>
+              <a:ext uri="{91240B29-F687-4F45-9708-019B960494DF}">
+                <a14:hiddenLine xmlns:a14="http://schemas.microsoft.com/office/drawing/2010/main" w="12700" cap="flat" cmpd="sng">
+                  <a:solidFill>
+                    <a:srgbClr val="000000"/>
+                  </a:solidFill>
+                  <a:prstDash val="solid"/>
+                  <a:miter lim="400000"/>
+                  <a:headEnd type="none" w="med" len="med"/>
+                  <a:tailEnd type="none" w="med" len="med"/>
+                </a14:hiddenLine>
+              </a:ext>
+              <a:ext uri="{AF507438-7753-43E0-B8FC-AC1667EBCBE1}">
+                <a14:hiddenEffects xmlns:a14="http://schemas.microsoft.com/office/drawing/2010/main">
+                  <a:effectLst>
+                    <a:outerShdw blurRad="63500" dist="38099" dir="2700000" algn="ctr" rotWithShape="0">
+                      <a:srgbClr val="000000">
+                        <a:alpha val="74998"/>
+                      </a:srgbClr>
+                    </a:outerShdw>
+                  </a:effectLst>
+                </a14:hiddenEffects>
+              </a:ext>
+            </a:extLst>
+          </p:spPr>
+          <p:txBody>
+            <a:bodyPr wrap="square" lIns="45720" rIns="45720">
+              <a:spAutoFit/>
+            </a:bodyPr>
+            <a:lstStyle/>
+            <a:p>
+              <a:pPr algn="ctr"/>
+              <a:r>
+                <a:rPr lang="en-US" altLang="en-US" sz="1000" b="1" dirty="0" smtClean="0">
+                  <a:solidFill>
+                    <a:srgbClr val="FFFFFF"/>
+                  </a:solidFill>
+                  <a:latin typeface="Helvetica" charset="0"/>
+                  <a:ea typeface="Helvetica" charset="0"/>
+                  <a:cs typeface="Helvetica" charset="0"/>
+                  <a:sym typeface="Helvetica" charset="0"/>
+                </a:rPr>
+                <a:t>OCI </a:t>
+              </a:r>
+              <a:r>
+                <a:rPr lang="mr-IN" altLang="en-US" sz="1000" b="1" dirty="0" smtClean="0">
+                  <a:solidFill>
+                    <a:srgbClr val="FFFFFF"/>
+                  </a:solidFill>
+                  <a:latin typeface="Helvetica" charset="0"/>
+                  <a:ea typeface="Helvetica" charset="0"/>
+                  <a:cs typeface="Helvetica" charset="0"/>
+                  <a:sym typeface="Helvetica" charset="0"/>
+                </a:rPr>
+                <a:t>–</a:t>
+              </a:r>
+              <a:r>
+                <a:rPr lang="en-US" altLang="en-US" sz="1000" b="1" dirty="0" smtClean="0">
+                  <a:solidFill>
+                    <a:srgbClr val="FFFFFF"/>
+                  </a:solidFill>
+                  <a:latin typeface="Helvetica" charset="0"/>
+                  <a:ea typeface="Helvetica" charset="0"/>
+                  <a:cs typeface="Helvetica" charset="0"/>
+                  <a:sym typeface="Helvetica" charset="0"/>
+                </a:rPr>
+                <a:t> Object </a:t>
+              </a:r>
+              <a:r>
+                <a:rPr lang="en-US" altLang="en-US" sz="1000" b="1" dirty="0" smtClean="0">
+                  <a:solidFill>
+                    <a:srgbClr val="FFFFFF"/>
+                  </a:solidFill>
+                  <a:latin typeface="Helvetica" charset="0"/>
+                  <a:ea typeface="Helvetica" charset="0"/>
+                  <a:cs typeface="Helvetica" charset="0"/>
+                  <a:sym typeface="Helvetica" charset="0"/>
+                </a:rPr>
+                <a:t>Storage</a:t>
+              </a:r>
+              <a:endParaRPr lang="en-US" altLang="en-US" sz="1000" b="1" dirty="0">
+                <a:solidFill>
+                  <a:srgbClr val="FFFFFF"/>
+                </a:solidFill>
+                <a:latin typeface="Helvetica" charset="0"/>
+                <a:ea typeface="Helvetica" charset="0"/>
+                <a:cs typeface="Helvetica" charset="0"/>
+                <a:sym typeface="Helvetica" charset="0"/>
+              </a:endParaRPr>
+            </a:p>
+          </p:txBody>
+        </p:sp>
+        <p:pic>
+          <p:nvPicPr>
+            <p:cNvPr id="36" name="Picture 35" descr="Picture 170"/>
+            <p:cNvPicPr>
+              <a:picLocks noChangeAspect="1"/>
+            </p:cNvPicPr>
+            <p:nvPr/>
+          </p:nvPicPr>
+          <p:blipFill>
+            <a:blip r:embed="rId5">
+              <a:extLst>
+                <a:ext uri="{28A0092B-C50C-407E-A947-70E740481C1C}">
+                  <a14:useLocalDpi xmlns:a14="http://schemas.microsoft.com/office/drawing/2010/main" val="0"/>
+                </a:ext>
+              </a:extLst>
+            </a:blip>
+            <a:srcRect/>
+            <a:stretch>
+              <a:fillRect/>
+            </a:stretch>
+          </p:blipFill>
+          <p:spPr bwMode="auto">
+            <a:xfrm>
+              <a:off x="261382" y="0"/>
+              <a:ext cx="685801" cy="685800"/>
+            </a:xfrm>
+            <a:prstGeom prst="rect">
+              <a:avLst/>
+            </a:prstGeom>
+            <a:noFill/>
+            <a:ln>
+              <a:noFill/>
+            </a:ln>
+            <a:effectLst/>
+            <a:extLst>
+              <a:ext uri="{909E8E84-426E-40DD-AFC4-6F175D3DCCD1}">
+                <a14:hiddenFill xmlns:a14="http://schemas.microsoft.com/office/drawing/2010/main">
+                  <a:solidFill>
+                    <a:srgbClr val="FFFFFF"/>
+                  </a:solidFill>
+                </a14:hiddenFill>
+              </a:ext>
+              <a:ext uri="{91240B29-F687-4F45-9708-019B960494DF}">
+                <a14:hiddenLine xmlns:a14="http://schemas.microsoft.com/office/drawing/2010/main" w="12700" cap="flat" cmpd="sng">
+                  <a:solidFill>
+                    <a:srgbClr val="000000"/>
+                  </a:solidFill>
+                  <a:prstDash val="solid"/>
+                  <a:miter lim="400000"/>
+                  <a:headEnd type="none" w="med" len="med"/>
+                  <a:tailEnd type="none" w="med" len="med"/>
+                </a14:hiddenLine>
+              </a:ext>
+              <a:ext uri="{AF507438-7753-43E0-B8FC-AC1667EBCBE1}">
+                <a14:hiddenEffects xmlns:a14="http://schemas.microsoft.com/office/drawing/2010/main">
+                  <a:effectLst>
+                    <a:outerShdw blurRad="63500" dist="38099" dir="2700000" algn="ctr" rotWithShape="0">
+                      <a:srgbClr val="000000">
+                        <a:alpha val="74998"/>
+                      </a:srgbClr>
+                    </a:outerShdw>
+                  </a:effectLst>
+                </a14:hiddenEffects>
+              </a:ext>
+            </a:extLst>
+          </p:spPr>
+        </p:pic>
+      </p:grpSp>
+      <p:grpSp>
+        <p:nvGrpSpPr>
+          <p:cNvPr id="40" name="Group 39"/>
+          <p:cNvGrpSpPr/>
+          <p:nvPr/>
+        </p:nvGrpSpPr>
+        <p:grpSpPr>
+          <a:xfrm>
+            <a:off x="10041081" y="4784284"/>
+            <a:ext cx="1000401" cy="812314"/>
+            <a:chOff x="4602728" y="4187625"/>
+            <a:chExt cx="1497093" cy="1215620"/>
+          </a:xfrm>
+        </p:grpSpPr>
+        <p:pic>
+          <p:nvPicPr>
+            <p:cNvPr id="41" name="Picture 40"/>
+            <p:cNvPicPr>
+              <a:picLocks noChangeAspect="1"/>
+            </p:cNvPicPr>
+            <p:nvPr/>
+          </p:nvPicPr>
+          <p:blipFill>
+            <a:blip r:embed="rId6"/>
+            <a:stretch>
+              <a:fillRect/>
+            </a:stretch>
+          </p:blipFill>
+          <p:spPr>
+            <a:xfrm>
+              <a:off x="4867670" y="4187625"/>
+              <a:ext cx="871412" cy="871412"/>
+            </a:xfrm>
+            <a:prstGeom prst="rect">
+              <a:avLst/>
+            </a:prstGeom>
+          </p:spPr>
+        </p:pic>
+        <p:sp>
+          <p:nvSpPr>
+            <p:cNvPr id="42" name="Rectangle 41"/>
+            <p:cNvSpPr/>
+            <p:nvPr/>
+          </p:nvSpPr>
+          <p:spPr>
+            <a:xfrm>
+              <a:off x="4602728" y="5034777"/>
+              <a:ext cx="1497093" cy="368468"/>
+            </a:xfrm>
+            <a:prstGeom prst="rect">
+              <a:avLst/>
+            </a:prstGeom>
+          </p:spPr>
+          <p:txBody>
+            <a:bodyPr wrap="square">
+              <a:spAutoFit/>
+            </a:bodyPr>
+            <a:lstStyle/>
+            <a:p>
+              <a:pPr algn="ctr"/>
+              <a:r>
+                <a:rPr lang="en-US" sz="1000" b="1" kern="0" dirty="0" smtClean="0">
+                  <a:solidFill>
+                    <a:schemeClr val="bg1"/>
+                  </a:solidFill>
+                  <a:ea typeface="Calibri"/>
+                  <a:cs typeface="MV Boli" pitchFamily="2" charset="0"/>
+                  <a:sym typeface="Calibri"/>
+                </a:rPr>
+                <a:t>OCI </a:t>
+              </a:r>
+              <a:r>
+                <a:rPr lang="mr-IN" sz="1000" b="1" kern="0" dirty="0" smtClean="0">
+                  <a:solidFill>
+                    <a:schemeClr val="bg1"/>
+                  </a:solidFill>
+                  <a:ea typeface="Calibri"/>
+                  <a:cs typeface="MV Boli" pitchFamily="2" charset="0"/>
+                  <a:sym typeface="Calibri"/>
+                </a:rPr>
+                <a:t>–</a:t>
+              </a:r>
+              <a:r>
+                <a:rPr lang="en-US" sz="1000" b="1" kern="0" dirty="0" smtClean="0">
+                  <a:solidFill>
+                    <a:schemeClr val="bg1"/>
+                  </a:solidFill>
+                  <a:ea typeface="Calibri"/>
+                  <a:cs typeface="MV Boli" pitchFamily="2" charset="0"/>
+                  <a:sym typeface="Calibri"/>
+                </a:rPr>
+                <a:t> API</a:t>
+              </a:r>
+              <a:endParaRPr lang="en-US" sz="1000" b="1" kern="0" dirty="0">
+                <a:solidFill>
+                  <a:schemeClr val="bg1"/>
+                </a:solidFill>
+                <a:ea typeface="Calibri"/>
+                <a:cs typeface="MV Boli" pitchFamily="2" charset="0"/>
+                <a:sym typeface="Calibri"/>
+              </a:endParaRPr>
+            </a:p>
+          </p:txBody>
+        </p:sp>
+      </p:grpSp>
+      <p:cxnSp>
+        <p:nvCxnSpPr>
+          <p:cNvPr id="44" name="Straight Arrow Connector 43"/>
+          <p:cNvCxnSpPr/>
+          <p:nvPr/>
+        </p:nvCxnSpPr>
+        <p:spPr>
+          <a:xfrm>
+            <a:off x="7947939" y="2251687"/>
+            <a:ext cx="838819" cy="0"/>
+          </a:xfrm>
+          <a:prstGeom prst="straightConnector1">
+            <a:avLst/>
+          </a:prstGeom>
+          <a:ln w="38100">
+            <a:solidFill>
+              <a:schemeClr val="bg1"/>
+            </a:solidFill>
+            <a:prstDash val="sysDash"/>
+            <a:tailEnd type="triangle"/>
+          </a:ln>
+        </p:spPr>
+        <p:style>
+          <a:lnRef idx="1">
+            <a:schemeClr val="accent1"/>
+          </a:lnRef>
+          <a:fillRef idx="0">
+            <a:schemeClr val="accent1"/>
+          </a:fillRef>
+          <a:effectRef idx="0">
+            <a:schemeClr val="accent1"/>
+          </a:effectRef>
+          <a:fontRef idx="minor">
+            <a:schemeClr val="tx1"/>
+          </a:fontRef>
+        </p:style>
+      </p:cxnSp>
+      <p:cxnSp>
+        <p:nvCxnSpPr>
+          <p:cNvPr id="45" name="Straight Arrow Connector 44"/>
+          <p:cNvCxnSpPr/>
+          <p:nvPr/>
+        </p:nvCxnSpPr>
+        <p:spPr>
+          <a:xfrm>
+            <a:off x="10212503" y="3155227"/>
+            <a:ext cx="39188" cy="1231181"/>
+          </a:xfrm>
+          <a:prstGeom prst="straightConnector1">
+            <a:avLst/>
+          </a:prstGeom>
+          <a:ln w="38100">
+            <a:solidFill>
+              <a:schemeClr val="bg1"/>
+            </a:solidFill>
+            <a:prstDash val="sysDash"/>
+            <a:tailEnd type="triangle"/>
+          </a:ln>
+        </p:spPr>
+        <p:style>
+          <a:lnRef idx="1">
+            <a:schemeClr val="accent1"/>
+          </a:lnRef>
+          <a:fillRef idx="0">
+            <a:schemeClr val="accent1"/>
+          </a:fillRef>
+          <a:effectRef idx="0">
+            <a:schemeClr val="accent1"/>
+          </a:effectRef>
+          <a:fontRef idx="minor">
+            <a:schemeClr val="tx1"/>
+          </a:fontRef>
+        </p:style>
+      </p:cxnSp>
+      <p:sp>
+        <p:nvSpPr>
+          <p:cNvPr id="46" name="Rounded Rectangle 45"/>
+          <p:cNvSpPr/>
+          <p:nvPr/>
+        </p:nvSpPr>
+        <p:spPr>
+          <a:xfrm>
+            <a:off x="9032167" y="4561992"/>
+            <a:ext cx="2017827" cy="1256338"/>
+          </a:xfrm>
+          <a:prstGeom prst="roundRect">
+            <a:avLst/>
+          </a:prstGeom>
+          <a:noFill/>
+          <a:ln w="57150">
+            <a:solidFill>
+              <a:schemeClr val="bg1"/>
+            </a:solidFill>
+            <a:prstDash val="dash"/>
+          </a:ln>
+        </p:spPr>
+        <p:style>
+          <a:lnRef idx="2">
+            <a:schemeClr val="accent1">
+              <a:shade val="50000"/>
+            </a:schemeClr>
+          </a:lnRef>
+          <a:fillRef idx="1">
+            <a:schemeClr val="accent1"/>
+          </a:fillRef>
+          <a:effectRef idx="0">
+            <a:schemeClr val="accent1"/>
+          </a:effectRef>
+          <a:fontRef idx="minor">
+            <a:schemeClr val="lt1"/>
+          </a:fontRef>
+        </p:style>
+        <p:txBody>
+          <a:bodyPr rtlCol="0" anchor="ctr"/>
+          <a:lstStyle/>
+          <a:p>
+            <a:pPr algn="ctr"/>
+            <a:endParaRPr lang="en-US"/>
+          </a:p>
+        </p:txBody>
+      </p:sp>
+      <p:grpSp>
+        <p:nvGrpSpPr>
+          <p:cNvPr id="48" name="Group 47"/>
+          <p:cNvGrpSpPr/>
+          <p:nvPr/>
+        </p:nvGrpSpPr>
+        <p:grpSpPr>
+          <a:xfrm>
+            <a:off x="10097890" y="1794572"/>
+            <a:ext cx="886781" cy="970511"/>
+            <a:chOff x="7618454" y="2055721"/>
+            <a:chExt cx="1218637" cy="1333700"/>
+          </a:xfrm>
+        </p:grpSpPr>
+        <p:pic>
+          <p:nvPicPr>
+            <p:cNvPr id="49" name="Picture 48"/>
+            <p:cNvPicPr>
+              <a:picLocks noChangeAspect="1"/>
+            </p:cNvPicPr>
+            <p:nvPr/>
+          </p:nvPicPr>
+          <p:blipFill>
+            <a:blip r:embed="rId7"/>
+            <a:stretch>
+              <a:fillRect/>
+            </a:stretch>
+          </p:blipFill>
+          <p:spPr>
+            <a:xfrm>
+              <a:off x="7711445" y="2055721"/>
+              <a:ext cx="1011882" cy="1096206"/>
+            </a:xfrm>
+            <a:prstGeom prst="rect">
+              <a:avLst/>
+            </a:prstGeom>
+          </p:spPr>
+        </p:pic>
+        <p:sp>
+          <p:nvSpPr>
+            <p:cNvPr id="50" name="Rectangle 49"/>
+            <p:cNvSpPr/>
+            <p:nvPr/>
+          </p:nvSpPr>
+          <p:spPr>
+            <a:xfrm>
+              <a:off x="7618454" y="2881876"/>
+              <a:ext cx="1218637" cy="507545"/>
+            </a:xfrm>
+            <a:prstGeom prst="rect">
+              <a:avLst/>
+            </a:prstGeom>
+          </p:spPr>
+          <p:txBody>
+            <a:bodyPr wrap="none">
+              <a:spAutoFit/>
+            </a:bodyPr>
+            <a:lstStyle/>
+            <a:p>
+              <a:pPr algn="ctr">
+                <a:lnSpc>
+                  <a:spcPct val="90000"/>
+                </a:lnSpc>
+              </a:pPr>
+              <a:r>
+                <a:rPr lang="en-US" altLang="en-US" sz="1000" b="1" dirty="0" smtClean="0">
+                  <a:solidFill>
+                    <a:srgbClr val="FFFFFF"/>
+                  </a:solidFill>
+                  <a:latin typeface="Helvetica" charset="0"/>
+                  <a:ea typeface="Helvetica" charset="0"/>
+                  <a:cs typeface="Helvetica" charset="0"/>
+                  <a:sym typeface="Helvetica" charset="0"/>
+                </a:rPr>
+                <a:t>Artificial</a:t>
+              </a:r>
+            </a:p>
+            <a:p>
+              <a:pPr algn="ctr">
+                <a:lnSpc>
+                  <a:spcPct val="90000"/>
+                </a:lnSpc>
+              </a:pPr>
+              <a:r>
+                <a:rPr lang="en-US" altLang="en-US" sz="1000" b="1" dirty="0" smtClean="0">
+                  <a:solidFill>
+                    <a:srgbClr val="FFFFFF"/>
+                  </a:solidFill>
+                  <a:latin typeface="Helvetica" charset="0"/>
+                  <a:ea typeface="Helvetica" charset="0"/>
+                  <a:cs typeface="Helvetica" charset="0"/>
+                  <a:sym typeface="Helvetica" charset="0"/>
+                </a:rPr>
+                <a:t>Intelligence</a:t>
+              </a:r>
+              <a:endParaRPr lang="en-US" altLang="en-US" sz="1000" b="1" dirty="0">
+                <a:solidFill>
+                  <a:srgbClr val="FFFFFF"/>
+                </a:solidFill>
+                <a:latin typeface="Helvetica" charset="0"/>
+                <a:ea typeface="Helvetica" charset="0"/>
+                <a:cs typeface="Helvetica" charset="0"/>
+                <a:sym typeface="Helvetica" charset="0"/>
+              </a:endParaRPr>
+            </a:p>
+          </p:txBody>
+        </p:sp>
+      </p:grpSp>
+      <p:cxnSp>
+        <p:nvCxnSpPr>
+          <p:cNvPr id="51" name="Straight Arrow Connector 50"/>
+          <p:cNvCxnSpPr/>
+          <p:nvPr/>
+        </p:nvCxnSpPr>
+        <p:spPr>
+          <a:xfrm flipH="1" flipV="1">
+            <a:off x="9797367" y="3126297"/>
+            <a:ext cx="26127" cy="1233280"/>
+          </a:xfrm>
+          <a:prstGeom prst="straightConnector1">
+            <a:avLst/>
+          </a:prstGeom>
+          <a:ln w="38100">
+            <a:solidFill>
+              <a:schemeClr val="bg1"/>
+            </a:solidFill>
+            <a:prstDash val="sysDash"/>
+            <a:tailEnd type="triangle"/>
+          </a:ln>
+        </p:spPr>
+        <p:style>
+          <a:lnRef idx="1">
+            <a:schemeClr val="accent1"/>
+          </a:lnRef>
+          <a:fillRef idx="0">
+            <a:schemeClr val="accent1"/>
+          </a:fillRef>
+          <a:effectRef idx="0">
+            <a:schemeClr val="accent1"/>
+          </a:effectRef>
+          <a:fontRef idx="minor">
+            <a:schemeClr val="tx1"/>
+          </a:fontRef>
+        </p:style>
+      </p:cxnSp>
+      <p:cxnSp>
+        <p:nvCxnSpPr>
+          <p:cNvPr id="54" name="Straight Arrow Connector 53"/>
+          <p:cNvCxnSpPr/>
+          <p:nvPr/>
+        </p:nvCxnSpPr>
+        <p:spPr>
+          <a:xfrm flipH="1" flipV="1">
+            <a:off x="7925269" y="2528420"/>
+            <a:ext cx="861489" cy="16491"/>
+          </a:xfrm>
+          <a:prstGeom prst="straightConnector1">
+            <a:avLst/>
+          </a:prstGeom>
+          <a:ln w="38100">
+            <a:solidFill>
+              <a:schemeClr val="bg1"/>
+            </a:solidFill>
+            <a:prstDash val="sysDash"/>
+            <a:tailEnd type="triangle"/>
+          </a:ln>
+        </p:spPr>
+        <p:style>
+          <a:lnRef idx="1">
+            <a:schemeClr val="accent1"/>
+          </a:lnRef>
+          <a:fillRef idx="0">
+            <a:schemeClr val="accent1"/>
+          </a:fillRef>
+          <a:effectRef idx="0">
+            <a:schemeClr val="accent1"/>
+          </a:effectRef>
+          <a:fontRef idx="minor">
+            <a:schemeClr val="tx1"/>
+          </a:fontRef>
+        </p:style>
+      </p:cxnSp>
     </p:spTree>
     <p:extLst>
       <p:ext uri="{BB962C8B-B14F-4D97-AF65-F5344CB8AC3E}">
-        <p14:creationId xmlns:p14="http://schemas.microsoft.com/office/powerpoint/2010/main" val="878154353"/>
+        <p14:creationId xmlns:p14="http://schemas.microsoft.com/office/powerpoint/2010/main" val="383156396"/>
+      </p:ext>
+    </p:extLst>
+  </p:cSld>
+  <p:clrMapOvr>
+    <a:masterClrMapping/>
+  </p:clrMapOvr>
+  <mc:AlternateContent xmlns:mc="http://schemas.openxmlformats.org/markup-compatibility/2006" xmlns:p14="http://schemas.microsoft.com/office/powerpoint/2010/main">
+    <mc:Choice Requires="p14">
+      <p:transition spd="med" p14:dur="700">
+        <p:fade/>
+      </p:transition>
+    </mc:Choice>
+    <mc:Fallback xmlns="">
+      <p:transition spd="med">
+        <p:fade/>
+      </p:transition>
+    </mc:Fallback>
+  </mc:AlternateContent>
+  <p:timing>
+    <p:tnLst>
+      <p:par>
+        <p:cTn id="1" dur="indefinite" restart="never" nodeType="tmRoot"/>
+      </p:par>
+    </p:tnLst>
+  </p:timing>
+</p:sld>
+</file>
+
+<file path=ppt/slides/slide4.xml><?xml version="1.0" encoding="utf-8"?>
+<p:sld xmlns:a="http://schemas.openxmlformats.org/drawingml/2006/main" xmlns:r="http://schemas.openxmlformats.org/officeDocument/2006/relationships" xmlns:p="http://schemas.openxmlformats.org/presentationml/2006/main">
+  <p:cSld>
+    <p:spTree>
+      <p:nvGrpSpPr>
+        <p:cNvPr id="1" name=""/>
+        <p:cNvGrpSpPr/>
+        <p:nvPr/>
+      </p:nvGrpSpPr>
+      <p:grpSpPr>
+        <a:xfrm>
+          <a:off x="0" y="0"/>
+          <a:ext cx="0" cy="0"/>
+          <a:chOff x="0" y="0"/>
+          <a:chExt cx="0" cy="0"/>
+        </a:xfrm>
+      </p:grpSpPr>
+      <p:sp>
+        <p:nvSpPr>
+          <p:cNvPr id="2" name="Footer Placeholder 1"/>
+          <p:cNvSpPr>
+            <a:spLocks noGrp="1"/>
+          </p:cNvSpPr>
+          <p:nvPr>
+            <p:ph type="ftr" sz="quarter" idx="15"/>
+          </p:nvPr>
+        </p:nvSpPr>
+        <p:spPr/>
+        <p:txBody>
+          <a:bodyPr/>
+          <a:lstStyle/>
+          <a:p>
+            <a:r>
+              <a:rPr lang="en-US" kern="0" dirty="0" smtClean="0">
+                <a:solidFill>
+                  <a:srgbClr val="FFFFFF"/>
+                </a:solidFill>
+              </a:rPr>
+              <a:t>Confidential – Oracle Internal</a:t>
+            </a:r>
+            <a:endParaRPr lang="en-US" kern="0" dirty="0">
+              <a:solidFill>
+                <a:srgbClr val="FFFFFF"/>
+              </a:solidFill>
+            </a:endParaRPr>
+          </a:p>
+        </p:txBody>
+      </p:sp>
+      <p:sp>
+        <p:nvSpPr>
+          <p:cNvPr id="3" name="Slide Number Placeholder 2"/>
+          <p:cNvSpPr>
+            <a:spLocks noGrp="1"/>
+          </p:cNvSpPr>
+          <p:nvPr>
+            <p:ph type="sldNum" sz="quarter" idx="12"/>
+          </p:nvPr>
+        </p:nvSpPr>
+        <p:spPr/>
+        <p:txBody>
+          <a:bodyPr/>
+          <a:lstStyle/>
+          <a:p>
+            <a:fld id="{C51EAA63-D034-42AE-91FA-B13B9518C7BE}" type="slidenum">
+              <a:rPr lang="en-US" smtClean="0"/>
+              <a:pPr/>
+              <a:t>4</a:t>
+            </a:fld>
+            <a:endParaRPr lang="en-US" dirty="0"/>
+          </a:p>
+        </p:txBody>
+      </p:sp>
+      <p:sp>
+        <p:nvSpPr>
+          <p:cNvPr id="29" name="TextBox 28"/>
+          <p:cNvSpPr txBox="1"/>
+          <p:nvPr/>
+        </p:nvSpPr>
+        <p:spPr>
+          <a:xfrm>
+            <a:off x="1361909" y="325090"/>
+            <a:ext cx="9718722" cy="646331"/>
+          </a:xfrm>
+          <a:prstGeom prst="rect">
+            <a:avLst/>
+          </a:prstGeom>
+          <a:noFill/>
+        </p:spPr>
+        <p:txBody>
+          <a:bodyPr wrap="square" rtlCol="0">
+            <a:spAutoFit/>
+          </a:bodyPr>
+          <a:lstStyle/>
+          <a:p>
+            <a:pPr algn="ctr"/>
+            <a:r>
+              <a:rPr lang="en-US" sz="3600" b="1" dirty="0" smtClean="0">
+                <a:solidFill>
+                  <a:schemeClr val="bg1"/>
+                </a:solidFill>
+                <a:latin typeface="Arial" panose="020B0604020202020204" pitchFamily="34" charset="0"/>
+                <a:cs typeface="Arial" panose="020B0604020202020204" pitchFamily="34" charset="0"/>
+              </a:rPr>
+              <a:t>AI Inferencing Stage</a:t>
+            </a:r>
+            <a:endParaRPr lang="en-US" sz="3600" b="1" dirty="0">
+              <a:solidFill>
+                <a:schemeClr val="bg1"/>
+              </a:solidFill>
+              <a:latin typeface="Arial" panose="020B0604020202020204" pitchFamily="34" charset="0"/>
+              <a:cs typeface="Arial" panose="020B0604020202020204" pitchFamily="34" charset="0"/>
+            </a:endParaRPr>
+          </a:p>
+        </p:txBody>
+      </p:sp>
+      <p:sp>
+        <p:nvSpPr>
+          <p:cNvPr id="5" name="Rectangle 4"/>
+          <p:cNvSpPr/>
+          <p:nvPr/>
+        </p:nvSpPr>
+        <p:spPr>
+          <a:xfrm>
+            <a:off x="707179" y="266369"/>
+            <a:ext cx="10971940" cy="790554"/>
+          </a:xfrm>
+          <a:prstGeom prst="rect">
+            <a:avLst/>
+          </a:prstGeom>
+          <a:noFill/>
+          <a:ln w="38100">
+            <a:solidFill>
+              <a:schemeClr val="bg1"/>
+            </a:solidFill>
+          </a:ln>
+        </p:spPr>
+        <p:style>
+          <a:lnRef idx="2">
+            <a:schemeClr val="accent1">
+              <a:shade val="50000"/>
+            </a:schemeClr>
+          </a:lnRef>
+          <a:fillRef idx="1">
+            <a:schemeClr val="accent1"/>
+          </a:fillRef>
+          <a:effectRef idx="0">
+            <a:schemeClr val="accent1"/>
+          </a:effectRef>
+          <a:fontRef idx="minor">
+            <a:schemeClr val="lt1"/>
+          </a:fontRef>
+        </p:style>
+        <p:txBody>
+          <a:bodyPr rtlCol="0" anchor="ctr"/>
+          <a:lstStyle/>
+          <a:p>
+            <a:pPr algn="ctr"/>
+            <a:endParaRPr lang="en-US"/>
+          </a:p>
+        </p:txBody>
+      </p:sp>
+      <p:sp>
+        <p:nvSpPr>
+          <p:cNvPr id="7" name="TextBox 6"/>
+          <p:cNvSpPr txBox="1"/>
+          <p:nvPr/>
+        </p:nvSpPr>
+        <p:spPr>
+          <a:xfrm>
+            <a:off x="458985" y="1306286"/>
+            <a:ext cx="5471552" cy="4893647"/>
+          </a:xfrm>
+          <a:prstGeom prst="rect">
+            <a:avLst/>
+          </a:prstGeom>
+          <a:noFill/>
+        </p:spPr>
+        <p:txBody>
+          <a:bodyPr wrap="square" rtlCol="0">
+            <a:spAutoFit/>
+          </a:bodyPr>
+          <a:lstStyle/>
+          <a:p>
+            <a:pPr marL="457200" indent="-457200">
+              <a:buFont typeface="Arial" charset="0"/>
+              <a:buChar char="•"/>
+            </a:pPr>
+            <a:r>
+              <a:rPr lang="en-US" sz="2400" b="1" dirty="0" smtClean="0">
+                <a:solidFill>
+                  <a:schemeClr val="bg1"/>
+                </a:solidFill>
+                <a:latin typeface="Arial" panose="020B0604020202020204" pitchFamily="34" charset="0"/>
+                <a:cs typeface="Arial" panose="020B0604020202020204" pitchFamily="34" charset="0"/>
+              </a:rPr>
+              <a:t>Consumer sends POST request to REST API on OCI </a:t>
+            </a:r>
+            <a:r>
+              <a:rPr lang="mr-IN" sz="2400" b="1" dirty="0" smtClean="0">
+                <a:solidFill>
+                  <a:schemeClr val="bg1"/>
+                </a:solidFill>
+                <a:latin typeface="Arial" panose="020B0604020202020204" pitchFamily="34" charset="0"/>
+                <a:cs typeface="Arial" panose="020B0604020202020204" pitchFamily="34" charset="0"/>
+              </a:rPr>
+              <a:t>–</a:t>
+            </a:r>
+            <a:r>
+              <a:rPr lang="en-US" sz="2400" b="1" dirty="0" smtClean="0">
+                <a:solidFill>
+                  <a:schemeClr val="bg1"/>
+                </a:solidFill>
+                <a:latin typeface="Arial" panose="020B0604020202020204" pitchFamily="34" charset="0"/>
+                <a:cs typeface="Arial" panose="020B0604020202020204" pitchFamily="34" charset="0"/>
+              </a:rPr>
+              <a:t> CPU with product image</a:t>
+            </a:r>
+          </a:p>
+          <a:p>
+            <a:pPr marL="457200" indent="-457200">
+              <a:buFont typeface="Arial" charset="0"/>
+              <a:buChar char="•"/>
+            </a:pPr>
+            <a:endParaRPr lang="en-US" sz="2400" b="1" dirty="0" smtClean="0">
+              <a:solidFill>
+                <a:schemeClr val="bg1"/>
+              </a:solidFill>
+              <a:latin typeface="Arial" panose="020B0604020202020204" pitchFamily="34" charset="0"/>
+              <a:cs typeface="Arial" panose="020B0604020202020204" pitchFamily="34" charset="0"/>
+            </a:endParaRPr>
+          </a:p>
+          <a:p>
+            <a:pPr marL="457200" indent="-457200">
+              <a:buFont typeface="Arial" charset="0"/>
+              <a:buChar char="•"/>
+            </a:pPr>
+            <a:r>
+              <a:rPr lang="en-US" sz="2400" b="1" dirty="0" smtClean="0">
+                <a:solidFill>
+                  <a:schemeClr val="bg1"/>
+                </a:solidFill>
+                <a:latin typeface="Arial" panose="020B0604020202020204" pitchFamily="34" charset="0"/>
+                <a:cs typeface="Arial" panose="020B0604020202020204" pitchFamily="34" charset="0"/>
+              </a:rPr>
+              <a:t>ML model references the latest inference graph and returns the predicted product label</a:t>
+            </a:r>
+          </a:p>
+          <a:p>
+            <a:pPr marL="457200" indent="-457200">
+              <a:buFont typeface="Arial" charset="0"/>
+              <a:buChar char="•"/>
+            </a:pPr>
+            <a:endParaRPr lang="en-US" sz="2400" b="1" dirty="0" smtClean="0">
+              <a:solidFill>
+                <a:schemeClr val="bg1"/>
+              </a:solidFill>
+              <a:latin typeface="Arial" panose="020B0604020202020204" pitchFamily="34" charset="0"/>
+              <a:cs typeface="Arial" panose="020B0604020202020204" pitchFamily="34" charset="0"/>
+            </a:endParaRPr>
+          </a:p>
+          <a:p>
+            <a:pPr marL="457200" indent="-457200">
+              <a:buFont typeface="Arial" charset="0"/>
+              <a:buChar char="•"/>
+            </a:pPr>
+            <a:r>
+              <a:rPr lang="en-US" sz="2400" b="1" dirty="0" smtClean="0">
+                <a:solidFill>
+                  <a:schemeClr val="bg1"/>
+                </a:solidFill>
+                <a:latin typeface="Arial" panose="020B0604020202020204" pitchFamily="34" charset="0"/>
+                <a:cs typeface="Arial" panose="020B0604020202020204" pitchFamily="34" charset="0"/>
+              </a:rPr>
+              <a:t>Product label is used to index OCI </a:t>
+            </a:r>
+            <a:r>
+              <a:rPr lang="mr-IN" sz="2400" b="1" dirty="0" smtClean="0">
+                <a:solidFill>
+                  <a:schemeClr val="bg1"/>
+                </a:solidFill>
+                <a:latin typeface="Arial" panose="020B0604020202020204" pitchFamily="34" charset="0"/>
+                <a:cs typeface="Arial" panose="020B0604020202020204" pitchFamily="34" charset="0"/>
+              </a:rPr>
+              <a:t>–</a:t>
+            </a:r>
+            <a:r>
+              <a:rPr lang="en-US" sz="2400" b="1" dirty="0" smtClean="0">
+                <a:solidFill>
+                  <a:schemeClr val="bg1"/>
+                </a:solidFill>
+                <a:latin typeface="Arial" panose="020B0604020202020204" pitchFamily="34" charset="0"/>
+                <a:cs typeface="Arial" panose="020B0604020202020204" pitchFamily="34" charset="0"/>
+              </a:rPr>
+              <a:t> Database for product data</a:t>
+            </a:r>
+            <a:endParaRPr lang="en-US" sz="2400" b="1" dirty="0">
+              <a:solidFill>
+                <a:schemeClr val="bg1"/>
+              </a:solidFill>
+              <a:latin typeface="Arial" panose="020B0604020202020204" pitchFamily="34" charset="0"/>
+              <a:cs typeface="Arial" panose="020B0604020202020204" pitchFamily="34" charset="0"/>
+            </a:endParaRPr>
+          </a:p>
+          <a:p>
+            <a:pPr marL="457200" indent="-457200">
+              <a:buFont typeface="Arial" charset="0"/>
+              <a:buChar char="•"/>
+            </a:pPr>
+            <a:endParaRPr lang="en-US" sz="2400" b="1" dirty="0" smtClean="0">
+              <a:solidFill>
+                <a:schemeClr val="bg1"/>
+              </a:solidFill>
+              <a:latin typeface="Arial" panose="020B0604020202020204" pitchFamily="34" charset="0"/>
+              <a:cs typeface="Arial" panose="020B0604020202020204" pitchFamily="34" charset="0"/>
+            </a:endParaRPr>
+          </a:p>
+          <a:p>
+            <a:pPr marL="457200" indent="-457200">
+              <a:buFont typeface="Arial" charset="0"/>
+              <a:buChar char="•"/>
+            </a:pPr>
+            <a:r>
+              <a:rPr lang="en-US" sz="2400" b="1" dirty="0" smtClean="0">
+                <a:solidFill>
+                  <a:schemeClr val="bg1"/>
+                </a:solidFill>
+                <a:latin typeface="Arial" panose="020B0604020202020204" pitchFamily="34" charset="0"/>
+                <a:cs typeface="Arial" panose="020B0604020202020204" pitchFamily="34" charset="0"/>
+              </a:rPr>
+              <a:t>Product data is sent to mobile app for AR-UI and </a:t>
+            </a:r>
+            <a:r>
+              <a:rPr lang="en-US" sz="2400" b="1" dirty="0" err="1" smtClean="0">
+                <a:solidFill>
+                  <a:schemeClr val="bg1"/>
+                </a:solidFill>
+                <a:latin typeface="Arial" panose="020B0604020202020204" pitchFamily="34" charset="0"/>
+                <a:cs typeface="Arial" panose="020B0604020202020204" pitchFamily="34" charset="0"/>
+              </a:rPr>
+              <a:t>chatbot</a:t>
+            </a:r>
+            <a:endParaRPr lang="en-US" sz="2400" b="1" dirty="0" smtClean="0">
+              <a:solidFill>
+                <a:schemeClr val="bg1"/>
+              </a:solidFill>
+              <a:latin typeface="Arial" panose="020B0604020202020204" pitchFamily="34" charset="0"/>
+              <a:cs typeface="Arial" panose="020B0604020202020204" pitchFamily="34" charset="0"/>
+            </a:endParaRPr>
+          </a:p>
+        </p:txBody>
+      </p:sp>
+      <p:sp>
+        <p:nvSpPr>
+          <p:cNvPr id="8" name="Rounded Rectangle 7"/>
+          <p:cNvSpPr/>
+          <p:nvPr/>
+        </p:nvSpPr>
+        <p:spPr>
+          <a:xfrm>
+            <a:off x="6528523" y="3538503"/>
+            <a:ext cx="934600" cy="2087407"/>
+          </a:xfrm>
+          <a:prstGeom prst="roundRect">
+            <a:avLst/>
+          </a:prstGeom>
+          <a:noFill/>
+          <a:ln w="57150">
+            <a:solidFill>
+              <a:schemeClr val="bg1"/>
+            </a:solidFill>
+            <a:prstDash val="dash"/>
+          </a:ln>
+        </p:spPr>
+        <p:style>
+          <a:lnRef idx="2">
+            <a:schemeClr val="accent1">
+              <a:shade val="50000"/>
+            </a:schemeClr>
+          </a:lnRef>
+          <a:fillRef idx="1">
+            <a:schemeClr val="accent1"/>
+          </a:fillRef>
+          <a:effectRef idx="0">
+            <a:schemeClr val="accent1"/>
+          </a:effectRef>
+          <a:fontRef idx="minor">
+            <a:schemeClr val="lt1"/>
+          </a:fontRef>
+        </p:style>
+        <p:txBody>
+          <a:bodyPr rtlCol="0" anchor="ctr"/>
+          <a:lstStyle/>
+          <a:p>
+            <a:pPr algn="ctr"/>
+            <a:endParaRPr lang="en-US"/>
+          </a:p>
+        </p:txBody>
+      </p:sp>
+      <p:grpSp>
+        <p:nvGrpSpPr>
+          <p:cNvPr id="9" name="Group 8"/>
+          <p:cNvGrpSpPr/>
+          <p:nvPr/>
+        </p:nvGrpSpPr>
+        <p:grpSpPr>
+          <a:xfrm>
+            <a:off x="6547929" y="4674716"/>
+            <a:ext cx="942440" cy="799275"/>
+            <a:chOff x="6478625" y="1405718"/>
+            <a:chExt cx="1375019" cy="1166141"/>
+          </a:xfrm>
+        </p:grpSpPr>
+        <p:pic>
+          <p:nvPicPr>
+            <p:cNvPr id="10" name="Picture 9" descr="C:\temp\icons\ic-MobilePhone-wht.png"/>
+            <p:cNvPicPr>
+              <a:picLocks noChangeAspect="1" noChangeArrowheads="1"/>
+            </p:cNvPicPr>
+            <p:nvPr/>
+          </p:nvPicPr>
+          <p:blipFill>
+            <a:blip r:embed="rId2" cstate="print"/>
+            <a:srcRect l="22222" t="11111" r="27778" b="11111"/>
+            <a:stretch>
+              <a:fillRect/>
+            </a:stretch>
+          </p:blipFill>
+          <p:spPr bwMode="auto">
+            <a:xfrm>
+              <a:off x="6882248" y="1405718"/>
+              <a:ext cx="489857" cy="762000"/>
+            </a:xfrm>
+            <a:prstGeom prst="rect">
+              <a:avLst/>
+            </a:prstGeom>
+            <a:noFill/>
+          </p:spPr>
+        </p:pic>
+        <p:sp>
+          <p:nvSpPr>
+            <p:cNvPr id="11" name="Rectangle 10"/>
+            <p:cNvSpPr/>
+            <p:nvPr/>
+          </p:nvSpPr>
+          <p:spPr>
+            <a:xfrm>
+              <a:off x="6478625" y="2167718"/>
+              <a:ext cx="1375019" cy="404141"/>
+            </a:xfrm>
+            <a:prstGeom prst="rect">
+              <a:avLst/>
+            </a:prstGeom>
+          </p:spPr>
+          <p:txBody>
+            <a:bodyPr wrap="square">
+              <a:spAutoFit/>
+            </a:bodyPr>
+            <a:lstStyle/>
+            <a:p>
+              <a:pPr algn="ctr"/>
+              <a:r>
+                <a:rPr lang="en-US" sz="1200" b="1" dirty="0" smtClean="0">
+                  <a:solidFill>
+                    <a:schemeClr val="bg1"/>
+                  </a:solidFill>
+                </a:rPr>
+                <a:t>Consumer</a:t>
+              </a:r>
+              <a:endParaRPr lang="en-US" sz="1200" b="1" dirty="0">
+                <a:solidFill>
+                  <a:schemeClr val="bg1"/>
+                </a:solidFill>
+              </a:endParaRPr>
+            </a:p>
+          </p:txBody>
+        </p:sp>
+      </p:grpSp>
+      <p:grpSp>
+        <p:nvGrpSpPr>
+          <p:cNvPr id="12" name="Group 11"/>
+          <p:cNvGrpSpPr/>
+          <p:nvPr/>
+        </p:nvGrpSpPr>
+        <p:grpSpPr>
+          <a:xfrm>
+            <a:off x="6742496" y="3719478"/>
+            <a:ext cx="520862" cy="577204"/>
+            <a:chOff x="536282" y="2126685"/>
+            <a:chExt cx="981075" cy="1087197"/>
+          </a:xfrm>
+        </p:grpSpPr>
+        <p:pic>
+          <p:nvPicPr>
+            <p:cNvPr id="13" name="Picture 12" descr="Picture 143"/>
+            <p:cNvPicPr>
+              <a:picLocks noChangeAspect="1"/>
+            </p:cNvPicPr>
+            <p:nvPr/>
+          </p:nvPicPr>
+          <p:blipFill>
+            <a:blip r:embed="rId3">
+              <a:extLst>
+                <a:ext uri="{28A0092B-C50C-407E-A947-70E740481C1C}">
+                  <a14:useLocalDpi xmlns:a14="http://schemas.microsoft.com/office/drawing/2010/main" val="0"/>
+                </a:ext>
+              </a:extLst>
+            </a:blip>
+            <a:srcRect/>
+            <a:stretch>
+              <a:fillRect/>
+            </a:stretch>
+          </p:blipFill>
+          <p:spPr bwMode="auto">
+            <a:xfrm>
+              <a:off x="536282" y="2126685"/>
+              <a:ext cx="981075" cy="685800"/>
+            </a:xfrm>
+            <a:prstGeom prst="rect">
+              <a:avLst/>
+            </a:prstGeom>
+            <a:noFill/>
+            <a:ln>
+              <a:noFill/>
+            </a:ln>
+            <a:effectLst/>
+            <a:extLst>
+              <a:ext uri="{909E8E84-426E-40DD-AFC4-6F175D3DCCD1}">
+                <a14:hiddenFill xmlns:a14="http://schemas.microsoft.com/office/drawing/2010/main">
+                  <a:solidFill>
+                    <a:srgbClr val="FFFFFF"/>
+                  </a:solidFill>
+                </a14:hiddenFill>
+              </a:ext>
+              <a:ext uri="{91240B29-F687-4F45-9708-019B960494DF}">
+                <a14:hiddenLine xmlns:a14="http://schemas.microsoft.com/office/drawing/2010/main" w="12700" cap="flat" cmpd="sng">
+                  <a:solidFill>
+                    <a:srgbClr val="000000"/>
+                  </a:solidFill>
+                  <a:prstDash val="solid"/>
+                  <a:miter lim="400000"/>
+                  <a:headEnd type="none" w="med" len="med"/>
+                  <a:tailEnd type="none" w="med" len="med"/>
+                </a14:hiddenLine>
+              </a:ext>
+              <a:ext uri="{AF507438-7753-43E0-B8FC-AC1667EBCBE1}">
+                <a14:hiddenEffects xmlns:a14="http://schemas.microsoft.com/office/drawing/2010/main">
+                  <a:effectLst>
+                    <a:outerShdw blurRad="63500" dist="38099" dir="2700000" algn="ctr" rotWithShape="0">
+                      <a:srgbClr val="000000">
+                        <a:alpha val="74998"/>
+                      </a:srgbClr>
+                    </a:outerShdw>
+                  </a:effectLst>
+                </a14:hiddenEffects>
+              </a:ext>
+            </a:extLst>
+          </p:spPr>
+        </p:pic>
+        <p:sp>
+          <p:nvSpPr>
+            <p:cNvPr id="14" name="Rectangle 13"/>
+            <p:cNvSpPr/>
+            <p:nvPr/>
+          </p:nvSpPr>
+          <p:spPr>
+            <a:xfrm>
+              <a:off x="598821" y="2856278"/>
+              <a:ext cx="878282" cy="357604"/>
+            </a:xfrm>
+            <a:prstGeom prst="rect">
+              <a:avLst/>
+            </a:prstGeom>
+          </p:spPr>
+          <p:txBody>
+            <a:bodyPr wrap="none">
+              <a:spAutoFit/>
+            </a:bodyPr>
+            <a:lstStyle/>
+            <a:p>
+              <a:pPr algn="ctr"/>
+              <a:r>
+                <a:rPr lang="en-US" sz="1200" b="1" dirty="0" smtClean="0">
+                  <a:solidFill>
+                    <a:schemeClr val="bg1"/>
+                  </a:solidFill>
+                </a:rPr>
+                <a:t>Retailer</a:t>
+              </a:r>
+              <a:endParaRPr lang="en-US" sz="1200" b="1" dirty="0">
+                <a:solidFill>
+                  <a:schemeClr val="bg1"/>
+                </a:solidFill>
+              </a:endParaRPr>
+            </a:p>
+          </p:txBody>
+        </p:sp>
+      </p:grpSp>
+      <p:sp>
+        <p:nvSpPr>
+          <p:cNvPr id="15" name="Rectangle 14"/>
+          <p:cNvSpPr/>
+          <p:nvPr/>
+        </p:nvSpPr>
+        <p:spPr>
+          <a:xfrm>
+            <a:off x="6468209" y="5730120"/>
+            <a:ext cx="1101880" cy="276999"/>
+          </a:xfrm>
+          <a:prstGeom prst="rect">
+            <a:avLst/>
+          </a:prstGeom>
+        </p:spPr>
+        <p:txBody>
+          <a:bodyPr wrap="square">
+            <a:spAutoFit/>
+          </a:bodyPr>
+          <a:lstStyle/>
+          <a:p>
+            <a:pPr algn="ctr"/>
+            <a:r>
+              <a:rPr lang="en-US" sz="1200" b="1" smtClean="0">
+                <a:solidFill>
+                  <a:schemeClr val="bg1"/>
+                </a:solidFill>
+              </a:rPr>
+              <a:t>Client Devices</a:t>
+            </a:r>
+            <a:endParaRPr lang="en-US" sz="1200" dirty="0"/>
+          </a:p>
+        </p:txBody>
+      </p:sp>
+      <p:grpSp>
+        <p:nvGrpSpPr>
+          <p:cNvPr id="16" name="Group 15"/>
+          <p:cNvGrpSpPr>
+            <a:grpSpLocks/>
+          </p:cNvGrpSpPr>
+          <p:nvPr/>
+        </p:nvGrpSpPr>
+        <p:grpSpPr bwMode="auto">
+          <a:xfrm>
+            <a:off x="9530038" y="2394432"/>
+            <a:ext cx="822637" cy="643912"/>
+            <a:chOff x="-26028" y="-143435"/>
+            <a:chExt cx="1232704" cy="965267"/>
+          </a:xfrm>
+        </p:grpSpPr>
+        <p:pic>
+          <p:nvPicPr>
+            <p:cNvPr id="17" name="Picture 16" descr="Picture 116"/>
+            <p:cNvPicPr>
+              <a:picLocks noChangeAspect="1"/>
+            </p:cNvPicPr>
+            <p:nvPr/>
+          </p:nvPicPr>
+          <p:blipFill>
+            <a:blip r:embed="rId4">
+              <a:extLst>
+                <a:ext uri="{28A0092B-C50C-407E-A947-70E740481C1C}">
+                  <a14:useLocalDpi xmlns:a14="http://schemas.microsoft.com/office/drawing/2010/main" val="0"/>
+                </a:ext>
+              </a:extLst>
+            </a:blip>
+            <a:srcRect/>
+            <a:stretch>
+              <a:fillRect/>
+            </a:stretch>
+          </p:blipFill>
+          <p:spPr bwMode="auto">
+            <a:xfrm>
+              <a:off x="247422" y="-143435"/>
+              <a:ext cx="685801" cy="685800"/>
+            </a:xfrm>
+            <a:prstGeom prst="rect">
+              <a:avLst/>
+            </a:prstGeom>
+            <a:noFill/>
+            <a:ln>
+              <a:noFill/>
+            </a:ln>
+            <a:effectLst/>
+            <a:extLst>
+              <a:ext uri="{909E8E84-426E-40DD-AFC4-6F175D3DCCD1}">
+                <a14:hiddenFill xmlns:a14="http://schemas.microsoft.com/office/drawing/2010/main">
+                  <a:solidFill>
+                    <a:srgbClr val="FFFFFF"/>
+                  </a:solidFill>
+                </a14:hiddenFill>
+              </a:ext>
+              <a:ext uri="{91240B29-F687-4F45-9708-019B960494DF}">
+                <a14:hiddenLine xmlns:a14="http://schemas.microsoft.com/office/drawing/2010/main" w="12700" cap="flat" cmpd="sng">
+                  <a:solidFill>
+                    <a:srgbClr val="000000"/>
+                  </a:solidFill>
+                  <a:prstDash val="solid"/>
+                  <a:miter lim="400000"/>
+                  <a:headEnd type="none" w="med" len="med"/>
+                  <a:tailEnd type="none" w="med" len="med"/>
+                </a14:hiddenLine>
+              </a:ext>
+              <a:ext uri="{AF507438-7753-43E0-B8FC-AC1667EBCBE1}">
+                <a14:hiddenEffects xmlns:a14="http://schemas.microsoft.com/office/drawing/2010/main">
+                  <a:effectLst>
+                    <a:outerShdw blurRad="63500" dist="38099" dir="2700000" algn="ctr" rotWithShape="0">
+                      <a:srgbClr val="000000">
+                        <a:alpha val="74998"/>
+                      </a:srgbClr>
+                    </a:outerShdw>
+                  </a:effectLst>
+                </a14:hiddenEffects>
+              </a:ext>
+            </a:extLst>
+          </p:spPr>
+        </p:pic>
+        <p:sp>
+          <p:nvSpPr>
+            <p:cNvPr id="18" name="Text Box 35" descr="Rectangle 117"/>
+            <p:cNvSpPr txBox="1">
+              <a:spLocks/>
+            </p:cNvSpPr>
+            <p:nvPr/>
+          </p:nvSpPr>
+          <p:spPr bwMode="auto">
+            <a:xfrm>
+              <a:off x="-26028" y="452731"/>
+              <a:ext cx="1232704" cy="369101"/>
+            </a:xfrm>
+            <a:prstGeom prst="rect">
+              <a:avLst/>
+            </a:prstGeom>
+            <a:noFill/>
+            <a:ln>
+              <a:noFill/>
+            </a:ln>
+            <a:effectLst/>
+            <a:extLst>
+              <a:ext uri="{909E8E84-426E-40DD-AFC4-6F175D3DCCD1}">
+                <a14:hiddenFill xmlns:a14="http://schemas.microsoft.com/office/drawing/2010/main">
+                  <a:solidFill>
+                    <a:srgbClr val="FFFFFF"/>
+                  </a:solidFill>
+                </a14:hiddenFill>
+              </a:ext>
+              <a:ext uri="{91240B29-F687-4F45-9708-019B960494DF}">
+                <a14:hiddenLine xmlns:a14="http://schemas.microsoft.com/office/drawing/2010/main" w="12700" cap="flat" cmpd="sng">
+                  <a:solidFill>
+                    <a:srgbClr val="000000"/>
+                  </a:solidFill>
+                  <a:prstDash val="solid"/>
+                  <a:miter lim="400000"/>
+                  <a:headEnd type="none" w="med" len="med"/>
+                  <a:tailEnd type="none" w="med" len="med"/>
+                </a14:hiddenLine>
+              </a:ext>
+              <a:ext uri="{AF507438-7753-43E0-B8FC-AC1667EBCBE1}">
+                <a14:hiddenEffects xmlns:a14="http://schemas.microsoft.com/office/drawing/2010/main">
+                  <a:effectLst>
+                    <a:outerShdw blurRad="63500" dist="38099" dir="2700000" algn="ctr" rotWithShape="0">
+                      <a:srgbClr val="000000">
+                        <a:alpha val="74998"/>
+                      </a:srgbClr>
+                    </a:outerShdw>
+                  </a:effectLst>
+                </a14:hiddenEffects>
+              </a:ext>
+            </a:extLst>
+          </p:spPr>
+          <p:txBody>
+            <a:bodyPr wrap="square" lIns="45720" rIns="45720">
+              <a:spAutoFit/>
+            </a:bodyPr>
+            <a:lstStyle/>
+            <a:p>
+              <a:pPr algn="ctr"/>
+              <a:r>
+                <a:rPr lang="en-US" altLang="en-US" sz="1000" b="1" dirty="0" smtClean="0">
+                  <a:solidFill>
+                    <a:srgbClr val="FFFFFF"/>
+                  </a:solidFill>
+                  <a:latin typeface="Helvetica" charset="0"/>
+                  <a:ea typeface="Helvetica" charset="0"/>
+                  <a:cs typeface="Helvetica" charset="0"/>
+                  <a:sym typeface="Helvetica" charset="0"/>
+                </a:rPr>
+                <a:t>OCI </a:t>
+              </a:r>
+              <a:r>
+                <a:rPr lang="mr-IN" altLang="en-US" sz="1000" b="1" dirty="0" smtClean="0">
+                  <a:solidFill>
+                    <a:srgbClr val="FFFFFF"/>
+                  </a:solidFill>
+                  <a:latin typeface="Helvetica" charset="0"/>
+                  <a:ea typeface="Helvetica" charset="0"/>
+                  <a:cs typeface="Helvetica" charset="0"/>
+                  <a:sym typeface="Helvetica" charset="0"/>
+                </a:rPr>
+                <a:t>–</a:t>
+              </a:r>
+              <a:r>
+                <a:rPr lang="en-US" altLang="en-US" sz="1000" b="1" dirty="0" smtClean="0">
+                  <a:solidFill>
+                    <a:srgbClr val="FFFFFF"/>
+                  </a:solidFill>
+                  <a:latin typeface="Helvetica" charset="0"/>
+                  <a:ea typeface="Helvetica" charset="0"/>
+                  <a:cs typeface="Helvetica" charset="0"/>
+                  <a:sym typeface="Helvetica" charset="0"/>
+                </a:rPr>
+                <a:t> CPU</a:t>
+              </a:r>
+              <a:endParaRPr lang="en-US" altLang="en-US" sz="1000" b="1" dirty="0">
+                <a:solidFill>
+                  <a:srgbClr val="FFFFFF"/>
+                </a:solidFill>
+                <a:latin typeface="Helvetica" charset="0"/>
+                <a:ea typeface="Helvetica" charset="0"/>
+                <a:cs typeface="Helvetica" charset="0"/>
+                <a:sym typeface="Helvetica" charset="0"/>
+              </a:endParaRPr>
+            </a:p>
+          </p:txBody>
+        </p:sp>
+      </p:grpSp>
+      <p:grpSp>
+        <p:nvGrpSpPr>
+          <p:cNvPr id="19" name="Group 18"/>
+          <p:cNvGrpSpPr/>
+          <p:nvPr/>
+        </p:nvGrpSpPr>
+        <p:grpSpPr>
+          <a:xfrm>
+            <a:off x="8762691" y="2396087"/>
+            <a:ext cx="629645" cy="562703"/>
+            <a:chOff x="3445949" y="3648808"/>
+            <a:chExt cx="990600" cy="885281"/>
+          </a:xfrm>
+        </p:grpSpPr>
+        <p:pic>
+          <p:nvPicPr>
+            <p:cNvPr id="20" name="Picture 6" descr="mage result for python flask"/>
+            <p:cNvPicPr>
+              <a:picLocks noChangeAspect="1" noChangeArrowheads="1"/>
+            </p:cNvPicPr>
+            <p:nvPr/>
+          </p:nvPicPr>
+          <p:blipFill>
+            <a:blip r:embed="rId5">
+              <a:lum bright="70000" contrast="-70000"/>
+              <a:extLst>
+                <a:ext uri="{BEBA8EAE-BF5A-486C-A8C5-ECC9F3942E4B}">
+                  <a14:imgProps xmlns:a14="http://schemas.microsoft.com/office/drawing/2010/main">
+                    <a14:imgLayer r:embed="rId6">
+                      <a14:imgEffect>
+                        <a14:colorTemperature colorTemp="1500"/>
+                      </a14:imgEffect>
+                      <a14:imgEffect>
+                        <a14:saturation sat="0"/>
+                      </a14:imgEffect>
+                    </a14:imgLayer>
+                  </a14:imgProps>
+                </a:ext>
+                <a:ext uri="{28A0092B-C50C-407E-A947-70E740481C1C}">
+                  <a14:useLocalDpi xmlns:a14="http://schemas.microsoft.com/office/drawing/2010/main" val="0"/>
+                </a:ext>
+              </a:extLst>
+            </a:blip>
+            <a:srcRect/>
+            <a:stretch>
+              <a:fillRect/>
+            </a:stretch>
+          </p:blipFill>
+          <p:spPr bwMode="auto">
+            <a:xfrm>
+              <a:off x="3683744" y="3648808"/>
+              <a:ext cx="665887" cy="595599"/>
+            </a:xfrm>
+            <a:prstGeom prst="rect">
+              <a:avLst/>
+            </a:prstGeom>
+            <a:noFill/>
+            <a:extLst>
+              <a:ext uri="{909E8E84-426E-40DD-AFC4-6F175D3DCCD1}">
+                <a14:hiddenFill xmlns:a14="http://schemas.microsoft.com/office/drawing/2010/main">
+                  <a:solidFill>
+                    <a:srgbClr val="FFFFFF"/>
+                  </a:solidFill>
+                </a14:hiddenFill>
+              </a:ext>
+            </a:extLst>
+          </p:spPr>
+        </p:pic>
+        <p:sp>
+          <p:nvSpPr>
+            <p:cNvPr id="21" name="TextBox 20"/>
+            <p:cNvSpPr txBox="1"/>
+            <p:nvPr/>
+          </p:nvSpPr>
+          <p:spPr>
+            <a:xfrm>
+              <a:off x="3445949" y="4321593"/>
+              <a:ext cx="990600" cy="212496"/>
+            </a:xfrm>
+            <a:prstGeom prst="rect">
+              <a:avLst/>
+            </a:prstGeom>
+            <a:noFill/>
+          </p:spPr>
+          <p:txBody>
+            <a:bodyPr wrap="none" lIns="0" tIns="0" rIns="0" bIns="0" rtlCol="0">
+              <a:noAutofit/>
+            </a:bodyPr>
+            <a:lstStyle/>
+            <a:p>
+              <a:pPr algn="ctr">
+                <a:lnSpc>
+                  <a:spcPct val="90000"/>
+                </a:lnSpc>
+              </a:pPr>
+              <a:r>
+                <a:rPr lang="en-US" sz="1200" b="1" dirty="0" smtClean="0">
+                  <a:solidFill>
+                    <a:srgbClr val="FFFFFF"/>
+                  </a:solidFill>
+                  <a:cs typeface="MV Boli" panose="02000500030200090000" pitchFamily="2" charset="0"/>
+                </a:rPr>
+                <a:t>Flask API</a:t>
+              </a:r>
+              <a:endParaRPr lang="en-US" sz="1200" b="1" dirty="0">
+                <a:solidFill>
+                  <a:srgbClr val="FFFFFF"/>
+                </a:solidFill>
+                <a:cs typeface="MV Boli" panose="02000500030200090000" pitchFamily="2" charset="0"/>
+              </a:endParaRPr>
+            </a:p>
+          </p:txBody>
+        </p:sp>
+      </p:grpSp>
+      <p:sp>
+        <p:nvSpPr>
+          <p:cNvPr id="22" name="Rounded Rectangle 21"/>
+          <p:cNvSpPr/>
+          <p:nvPr/>
+        </p:nvSpPr>
+        <p:spPr>
+          <a:xfrm>
+            <a:off x="8515132" y="2155342"/>
+            <a:ext cx="2852451" cy="1053510"/>
+          </a:xfrm>
+          <a:prstGeom prst="roundRect">
+            <a:avLst/>
+          </a:prstGeom>
+          <a:noFill/>
+          <a:ln w="57150">
+            <a:solidFill>
+              <a:schemeClr val="bg1"/>
+            </a:solidFill>
+            <a:prstDash val="dash"/>
+          </a:ln>
+        </p:spPr>
+        <p:style>
+          <a:lnRef idx="2">
+            <a:schemeClr val="accent1">
+              <a:shade val="50000"/>
+            </a:schemeClr>
+          </a:lnRef>
+          <a:fillRef idx="1">
+            <a:schemeClr val="accent1"/>
+          </a:fillRef>
+          <a:effectRef idx="0">
+            <a:schemeClr val="accent1"/>
+          </a:effectRef>
+          <a:fontRef idx="minor">
+            <a:schemeClr val="lt1"/>
+          </a:fontRef>
+        </p:style>
+        <p:txBody>
+          <a:bodyPr rtlCol="0" anchor="ctr"/>
+          <a:lstStyle/>
+          <a:p>
+            <a:pPr algn="ctr"/>
+            <a:endParaRPr lang="en-US"/>
+          </a:p>
+        </p:txBody>
+      </p:sp>
+      <p:grpSp>
+        <p:nvGrpSpPr>
+          <p:cNvPr id="39" name="Group 38"/>
+          <p:cNvGrpSpPr/>
+          <p:nvPr/>
+        </p:nvGrpSpPr>
+        <p:grpSpPr>
+          <a:xfrm>
+            <a:off x="9895851" y="4614114"/>
+            <a:ext cx="913647" cy="741871"/>
+            <a:chOff x="4602728" y="4187625"/>
+            <a:chExt cx="1497093" cy="1215620"/>
+          </a:xfrm>
+        </p:grpSpPr>
+        <p:pic>
+          <p:nvPicPr>
+            <p:cNvPr id="40" name="Picture 39"/>
+            <p:cNvPicPr>
+              <a:picLocks noChangeAspect="1"/>
+            </p:cNvPicPr>
+            <p:nvPr/>
+          </p:nvPicPr>
+          <p:blipFill>
+            <a:blip r:embed="rId7"/>
+            <a:stretch>
+              <a:fillRect/>
+            </a:stretch>
+          </p:blipFill>
+          <p:spPr>
+            <a:xfrm>
+              <a:off x="4867670" y="4187625"/>
+              <a:ext cx="871412" cy="871412"/>
+            </a:xfrm>
+            <a:prstGeom prst="rect">
+              <a:avLst/>
+            </a:prstGeom>
+          </p:spPr>
+        </p:pic>
+        <p:sp>
+          <p:nvSpPr>
+            <p:cNvPr id="41" name="Rectangle 40"/>
+            <p:cNvSpPr/>
+            <p:nvPr/>
+          </p:nvSpPr>
+          <p:spPr>
+            <a:xfrm>
+              <a:off x="4602728" y="5034777"/>
+              <a:ext cx="1497093" cy="368468"/>
+            </a:xfrm>
+            <a:prstGeom prst="rect">
+              <a:avLst/>
+            </a:prstGeom>
+          </p:spPr>
+          <p:txBody>
+            <a:bodyPr wrap="square">
+              <a:spAutoFit/>
+            </a:bodyPr>
+            <a:lstStyle/>
+            <a:p>
+              <a:pPr algn="ctr"/>
+              <a:r>
+                <a:rPr lang="en-US" sz="1000" b="1" kern="0" dirty="0" smtClean="0">
+                  <a:solidFill>
+                    <a:schemeClr val="bg1"/>
+                  </a:solidFill>
+                  <a:ea typeface="Calibri"/>
+                  <a:cs typeface="MV Boli" pitchFamily="2" charset="0"/>
+                  <a:sym typeface="Calibri"/>
+                </a:rPr>
+                <a:t>OCI </a:t>
+              </a:r>
+              <a:r>
+                <a:rPr lang="mr-IN" sz="1000" b="1" kern="0" dirty="0" smtClean="0">
+                  <a:solidFill>
+                    <a:schemeClr val="bg1"/>
+                  </a:solidFill>
+                  <a:ea typeface="Calibri"/>
+                  <a:cs typeface="MV Boli" pitchFamily="2" charset="0"/>
+                  <a:sym typeface="Calibri"/>
+                </a:rPr>
+                <a:t>–</a:t>
+              </a:r>
+              <a:r>
+                <a:rPr lang="en-US" sz="1000" b="1" kern="0" dirty="0" smtClean="0">
+                  <a:solidFill>
+                    <a:schemeClr val="bg1"/>
+                  </a:solidFill>
+                  <a:ea typeface="Calibri"/>
+                  <a:cs typeface="MV Boli" pitchFamily="2" charset="0"/>
+                  <a:sym typeface="Calibri"/>
+                </a:rPr>
+                <a:t> API</a:t>
+              </a:r>
+              <a:endParaRPr lang="en-US" sz="1000" b="1" kern="0" dirty="0">
+                <a:solidFill>
+                  <a:schemeClr val="bg1"/>
+                </a:solidFill>
+                <a:ea typeface="Calibri"/>
+                <a:cs typeface="MV Boli" pitchFamily="2" charset="0"/>
+                <a:sym typeface="Calibri"/>
+              </a:endParaRPr>
+            </a:p>
+          </p:txBody>
+        </p:sp>
+      </p:grpSp>
+      <p:cxnSp>
+        <p:nvCxnSpPr>
+          <p:cNvPr id="42" name="Straight Arrow Connector 41"/>
+          <p:cNvCxnSpPr/>
+          <p:nvPr/>
+        </p:nvCxnSpPr>
+        <p:spPr>
+          <a:xfrm>
+            <a:off x="7579987" y="4911089"/>
+            <a:ext cx="803710" cy="13063"/>
+          </a:xfrm>
+          <a:prstGeom prst="straightConnector1">
+            <a:avLst/>
+          </a:prstGeom>
+          <a:ln w="38100">
+            <a:solidFill>
+              <a:schemeClr val="bg1"/>
+            </a:solidFill>
+            <a:prstDash val="sysDash"/>
+            <a:tailEnd type="triangle"/>
+          </a:ln>
+        </p:spPr>
+        <p:style>
+          <a:lnRef idx="1">
+            <a:schemeClr val="accent1"/>
+          </a:lnRef>
+          <a:fillRef idx="0">
+            <a:schemeClr val="accent1"/>
+          </a:fillRef>
+          <a:effectRef idx="0">
+            <a:schemeClr val="accent1"/>
+          </a:effectRef>
+          <a:fontRef idx="minor">
+            <a:schemeClr val="tx1"/>
+          </a:fontRef>
+        </p:style>
+      </p:cxnSp>
+      <p:cxnSp>
+        <p:nvCxnSpPr>
+          <p:cNvPr id="44" name="Straight Arrow Connector 43"/>
+          <p:cNvCxnSpPr/>
+          <p:nvPr/>
+        </p:nvCxnSpPr>
+        <p:spPr>
+          <a:xfrm>
+            <a:off x="10450858" y="3427662"/>
+            <a:ext cx="0" cy="840576"/>
+          </a:xfrm>
+          <a:prstGeom prst="straightConnector1">
+            <a:avLst/>
+          </a:prstGeom>
+          <a:ln w="38100">
+            <a:solidFill>
+              <a:schemeClr val="bg1"/>
+            </a:solidFill>
+            <a:prstDash val="sysDash"/>
+            <a:tailEnd type="triangle"/>
+          </a:ln>
+        </p:spPr>
+        <p:style>
+          <a:lnRef idx="1">
+            <a:schemeClr val="accent1"/>
+          </a:lnRef>
+          <a:fillRef idx="0">
+            <a:schemeClr val="accent1"/>
+          </a:fillRef>
+          <a:effectRef idx="0">
+            <a:schemeClr val="accent1"/>
+          </a:effectRef>
+          <a:fontRef idx="minor">
+            <a:schemeClr val="tx1"/>
+          </a:fontRef>
+        </p:style>
+      </p:cxnSp>
+      <p:sp>
+        <p:nvSpPr>
+          <p:cNvPr id="45" name="Rounded Rectangle 44"/>
+          <p:cNvSpPr/>
+          <p:nvPr/>
+        </p:nvSpPr>
+        <p:spPr>
+          <a:xfrm>
+            <a:off x="9794781" y="4429356"/>
+            <a:ext cx="1879289" cy="1034606"/>
+          </a:xfrm>
+          <a:prstGeom prst="roundRect">
+            <a:avLst/>
+          </a:prstGeom>
+          <a:noFill/>
+          <a:ln w="57150">
+            <a:solidFill>
+              <a:schemeClr val="bg1"/>
+            </a:solidFill>
+            <a:prstDash val="dash"/>
+          </a:ln>
+        </p:spPr>
+        <p:style>
+          <a:lnRef idx="2">
+            <a:schemeClr val="accent1">
+              <a:shade val="50000"/>
+            </a:schemeClr>
+          </a:lnRef>
+          <a:fillRef idx="1">
+            <a:schemeClr val="accent1"/>
+          </a:fillRef>
+          <a:effectRef idx="0">
+            <a:schemeClr val="accent1"/>
+          </a:effectRef>
+          <a:fontRef idx="minor">
+            <a:schemeClr val="lt1"/>
+          </a:fontRef>
+        </p:style>
+        <p:txBody>
+          <a:bodyPr rtlCol="0" anchor="ctr"/>
+          <a:lstStyle/>
+          <a:p>
+            <a:pPr algn="ctr"/>
+            <a:endParaRPr lang="en-US"/>
+          </a:p>
+        </p:txBody>
+      </p:sp>
+      <p:grpSp>
+        <p:nvGrpSpPr>
+          <p:cNvPr id="47" name="Group 100"/>
+          <p:cNvGrpSpPr/>
+          <p:nvPr/>
+        </p:nvGrpSpPr>
+        <p:grpSpPr>
+          <a:xfrm>
+            <a:off x="10910568" y="4639149"/>
+            <a:ext cx="489351" cy="696342"/>
+            <a:chOff x="10536998" y="3127631"/>
+            <a:chExt cx="685800" cy="975885"/>
+          </a:xfrm>
+        </p:grpSpPr>
+        <p:sp>
+          <p:nvSpPr>
+            <p:cNvPr id="48" name="Rectangle 47"/>
+            <p:cNvSpPr/>
+            <p:nvPr/>
+          </p:nvSpPr>
+          <p:spPr>
+            <a:xfrm>
+              <a:off x="10553926" y="3758451"/>
+              <a:ext cx="651942" cy="345065"/>
+            </a:xfrm>
+            <a:prstGeom prst="rect">
+              <a:avLst/>
+            </a:prstGeom>
+          </p:spPr>
+          <p:txBody>
+            <a:bodyPr wrap="none">
+              <a:spAutoFit/>
+            </a:bodyPr>
+            <a:lstStyle/>
+            <a:p>
+              <a:pPr algn="ctr"/>
+              <a:r>
+                <a:rPr lang="en-US" sz="1000" b="1" kern="0" dirty="0" smtClean="0">
+                  <a:solidFill>
+                    <a:schemeClr val="bg1"/>
+                  </a:solidFill>
+                  <a:ea typeface="Calibri"/>
+                  <a:cs typeface="MV Boli" pitchFamily="2" charset="0"/>
+                  <a:sym typeface="Calibri"/>
+                </a:rPr>
+                <a:t>DBCS</a:t>
+              </a:r>
+              <a:endParaRPr lang="en-US" sz="1000" b="1" kern="0" dirty="0">
+                <a:solidFill>
+                  <a:schemeClr val="bg1"/>
+                </a:solidFill>
+                <a:ea typeface="Calibri"/>
+                <a:cs typeface="MV Boli" pitchFamily="2" charset="0"/>
+                <a:sym typeface="Calibri"/>
+              </a:endParaRPr>
+            </a:p>
+          </p:txBody>
+        </p:sp>
+        <p:pic>
+          <p:nvPicPr>
+            <p:cNvPr id="49" name="Picture 48" descr="database_w_72.png"/>
+            <p:cNvPicPr>
+              <a:picLocks noChangeAspect="1"/>
+            </p:cNvPicPr>
+            <p:nvPr/>
+          </p:nvPicPr>
+          <p:blipFill>
+            <a:blip r:embed="rId8" cstate="print"/>
+            <a:stretch>
+              <a:fillRect/>
+            </a:stretch>
+          </p:blipFill>
+          <p:spPr>
+            <a:xfrm>
+              <a:off x="10536998" y="3127631"/>
+              <a:ext cx="685800" cy="685799"/>
+            </a:xfrm>
+            <a:prstGeom prst="rect">
+              <a:avLst/>
+            </a:prstGeom>
+          </p:spPr>
+        </p:pic>
+      </p:grpSp>
+      <p:sp>
+        <p:nvSpPr>
+          <p:cNvPr id="50" name="Rounded Rectangle 49"/>
+          <p:cNvSpPr/>
+          <p:nvPr/>
+        </p:nvSpPr>
+        <p:spPr>
+          <a:xfrm>
+            <a:off x="8535542" y="4160917"/>
+            <a:ext cx="913836" cy="1526256"/>
+          </a:xfrm>
+          <a:prstGeom prst="roundRect">
+            <a:avLst/>
+          </a:prstGeom>
+          <a:noFill/>
+          <a:ln w="57150">
+            <a:solidFill>
+              <a:schemeClr val="bg1"/>
+            </a:solidFill>
+            <a:prstDash val="dash"/>
+          </a:ln>
+        </p:spPr>
+        <p:style>
+          <a:lnRef idx="2">
+            <a:schemeClr val="accent1">
+              <a:shade val="50000"/>
+            </a:schemeClr>
+          </a:lnRef>
+          <a:fillRef idx="1">
+            <a:schemeClr val="accent1"/>
+          </a:fillRef>
+          <a:effectRef idx="0">
+            <a:schemeClr val="accent1"/>
+          </a:effectRef>
+          <a:fontRef idx="minor">
+            <a:schemeClr val="lt1"/>
+          </a:fontRef>
+        </p:style>
+        <p:txBody>
+          <a:bodyPr rtlCol="0" anchor="ctr"/>
+          <a:lstStyle/>
+          <a:p>
+            <a:pPr algn="ctr"/>
+            <a:endParaRPr lang="en-US"/>
+          </a:p>
+        </p:txBody>
+      </p:sp>
+      <p:grpSp>
+        <p:nvGrpSpPr>
+          <p:cNvPr id="51" name="Group 154"/>
+          <p:cNvGrpSpPr/>
+          <p:nvPr/>
+        </p:nvGrpSpPr>
+        <p:grpSpPr>
+          <a:xfrm>
+            <a:off x="8686049" y="5106488"/>
+            <a:ext cx="650426" cy="561212"/>
+            <a:chOff x="1751012" y="626084"/>
+            <a:chExt cx="1143296" cy="986478"/>
+          </a:xfrm>
+        </p:grpSpPr>
+        <p:pic>
+          <p:nvPicPr>
+            <p:cNvPr id="52" name="Picture 51" descr="mobile_w_72.png"/>
+            <p:cNvPicPr>
+              <a:picLocks noChangeAspect="1"/>
+            </p:cNvPicPr>
+            <p:nvPr/>
+          </p:nvPicPr>
+          <p:blipFill>
+            <a:blip r:embed="rId9" cstate="print"/>
+            <a:stretch>
+              <a:fillRect/>
+            </a:stretch>
+          </p:blipFill>
+          <p:spPr>
+            <a:xfrm>
+              <a:off x="1981775" y="626084"/>
+              <a:ext cx="685800" cy="685800"/>
+            </a:xfrm>
+            <a:prstGeom prst="rect">
+              <a:avLst/>
+            </a:prstGeom>
+          </p:spPr>
+        </p:pic>
+        <p:sp>
+          <p:nvSpPr>
+            <p:cNvPr id="53" name="Rectangle 52"/>
+            <p:cNvSpPr/>
+            <p:nvPr/>
+          </p:nvSpPr>
+          <p:spPr>
+            <a:xfrm>
+              <a:off x="1751012" y="1179764"/>
+              <a:ext cx="1143296" cy="432798"/>
+            </a:xfrm>
+            <a:prstGeom prst="rect">
+              <a:avLst/>
+            </a:prstGeom>
+          </p:spPr>
+          <p:txBody>
+            <a:bodyPr wrap="square">
+              <a:spAutoFit/>
+            </a:bodyPr>
+            <a:lstStyle/>
+            <a:p>
+              <a:pPr algn="ctr"/>
+              <a:r>
+                <a:rPr lang="en-US" sz="1000" b="1" dirty="0" smtClean="0">
+                  <a:solidFill>
+                    <a:schemeClr val="bg1"/>
+                  </a:solidFill>
+                </a:rPr>
+                <a:t>MCS</a:t>
+              </a:r>
+              <a:endParaRPr lang="en-US" sz="1000" b="1" dirty="0">
+                <a:solidFill>
+                  <a:schemeClr val="bg1"/>
+                </a:solidFill>
+              </a:endParaRPr>
+            </a:p>
+          </p:txBody>
+        </p:sp>
+      </p:grpSp>
+      <p:grpSp>
+        <p:nvGrpSpPr>
+          <p:cNvPr id="54" name="Group 53"/>
+          <p:cNvGrpSpPr>
+            <a:grpSpLocks/>
+          </p:cNvGrpSpPr>
+          <p:nvPr/>
+        </p:nvGrpSpPr>
+        <p:grpSpPr bwMode="auto">
+          <a:xfrm>
+            <a:off x="8579003" y="4268238"/>
+            <a:ext cx="804373" cy="745986"/>
+            <a:chOff x="-20903" y="90911"/>
+            <a:chExt cx="1409423" cy="1310062"/>
+          </a:xfrm>
+        </p:grpSpPr>
+        <p:pic>
+          <p:nvPicPr>
+            <p:cNvPr id="55" name="Picture 54" descr="Picture 162"/>
+            <p:cNvPicPr>
+              <a:picLocks noChangeAspect="1"/>
+            </p:cNvPicPr>
+            <p:nvPr/>
+          </p:nvPicPr>
+          <p:blipFill>
+            <a:blip r:embed="rId10">
+              <a:extLst>
+                <a:ext uri="{28A0092B-C50C-407E-A947-70E740481C1C}">
+                  <a14:useLocalDpi xmlns:a14="http://schemas.microsoft.com/office/drawing/2010/main" val="0"/>
+                </a:ext>
+              </a:extLst>
+            </a:blip>
+            <a:srcRect/>
+            <a:stretch>
+              <a:fillRect/>
+            </a:stretch>
+          </p:blipFill>
+          <p:spPr bwMode="auto">
+            <a:xfrm>
+              <a:off x="340909" y="90911"/>
+              <a:ext cx="685801" cy="685799"/>
+            </a:xfrm>
+            <a:prstGeom prst="rect">
+              <a:avLst/>
+            </a:prstGeom>
+            <a:noFill/>
+            <a:ln>
+              <a:noFill/>
+            </a:ln>
+            <a:effectLst/>
+            <a:extLst>
+              <a:ext uri="{909E8E84-426E-40DD-AFC4-6F175D3DCCD1}">
+                <a14:hiddenFill xmlns:a14="http://schemas.microsoft.com/office/drawing/2010/main">
+                  <a:solidFill>
+                    <a:srgbClr val="FFFFFF"/>
+                  </a:solidFill>
+                </a14:hiddenFill>
+              </a:ext>
+              <a:ext uri="{91240B29-F687-4F45-9708-019B960494DF}">
+                <a14:hiddenLine xmlns:a14="http://schemas.microsoft.com/office/drawing/2010/main" w="12700" cap="flat" cmpd="sng">
+                  <a:solidFill>
+                    <a:srgbClr val="000000"/>
+                  </a:solidFill>
+                  <a:prstDash val="solid"/>
+                  <a:miter lim="400000"/>
+                  <a:headEnd type="none" w="med" len="med"/>
+                  <a:tailEnd type="none" w="med" len="med"/>
+                </a14:hiddenLine>
+              </a:ext>
+              <a:ext uri="{AF507438-7753-43E0-B8FC-AC1667EBCBE1}">
+                <a14:hiddenEffects xmlns:a14="http://schemas.microsoft.com/office/drawing/2010/main">
+                  <a:effectLst>
+                    <a:outerShdw blurRad="63500" dist="38099" dir="2700000" algn="ctr" rotWithShape="0">
+                      <a:srgbClr val="000000">
+                        <a:alpha val="74998"/>
+                      </a:srgbClr>
+                    </a:outerShdw>
+                  </a:effectLst>
+                </a14:hiddenEffects>
+              </a:ext>
+            </a:extLst>
+          </p:spPr>
+        </p:pic>
+        <p:sp>
+          <p:nvSpPr>
+            <p:cNvPr id="56" name="Text Box 79" descr="Rectangle 163"/>
+            <p:cNvSpPr txBox="1">
+              <a:spLocks/>
+            </p:cNvSpPr>
+            <p:nvPr/>
+          </p:nvSpPr>
+          <p:spPr bwMode="auto">
+            <a:xfrm>
+              <a:off x="-20903" y="698321"/>
+              <a:ext cx="1409423" cy="702652"/>
+            </a:xfrm>
+            <a:prstGeom prst="rect">
+              <a:avLst/>
+            </a:prstGeom>
+            <a:noFill/>
+            <a:ln>
+              <a:noFill/>
+            </a:ln>
+            <a:effectLst/>
+            <a:extLst>
+              <a:ext uri="{909E8E84-426E-40DD-AFC4-6F175D3DCCD1}">
+                <a14:hiddenFill xmlns:a14="http://schemas.microsoft.com/office/drawing/2010/main">
+                  <a:solidFill>
+                    <a:srgbClr val="FFFFFF"/>
+                  </a:solidFill>
+                </a14:hiddenFill>
+              </a:ext>
+              <a:ext uri="{91240B29-F687-4F45-9708-019B960494DF}">
+                <a14:hiddenLine xmlns:a14="http://schemas.microsoft.com/office/drawing/2010/main" w="12700" cap="flat" cmpd="sng">
+                  <a:solidFill>
+                    <a:srgbClr val="000000"/>
+                  </a:solidFill>
+                  <a:prstDash val="solid"/>
+                  <a:miter lim="400000"/>
+                  <a:headEnd type="none" w="med" len="med"/>
+                  <a:tailEnd type="none" w="med" len="med"/>
+                </a14:hiddenLine>
+              </a:ext>
+              <a:ext uri="{AF507438-7753-43E0-B8FC-AC1667EBCBE1}">
+                <a14:hiddenEffects xmlns:a14="http://schemas.microsoft.com/office/drawing/2010/main">
+                  <a:effectLst>
+                    <a:outerShdw blurRad="63500" dist="38099" dir="2700000" algn="ctr" rotWithShape="0">
+                      <a:srgbClr val="000000">
+                        <a:alpha val="74998"/>
+                      </a:srgbClr>
+                    </a:outerShdw>
+                  </a:effectLst>
+                </a14:hiddenEffects>
+              </a:ext>
+            </a:extLst>
+          </p:spPr>
+          <p:txBody>
+            <a:bodyPr wrap="square" lIns="45720" rIns="45720">
+              <a:spAutoFit/>
+            </a:bodyPr>
+            <a:lstStyle/>
+            <a:p>
+              <a:pPr algn="ctr"/>
+              <a:r>
+                <a:rPr lang="en-US" altLang="en-US" sz="1000" b="1" dirty="0" smtClean="0">
+                  <a:solidFill>
+                    <a:srgbClr val="FFFFFF"/>
+                  </a:solidFill>
+                  <a:latin typeface="Helvetica" charset="0"/>
+                  <a:ea typeface="Helvetica" charset="0"/>
+                  <a:cs typeface="Helvetica" charset="0"/>
+                  <a:sym typeface="Helvetica" charset="0"/>
+                </a:rPr>
+                <a:t>IBCS (Chatbot)</a:t>
+              </a:r>
+              <a:endParaRPr lang="en-US" altLang="en-US" sz="1000" b="1" dirty="0">
+                <a:solidFill>
+                  <a:srgbClr val="FFFFFF"/>
+                </a:solidFill>
+                <a:latin typeface="Helvetica" charset="0"/>
+                <a:ea typeface="Helvetica" charset="0"/>
+                <a:cs typeface="Helvetica" charset="0"/>
+                <a:sym typeface="Helvetica" charset="0"/>
+              </a:endParaRPr>
+            </a:p>
+          </p:txBody>
+        </p:sp>
+      </p:grpSp>
+      <p:sp>
+        <p:nvSpPr>
+          <p:cNvPr id="57" name="Rectangle 56"/>
+          <p:cNvSpPr/>
+          <p:nvPr/>
+        </p:nvSpPr>
+        <p:spPr>
+          <a:xfrm>
+            <a:off x="8431201" y="5755541"/>
+            <a:ext cx="1127259" cy="461665"/>
+          </a:xfrm>
+          <a:prstGeom prst="rect">
+            <a:avLst/>
+          </a:prstGeom>
+        </p:spPr>
+        <p:txBody>
+          <a:bodyPr wrap="square">
+            <a:spAutoFit/>
+          </a:bodyPr>
+          <a:lstStyle/>
+          <a:p>
+            <a:pPr algn="ctr"/>
+            <a:r>
+              <a:rPr lang="en-US" sz="1200" b="1" dirty="0" smtClean="0">
+                <a:solidFill>
+                  <a:schemeClr val="bg1"/>
+                </a:solidFill>
+              </a:rPr>
+              <a:t>Mobile</a:t>
+            </a:r>
+            <a:r>
+              <a:rPr lang="en-US" sz="1200" b="1" dirty="0">
+                <a:solidFill>
+                  <a:schemeClr val="bg1"/>
+                </a:solidFill>
+              </a:rPr>
+              <a:t> </a:t>
+            </a:r>
+            <a:r>
+              <a:rPr lang="en-US" sz="1200" b="1" dirty="0" smtClean="0">
+                <a:solidFill>
+                  <a:schemeClr val="bg1"/>
+                </a:solidFill>
+              </a:rPr>
+              <a:t>Cloud</a:t>
+            </a:r>
+          </a:p>
+          <a:p>
+            <a:pPr algn="ctr"/>
+            <a:r>
+              <a:rPr lang="en-US" sz="1200" b="1" dirty="0" smtClean="0">
+                <a:solidFill>
+                  <a:schemeClr val="bg1"/>
+                </a:solidFill>
+              </a:rPr>
+              <a:t>Enterprise</a:t>
+            </a:r>
+            <a:endParaRPr lang="en-US" sz="1200" dirty="0"/>
+          </a:p>
+        </p:txBody>
+      </p:sp>
+      <p:cxnSp>
+        <p:nvCxnSpPr>
+          <p:cNvPr id="58" name="Straight Arrow Connector 57"/>
+          <p:cNvCxnSpPr/>
+          <p:nvPr/>
+        </p:nvCxnSpPr>
+        <p:spPr>
+          <a:xfrm flipV="1">
+            <a:off x="8913838" y="3324017"/>
+            <a:ext cx="0" cy="692798"/>
+          </a:xfrm>
+          <a:prstGeom prst="straightConnector1">
+            <a:avLst/>
+          </a:prstGeom>
+          <a:ln w="38100">
+            <a:solidFill>
+              <a:schemeClr val="bg1"/>
+            </a:solidFill>
+            <a:prstDash val="sysDash"/>
+            <a:tailEnd type="triangle"/>
+          </a:ln>
+        </p:spPr>
+        <p:style>
+          <a:lnRef idx="1">
+            <a:schemeClr val="accent1"/>
+          </a:lnRef>
+          <a:fillRef idx="0">
+            <a:schemeClr val="accent1"/>
+          </a:fillRef>
+          <a:effectRef idx="0">
+            <a:schemeClr val="accent1"/>
+          </a:effectRef>
+          <a:fontRef idx="minor">
+            <a:schemeClr val="tx1"/>
+          </a:fontRef>
+        </p:style>
+      </p:cxnSp>
+      <p:grpSp>
+        <p:nvGrpSpPr>
+          <p:cNvPr id="62" name="Group 61"/>
+          <p:cNvGrpSpPr/>
+          <p:nvPr/>
+        </p:nvGrpSpPr>
+        <p:grpSpPr>
+          <a:xfrm>
+            <a:off x="10416738" y="2124375"/>
+            <a:ext cx="886781" cy="970511"/>
+            <a:chOff x="7618454" y="2055721"/>
+            <a:chExt cx="1218637" cy="1333700"/>
+          </a:xfrm>
+        </p:grpSpPr>
+        <p:pic>
+          <p:nvPicPr>
+            <p:cNvPr id="63" name="Picture 62"/>
+            <p:cNvPicPr>
+              <a:picLocks noChangeAspect="1"/>
+            </p:cNvPicPr>
+            <p:nvPr/>
+          </p:nvPicPr>
+          <p:blipFill>
+            <a:blip r:embed="rId11"/>
+            <a:stretch>
+              <a:fillRect/>
+            </a:stretch>
+          </p:blipFill>
+          <p:spPr>
+            <a:xfrm>
+              <a:off x="7711445" y="2055721"/>
+              <a:ext cx="1011882" cy="1096206"/>
+            </a:xfrm>
+            <a:prstGeom prst="rect">
+              <a:avLst/>
+            </a:prstGeom>
+          </p:spPr>
+        </p:pic>
+        <p:sp>
+          <p:nvSpPr>
+            <p:cNvPr id="64" name="Rectangle 63"/>
+            <p:cNvSpPr/>
+            <p:nvPr/>
+          </p:nvSpPr>
+          <p:spPr>
+            <a:xfrm>
+              <a:off x="7618454" y="2881876"/>
+              <a:ext cx="1218637" cy="507545"/>
+            </a:xfrm>
+            <a:prstGeom prst="rect">
+              <a:avLst/>
+            </a:prstGeom>
+          </p:spPr>
+          <p:txBody>
+            <a:bodyPr wrap="none">
+              <a:spAutoFit/>
+            </a:bodyPr>
+            <a:lstStyle/>
+            <a:p>
+              <a:pPr algn="ctr">
+                <a:lnSpc>
+                  <a:spcPct val="90000"/>
+                </a:lnSpc>
+              </a:pPr>
+              <a:r>
+                <a:rPr lang="en-US" altLang="en-US" sz="1000" b="1" dirty="0" smtClean="0">
+                  <a:solidFill>
+                    <a:srgbClr val="FFFFFF"/>
+                  </a:solidFill>
+                  <a:latin typeface="Helvetica" charset="0"/>
+                  <a:ea typeface="Helvetica" charset="0"/>
+                  <a:cs typeface="Helvetica" charset="0"/>
+                  <a:sym typeface="Helvetica" charset="0"/>
+                </a:rPr>
+                <a:t>Artificial</a:t>
+              </a:r>
+            </a:p>
+            <a:p>
+              <a:pPr algn="ctr">
+                <a:lnSpc>
+                  <a:spcPct val="90000"/>
+                </a:lnSpc>
+              </a:pPr>
+              <a:r>
+                <a:rPr lang="en-US" altLang="en-US" sz="1000" b="1" dirty="0" smtClean="0">
+                  <a:solidFill>
+                    <a:srgbClr val="FFFFFF"/>
+                  </a:solidFill>
+                  <a:latin typeface="Helvetica" charset="0"/>
+                  <a:ea typeface="Helvetica" charset="0"/>
+                  <a:cs typeface="Helvetica" charset="0"/>
+                  <a:sym typeface="Helvetica" charset="0"/>
+                </a:rPr>
+                <a:t>Intelligence</a:t>
+              </a:r>
+              <a:endParaRPr lang="en-US" altLang="en-US" sz="1000" b="1" dirty="0">
+                <a:solidFill>
+                  <a:srgbClr val="FFFFFF"/>
+                </a:solidFill>
+                <a:latin typeface="Helvetica" charset="0"/>
+                <a:ea typeface="Helvetica" charset="0"/>
+                <a:cs typeface="Helvetica" charset="0"/>
+                <a:sym typeface="Helvetica" charset="0"/>
+              </a:endParaRPr>
+            </a:p>
+          </p:txBody>
+        </p:sp>
+      </p:grpSp>
+      <p:cxnSp>
+        <p:nvCxnSpPr>
+          <p:cNvPr id="65" name="Straight Arrow Connector 64"/>
+          <p:cNvCxnSpPr/>
+          <p:nvPr/>
+        </p:nvCxnSpPr>
+        <p:spPr>
+          <a:xfrm flipH="1" flipV="1">
+            <a:off x="10205558" y="3404655"/>
+            <a:ext cx="2644" cy="802000"/>
+          </a:xfrm>
+          <a:prstGeom prst="straightConnector1">
+            <a:avLst/>
+          </a:prstGeom>
+          <a:ln w="38100">
+            <a:solidFill>
+              <a:schemeClr val="bg1"/>
+            </a:solidFill>
+            <a:prstDash val="sysDash"/>
+            <a:tailEnd type="triangle"/>
+          </a:ln>
+        </p:spPr>
+        <p:style>
+          <a:lnRef idx="1">
+            <a:schemeClr val="accent1"/>
+          </a:lnRef>
+          <a:fillRef idx="0">
+            <a:schemeClr val="accent1"/>
+          </a:fillRef>
+          <a:effectRef idx="0">
+            <a:schemeClr val="accent1"/>
+          </a:effectRef>
+          <a:fontRef idx="minor">
+            <a:schemeClr val="tx1"/>
+          </a:fontRef>
+        </p:style>
+      </p:cxnSp>
+      <p:cxnSp>
+        <p:nvCxnSpPr>
+          <p:cNvPr id="69" name="Straight Arrow Connector 68"/>
+          <p:cNvCxnSpPr/>
+          <p:nvPr/>
+        </p:nvCxnSpPr>
+        <p:spPr>
+          <a:xfrm>
+            <a:off x="9125463" y="3361178"/>
+            <a:ext cx="0" cy="655637"/>
+          </a:xfrm>
+          <a:prstGeom prst="straightConnector1">
+            <a:avLst/>
+          </a:prstGeom>
+          <a:ln w="38100">
+            <a:solidFill>
+              <a:schemeClr val="bg1"/>
+            </a:solidFill>
+            <a:prstDash val="sysDash"/>
+            <a:tailEnd type="triangle"/>
+          </a:ln>
+        </p:spPr>
+        <p:style>
+          <a:lnRef idx="1">
+            <a:schemeClr val="accent1"/>
+          </a:lnRef>
+          <a:fillRef idx="0">
+            <a:schemeClr val="accent1"/>
+          </a:fillRef>
+          <a:effectRef idx="0">
+            <a:schemeClr val="accent1"/>
+          </a:effectRef>
+          <a:fontRef idx="minor">
+            <a:schemeClr val="tx1"/>
+          </a:fontRef>
+        </p:style>
+      </p:cxnSp>
+    </p:spTree>
+    <p:extLst>
+      <p:ext uri="{BB962C8B-B14F-4D97-AF65-F5344CB8AC3E}">
+        <p14:creationId xmlns:p14="http://schemas.microsoft.com/office/powerpoint/2010/main" val="205921508"/>
       </p:ext>
     </p:extLst>
   </p:cSld>
@@ -6502,4 +12537,265 @@
     </a:ext>
   </a:extLst>
 </a:theme>
+</file>
+
+<file path=ppt/theme/theme2.xml><?xml version="1.0" encoding="utf-8"?>
+<a:theme xmlns:a="http://schemas.openxmlformats.org/drawingml/2006/main" name="Office Theme">
+  <a:themeElements>
+    <a:clrScheme name="Office">
+      <a:dk1>
+        <a:sysClr val="windowText" lastClr="000000"/>
+      </a:dk1>
+      <a:lt1>
+        <a:sysClr val="window" lastClr="FFFFFF"/>
+      </a:lt1>
+      <a:dk2>
+        <a:srgbClr val="44546A"/>
+      </a:dk2>
+      <a:lt2>
+        <a:srgbClr val="E7E6E6"/>
+      </a:lt2>
+      <a:accent1>
+        <a:srgbClr val="5B9BD5"/>
+      </a:accent1>
+      <a:accent2>
+        <a:srgbClr val="ED7D31"/>
+      </a:accent2>
+      <a:accent3>
+        <a:srgbClr val="A5A5A5"/>
+      </a:accent3>
+      <a:accent4>
+        <a:srgbClr val="FFC000"/>
+      </a:accent4>
+      <a:accent5>
+        <a:srgbClr val="4472C4"/>
+      </a:accent5>
+      <a:accent6>
+        <a:srgbClr val="70AD47"/>
+      </a:accent6>
+      <a:hlink>
+        <a:srgbClr val="0563C1"/>
+      </a:hlink>
+      <a:folHlink>
+        <a:srgbClr val="954F72"/>
+      </a:folHlink>
+    </a:clrScheme>
+    <a:fontScheme name="Office">
+      <a:majorFont>
+        <a:latin typeface="Calibri Light" panose="020F0302020204030204"/>
+        <a:ea typeface=""/>
+        <a:cs typeface=""/>
+        <a:font script="Jpan" typeface="Yu Gothic Light"/>
+        <a:font script="Hang" typeface="맑은 고딕"/>
+        <a:font script="Hans" typeface="DengXian Light"/>
+        <a:font script="Hant" typeface="新細明體"/>
+        <a:font script="Arab" typeface="Times New Roman"/>
+        <a:font script="Hebr" typeface="Times New Roman"/>
+        <a:font script="Thai" typeface="Angsana New"/>
+        <a:font script="Ethi" typeface="Nyala"/>
+        <a:font script="Beng" typeface="Vrinda"/>
+        <a:font script="Gujr" typeface="Shruti"/>
+        <a:font script="Khmr" typeface="MoolBoran"/>
+        <a:font script="Knda" typeface="Tunga"/>
+        <a:font script="Guru" typeface="Raavi"/>
+        <a:font script="Cans" typeface="Euphemia"/>
+        <a:font script="Cher" typeface="Plantagenet Cherokee"/>
+        <a:font script="Yiii" typeface="Microsoft Yi Baiti"/>
+        <a:font script="Tibt" typeface="Microsoft Himalaya"/>
+        <a:font script="Thaa" typeface="MV Boli"/>
+        <a:font script="Deva" typeface="Mangal"/>
+        <a:font script="Telu" typeface="Gautami"/>
+        <a:font script="Taml" typeface="Latha"/>
+        <a:font script="Syrc" typeface="Estrangelo Edessa"/>
+        <a:font script="Orya" typeface="Kalinga"/>
+        <a:font script="Mlym" typeface="Kartika"/>
+        <a:font script="Laoo" typeface="DokChampa"/>
+        <a:font script="Sinh" typeface="Iskoola Pota"/>
+        <a:font script="Mong" typeface="Mongolian Baiti"/>
+        <a:font script="Viet" typeface="Times New Roman"/>
+        <a:font script="Uigh" typeface="Microsoft Uighur"/>
+        <a:font script="Geor" typeface="Sylfaen"/>
+      </a:majorFont>
+      <a:minorFont>
+        <a:latin typeface="Calibri" panose="020F0502020204030204"/>
+        <a:ea typeface=""/>
+        <a:cs typeface=""/>
+        <a:font script="Jpan" typeface="Yu Gothic"/>
+        <a:font script="Hang" typeface="맑은 고딕"/>
+        <a:font script="Hans" typeface="DengXian"/>
+        <a:font script="Hant" typeface="新細明體"/>
+        <a:font script="Arab" typeface="Arial"/>
+        <a:font script="Hebr" typeface="Arial"/>
+        <a:font script="Thai" typeface="Cordia New"/>
+        <a:font script="Ethi" typeface="Nyala"/>
+        <a:font script="Beng" typeface="Vrinda"/>
+        <a:font script="Gujr" typeface="Shruti"/>
+        <a:font script="Khmr" typeface="DaunPenh"/>
+        <a:font script="Knda" typeface="Tunga"/>
+        <a:font script="Guru" typeface="Raavi"/>
+        <a:font script="Cans" typeface="Euphemia"/>
+        <a:font script="Cher" typeface="Plantagenet Cherokee"/>
+        <a:font script="Yiii" typeface="Microsoft Yi Baiti"/>
+        <a:font script="Tibt" typeface="Microsoft Himalaya"/>
+        <a:font script="Thaa" typeface="MV Boli"/>
+        <a:font script="Deva" typeface="Mangal"/>
+        <a:font script="Telu" typeface="Gautami"/>
+        <a:font script="Taml" typeface="Latha"/>
+        <a:font script="Syrc" typeface="Estrangelo Edessa"/>
+        <a:font script="Orya" typeface="Kalinga"/>
+        <a:font script="Mlym" typeface="Kartika"/>
+        <a:font script="Laoo" typeface="DokChampa"/>
+        <a:font script="Sinh" typeface="Iskoola Pota"/>
+        <a:font script="Mong" typeface="Mongolian Baiti"/>
+        <a:font script="Viet" typeface="Arial"/>
+        <a:font script="Uigh" typeface="Microsoft Uighur"/>
+        <a:font script="Geor" typeface="Sylfaen"/>
+      </a:minorFont>
+    </a:fontScheme>
+    <a:fmtScheme name="Office">
+      <a:fillStyleLst>
+        <a:solidFill>
+          <a:schemeClr val="phClr"/>
+        </a:solidFill>
+        <a:gradFill rotWithShape="1">
+          <a:gsLst>
+            <a:gs pos="0">
+              <a:schemeClr val="phClr">
+                <a:lumMod val="110000"/>
+                <a:satMod val="105000"/>
+                <a:tint val="67000"/>
+              </a:schemeClr>
+            </a:gs>
+            <a:gs pos="50000">
+              <a:schemeClr val="phClr">
+                <a:lumMod val="105000"/>
+                <a:satMod val="103000"/>
+                <a:tint val="73000"/>
+              </a:schemeClr>
+            </a:gs>
+            <a:gs pos="100000">
+              <a:schemeClr val="phClr">
+                <a:lumMod val="105000"/>
+                <a:satMod val="109000"/>
+                <a:tint val="81000"/>
+              </a:schemeClr>
+            </a:gs>
+          </a:gsLst>
+          <a:lin ang="5400000" scaled="0"/>
+        </a:gradFill>
+        <a:gradFill rotWithShape="1">
+          <a:gsLst>
+            <a:gs pos="0">
+              <a:schemeClr val="phClr">
+                <a:satMod val="103000"/>
+                <a:lumMod val="102000"/>
+                <a:tint val="94000"/>
+              </a:schemeClr>
+            </a:gs>
+            <a:gs pos="50000">
+              <a:schemeClr val="phClr">
+                <a:satMod val="110000"/>
+                <a:lumMod val="100000"/>
+                <a:shade val="100000"/>
+              </a:schemeClr>
+            </a:gs>
+            <a:gs pos="100000">
+              <a:schemeClr val="phClr">
+                <a:lumMod val="99000"/>
+                <a:satMod val="120000"/>
+                <a:shade val="78000"/>
+              </a:schemeClr>
+            </a:gs>
+          </a:gsLst>
+          <a:lin ang="5400000" scaled="0"/>
+        </a:gradFill>
+      </a:fillStyleLst>
+      <a:lnStyleLst>
+        <a:ln w="6350" cap="flat" cmpd="sng" algn="ctr">
+          <a:solidFill>
+            <a:schemeClr val="phClr"/>
+          </a:solidFill>
+          <a:prstDash val="solid"/>
+          <a:miter lim="800000"/>
+        </a:ln>
+        <a:ln w="12700" cap="flat" cmpd="sng" algn="ctr">
+          <a:solidFill>
+            <a:schemeClr val="phClr"/>
+          </a:solidFill>
+          <a:prstDash val="solid"/>
+          <a:miter lim="800000"/>
+        </a:ln>
+        <a:ln w="19050" cap="flat" cmpd="sng" algn="ctr">
+          <a:solidFill>
+            <a:schemeClr val="phClr"/>
+          </a:solidFill>
+          <a:prstDash val="solid"/>
+          <a:miter lim="800000"/>
+        </a:ln>
+      </a:lnStyleLst>
+      <a:effectStyleLst>
+        <a:effectStyle>
+          <a:effectLst/>
+        </a:effectStyle>
+        <a:effectStyle>
+          <a:effectLst/>
+        </a:effectStyle>
+        <a:effectStyle>
+          <a:effectLst>
+            <a:outerShdw blurRad="57150" dist="19050" dir="5400000" algn="ctr" rotWithShape="0">
+              <a:srgbClr val="000000">
+                <a:alpha val="63000"/>
+              </a:srgbClr>
+            </a:outerShdw>
+          </a:effectLst>
+        </a:effectStyle>
+      </a:effectStyleLst>
+      <a:bgFillStyleLst>
+        <a:solidFill>
+          <a:schemeClr val="phClr"/>
+        </a:solidFill>
+        <a:solidFill>
+          <a:schemeClr val="phClr">
+            <a:tint val="95000"/>
+            <a:satMod val="170000"/>
+          </a:schemeClr>
+        </a:solidFill>
+        <a:gradFill rotWithShape="1">
+          <a:gsLst>
+            <a:gs pos="0">
+              <a:schemeClr val="phClr">
+                <a:tint val="93000"/>
+                <a:satMod val="150000"/>
+                <a:shade val="98000"/>
+                <a:lumMod val="102000"/>
+              </a:schemeClr>
+            </a:gs>
+            <a:gs pos="50000">
+              <a:schemeClr val="phClr">
+                <a:tint val="98000"/>
+                <a:satMod val="130000"/>
+                <a:shade val="90000"/>
+                <a:lumMod val="103000"/>
+              </a:schemeClr>
+            </a:gs>
+            <a:gs pos="100000">
+              <a:schemeClr val="phClr">
+                <a:shade val="63000"/>
+                <a:satMod val="120000"/>
+              </a:schemeClr>
+            </a:gs>
+          </a:gsLst>
+          <a:lin ang="5400000" scaled="0"/>
+        </a:gradFill>
+      </a:bgFillStyleLst>
+    </a:fmtScheme>
+  </a:themeElements>
+  <a:objectDefaults/>
+  <a:extraClrSchemeLst/>
+  <a:extLst>
+    <a:ext uri="{05A4C25C-085E-4340-85A3-A5531E510DB2}">
+      <thm15:themeFamily xmlns:thm15="http://schemas.microsoft.com/office/thememl/2012/main" name="Office Theme" id="{62F939B6-93AF-4DB8-9C6B-D6C7DFDC589F}" vid="{4A3C46E8-61CC-4603-A589-7422A47A8E4A}"/>
+    </a:ext>
+  </a:extLst>
+</a:theme>
 </file>